--- a/talks/2019-1105-lale.pptx
+++ b/talks/2019-1105-lale.pptx
@@ -29986,41 +29986,6 @@
           </a:p>
         </p:txBody>
       </p:sp>
-      <p:pic>
-        <p:nvPicPr>
-          <p:cNvPr id="7" name="Picture 6">
-            <a:extLst>
-              <a:ext uri="{FF2B5EF4-FFF2-40B4-BE49-F238E27FC236}">
-                <a16:creationId xmlns:a16="http://schemas.microsoft.com/office/drawing/2014/main" id="{5CF7C753-C8EC-43AC-B5E0-D24431588681}"/>
-              </a:ext>
-            </a:extLst>
-          </p:cNvPr>
-          <p:cNvPicPr>
-            <a:picLocks noChangeAspect="1"/>
-          </p:cNvPicPr>
-          <p:nvPr/>
-        </p:nvPicPr>
-        <p:blipFill>
-          <a:blip r:embed="rId2"/>
-          <a:stretch>
-            <a:fillRect/>
-          </a:stretch>
-        </p:blipFill>
-        <p:spPr>
-          <a:xfrm>
-            <a:off x="4310033" y="5071127"/>
-            <a:ext cx="5448300" cy="1209675"/>
-          </a:xfrm>
-          <a:prstGeom prst="rect">
-            <a:avLst/>
-          </a:prstGeom>
-          <a:ln w="6350">
-            <a:solidFill>
-              <a:schemeClr val="tx1"/>
-            </a:solidFill>
-          </a:ln>
-        </p:spPr>
-      </p:pic>
       <p:grpSp>
         <p:nvGrpSpPr>
           <p:cNvPr id="8" name="Group 17">
@@ -30733,12 +30698,12 @@
         </p:nvSpPr>
         <p:spPr>
           <a:xfrm>
-            <a:off x="9692353" y="5167146"/>
+            <a:off x="9692353" y="5184490"/>
             <a:ext cx="914400" cy="914400"/>
           </a:xfrm>
           <a:prstGeom prst="arc">
             <a:avLst>
-              <a:gd name="adj1" fmla="val 13432601"/>
+              <a:gd name="adj1" fmla="val 13513321"/>
               <a:gd name="adj2" fmla="val 8125546"/>
             </a:avLst>
           </a:prstGeom>
@@ -30786,8 +30751,8 @@
         </p:nvSpPr>
         <p:spPr>
           <a:xfrm>
-            <a:off x="10606753" y="5347941"/>
-            <a:ext cx="1056700" cy="646331"/>
+            <a:off x="10591513" y="5180025"/>
+            <a:ext cx="941283" cy="923330"/>
           </a:xfrm>
           <a:prstGeom prst="rect">
             <a:avLst/>
@@ -30815,7 +30780,214 @@
               <a:rPr lang="en-US">
                 <a:latin typeface="Arial" panose="020B0604020202020204" pitchFamily="34" charset="0"/>
               </a:rPr>
-              <a:t>fit, score</a:t>
+              <a:t>fit,</a:t>
+            </a:r>
+            <a:br>
+              <a:rPr lang="en-US">
+                <a:latin typeface="Arial" panose="020B0604020202020204" pitchFamily="34" charset="0"/>
+              </a:rPr>
+            </a:br>
+            <a:r>
+              <a:rPr lang="en-US">
+                <a:latin typeface="Arial" panose="020B0604020202020204" pitchFamily="34" charset="0"/>
+              </a:rPr>
+              <a:t>score</a:t>
+            </a:r>
+          </a:p>
+        </p:txBody>
+      </p:sp>
+      <p:sp>
+        <p:nvSpPr>
+          <p:cNvPr id="2" name="TextBox 1">
+            <a:extLst>
+              <a:ext uri="{FF2B5EF4-FFF2-40B4-BE49-F238E27FC236}">
+                <a16:creationId xmlns:a16="http://schemas.microsoft.com/office/drawing/2014/main" id="{B7532BC2-DDC2-4C1A-BFB4-BE48F75026CE}"/>
+              </a:ext>
+            </a:extLst>
+          </p:cNvPr>
+          <p:cNvSpPr txBox="1"/>
+          <p:nvPr/>
+        </p:nvSpPr>
+        <p:spPr>
+          <a:xfrm>
+            <a:off x="4274234" y="5136047"/>
+            <a:ext cx="5551520" cy="1092607"/>
+          </a:xfrm>
+          <a:prstGeom prst="rect">
+            <a:avLst/>
+          </a:prstGeom>
+          <a:solidFill>
+            <a:srgbClr val="F7F7F7"/>
+          </a:solidFill>
+          <a:ln>
+            <a:solidFill>
+              <a:schemeClr val="tx1"/>
+            </a:solidFill>
+          </a:ln>
+        </p:spPr>
+        <p:txBody>
+          <a:bodyPr wrap="none" rtlCol="0">
+            <a:spAutoFit/>
+          </a:bodyPr>
+          <a:lstStyle/>
+          <a:p>
+            <a:r>
+              <a:rPr lang="en-US" sz="1300">
+                <a:latin typeface="Courier New" panose="02070309020205020404" pitchFamily="49" charset="0"/>
+              </a:rPr>
+              <a:t>pipeline </a:t>
+            </a:r>
+            <a:r>
+              <a:rPr lang="en-US" sz="1300" b="1">
+                <a:solidFill>
+                  <a:srgbClr val="A336FE"/>
+                </a:solidFill>
+                <a:latin typeface="Courier New" panose="02070309020205020404" pitchFamily="49" charset="0"/>
+              </a:rPr>
+              <a:t>=</a:t>
+            </a:r>
+            <a:r>
+              <a:rPr lang="en-US" sz="1300">
+                <a:latin typeface="Courier New" panose="02070309020205020404" pitchFamily="49" charset="0"/>
+              </a:rPr>
+              <a:t> (</a:t>
+            </a:r>
+          </a:p>
+          <a:p>
+            <a:r>
+              <a:rPr lang="en-US" sz="1300">
+                <a:latin typeface="Courier New" panose="02070309020205020404" pitchFamily="49" charset="0"/>
+              </a:rPr>
+              <a:t>     (  Project(columns={'type': 'number'}) </a:t>
+            </a:r>
+            <a:r>
+              <a:rPr lang="en-US" sz="1300" b="1">
+                <a:solidFill>
+                  <a:srgbClr val="A336FE"/>
+                </a:solidFill>
+                <a:latin typeface="Courier New" panose="02070309020205020404" pitchFamily="49" charset="0"/>
+              </a:rPr>
+              <a:t>&gt;&gt;</a:t>
+            </a:r>
+            <a:r>
+              <a:rPr lang="en-US" sz="1300">
+                <a:latin typeface="Courier New" panose="02070309020205020404" pitchFamily="49" charset="0"/>
+              </a:rPr>
+              <a:t> Norm</a:t>
+            </a:r>
+          </a:p>
+          <a:p>
+            <a:r>
+              <a:rPr lang="en-US" sz="1300">
+                <a:latin typeface="Courier New" panose="02070309020205020404" pitchFamily="49" charset="0"/>
+              </a:rPr>
+              <a:t>      </a:t>
+            </a:r>
+            <a:r>
+              <a:rPr lang="en-US" sz="1300" b="1">
+                <a:solidFill>
+                  <a:srgbClr val="A336FE"/>
+                </a:solidFill>
+                <a:latin typeface="Courier New" panose="02070309020205020404" pitchFamily="49" charset="0"/>
+              </a:rPr>
+              <a:t>&amp;</a:t>
+            </a:r>
+            <a:r>
+              <a:rPr lang="en-US" sz="1300">
+                <a:latin typeface="Courier New" panose="02070309020205020404" pitchFamily="49" charset="0"/>
+              </a:rPr>
+              <a:t> Project(columns={'type': 'string'}) </a:t>
+            </a:r>
+            <a:r>
+              <a:rPr lang="en-US" sz="1300" b="1">
+                <a:solidFill>
+                  <a:srgbClr val="A336FE"/>
+                </a:solidFill>
+                <a:latin typeface="Courier New" panose="02070309020205020404" pitchFamily="49" charset="0"/>
+              </a:rPr>
+              <a:t>&gt;&gt;</a:t>
+            </a:r>
+            <a:r>
+              <a:rPr lang="en-US" sz="1300">
+                <a:latin typeface="Courier New" panose="02070309020205020404" pitchFamily="49" charset="0"/>
+              </a:rPr>
+              <a:t> OneHot)</a:t>
+            </a:r>
+          </a:p>
+          <a:p>
+            <a:r>
+              <a:rPr lang="en-US" sz="1300">
+                <a:latin typeface="Courier New" panose="02070309020205020404" pitchFamily="49" charset="0"/>
+              </a:rPr>
+              <a:t>  </a:t>
+            </a:r>
+            <a:r>
+              <a:rPr lang="en-US" sz="1300" b="1">
+                <a:solidFill>
+                  <a:srgbClr val="A336FE"/>
+                </a:solidFill>
+                <a:latin typeface="Courier New" panose="02070309020205020404" pitchFamily="49" charset="0"/>
+              </a:rPr>
+              <a:t>&gt;&gt;</a:t>
+            </a:r>
+            <a:r>
+              <a:rPr lang="en-US" sz="1300">
+                <a:latin typeface="Courier New" panose="02070309020205020404" pitchFamily="49" charset="0"/>
+              </a:rPr>
+              <a:t> Concat</a:t>
+            </a:r>
+          </a:p>
+          <a:p>
+            <a:r>
+              <a:rPr lang="en-US" sz="1300">
+                <a:latin typeface="Courier New" panose="02070309020205020404" pitchFamily="49" charset="0"/>
+              </a:rPr>
+              <a:t>  </a:t>
+            </a:r>
+            <a:r>
+              <a:rPr lang="en-US" sz="1300" b="1">
+                <a:solidFill>
+                  <a:srgbClr val="A336FE"/>
+                </a:solidFill>
+                <a:latin typeface="Courier New" panose="02070309020205020404" pitchFamily="49" charset="0"/>
+              </a:rPr>
+              <a:t>&gt;&gt;</a:t>
+            </a:r>
+            <a:r>
+              <a:rPr lang="en-US" sz="1300">
+                <a:latin typeface="Courier New" panose="02070309020205020404" pitchFamily="49" charset="0"/>
+              </a:rPr>
+              <a:t> (LR </a:t>
+            </a:r>
+            <a:r>
+              <a:rPr lang="en-US" sz="1300" b="1">
+                <a:solidFill>
+                  <a:srgbClr val="A336FE"/>
+                </a:solidFill>
+                <a:latin typeface="Courier New" panose="02070309020205020404" pitchFamily="49" charset="0"/>
+              </a:rPr>
+              <a:t>|</a:t>
+            </a:r>
+            <a:r>
+              <a:rPr lang="en-US" sz="1300">
+                <a:latin typeface="Courier New" panose="02070309020205020404" pitchFamily="49" charset="0"/>
+              </a:rPr>
+              <a:t> XGBoost </a:t>
+            </a:r>
+            <a:r>
+              <a:rPr lang="en-US" sz="1300" b="1">
+                <a:solidFill>
+                  <a:srgbClr val="A336FE"/>
+                </a:solidFill>
+                <a:latin typeface="Courier New" panose="02070309020205020404" pitchFamily="49" charset="0"/>
+              </a:rPr>
+              <a:t>|</a:t>
+            </a:r>
+            <a:r>
+              <a:rPr lang="en-US" sz="1300">
+                <a:latin typeface="Courier New" panose="02070309020205020404" pitchFamily="49" charset="0"/>
+              </a:rPr>
+              <a:t> LinearSVC))</a:t>
             </a:r>
           </a:p>
         </p:txBody>

--- a/talks/2019-1105-lale.pptx
+++ b/talks/2019-1105-lale.pptx
@@ -19392,6 +19392,43 @@
           </a:p>
         </p:txBody>
       </p:sp>
+      <p:sp>
+        <p:nvSpPr>
+          <p:cNvPr id="51" name="TextBox 50">
+            <a:extLst>
+              <a:ext uri="{FF2B5EF4-FFF2-40B4-BE49-F238E27FC236}">
+                <a16:creationId xmlns:a16="http://schemas.microsoft.com/office/drawing/2014/main" id="{A1C84246-D24D-4D08-A105-3ED1BA881350}"/>
+              </a:ext>
+            </a:extLst>
+          </p:cNvPr>
+          <p:cNvSpPr txBox="1"/>
+          <p:nvPr/>
+        </p:nvSpPr>
+        <p:spPr>
+          <a:xfrm>
+            <a:off x="895457" y="6358978"/>
+            <a:ext cx="8426346" cy="369332"/>
+          </a:xfrm>
+          <a:prstGeom prst="rect">
+            <a:avLst/>
+          </a:prstGeom>
+          <a:noFill/>
+        </p:spPr>
+        <p:txBody>
+          <a:bodyPr wrap="none" rtlCol="0">
+            <a:spAutoFit/>
+          </a:bodyPr>
+          <a:lstStyle/>
+          <a:p>
+            <a:r>
+              <a:rPr lang="en-US">
+                <a:latin typeface="Arial" panose="020B0604020202020204" pitchFamily="34" charset="0"/>
+              </a:rPr>
+              <a:t>“Type-Driven Automated Learning with Lale”, https://arxiv.org/pdf/1906.03957.pdf</a:t>
+            </a:r>
+          </a:p>
+        </p:txBody>
+      </p:sp>
     </p:spTree>
     <p:extLst>
       <p:ext uri="{BB962C8B-B14F-4D97-AF65-F5344CB8AC3E}">
@@ -22180,7 +22217,7 @@
                 <a:latin typeface="Arial" panose="020B0604020202020204" pitchFamily="34" charset="0"/>
                 <a:cs typeface="Courier New" panose="02070309020205020404" pitchFamily="49" charset="0"/>
               </a:rPr>
-              <a:t>Robustness</a:t>
+              <a:t>More robustness</a:t>
             </a:r>
           </a:p>
           <a:p>
@@ -22906,43 +22943,6 @@
           </a:p>
         </p:txBody>
       </p:sp>
-      <p:sp>
-        <p:nvSpPr>
-          <p:cNvPr id="13" name="TextBox 12">
-            <a:extLst>
-              <a:ext uri="{FF2B5EF4-FFF2-40B4-BE49-F238E27FC236}">
-                <a16:creationId xmlns:a16="http://schemas.microsoft.com/office/drawing/2014/main" id="{1BD207BC-D5EB-48A4-A783-C71D91507AED}"/>
-              </a:ext>
-            </a:extLst>
-          </p:cNvPr>
-          <p:cNvSpPr txBox="1"/>
-          <p:nvPr/>
-        </p:nvSpPr>
-        <p:spPr>
-          <a:xfrm>
-            <a:off x="838200" y="948810"/>
-            <a:ext cx="8840882" cy="369332"/>
-          </a:xfrm>
-          <a:prstGeom prst="rect">
-            <a:avLst/>
-          </a:prstGeom>
-          <a:noFill/>
-        </p:spPr>
-        <p:txBody>
-          <a:bodyPr wrap="none" rtlCol="0">
-            <a:spAutoFit/>
-          </a:bodyPr>
-          <a:lstStyle/>
-          <a:p>
-            <a:r>
-              <a:rPr lang="en-US">
-                <a:latin typeface="Arial" panose="020B0604020202020204" pitchFamily="34" charset="0"/>
-              </a:rPr>
-              <a:t>https://github.ibm.com/Lale/lale-ibm/blob/master/examples/talk_2019-1025-lale.ipynb</a:t>
-            </a:r>
-          </a:p>
-        </p:txBody>
-      </p:sp>
       <p:pic>
         <p:nvPicPr>
           <p:cNvPr id="3" name="Picture 2">
@@ -23003,6 +23003,43 @@
           </a:prstGeom>
         </p:spPr>
       </p:pic>
+      <p:sp>
+        <p:nvSpPr>
+          <p:cNvPr id="13" name="TextBox 12">
+            <a:extLst>
+              <a:ext uri="{FF2B5EF4-FFF2-40B4-BE49-F238E27FC236}">
+                <a16:creationId xmlns:a16="http://schemas.microsoft.com/office/drawing/2014/main" id="{1BD207BC-D5EB-48A4-A783-C71D91507AED}"/>
+              </a:ext>
+            </a:extLst>
+          </p:cNvPr>
+          <p:cNvSpPr txBox="1"/>
+          <p:nvPr/>
+        </p:nvSpPr>
+        <p:spPr>
+          <a:xfrm>
+            <a:off x="895457" y="6358978"/>
+            <a:ext cx="7913257" cy="369332"/>
+          </a:xfrm>
+          <a:prstGeom prst="rect">
+            <a:avLst/>
+          </a:prstGeom>
+          <a:noFill/>
+        </p:spPr>
+        <p:txBody>
+          <a:bodyPr wrap="none" rtlCol="0">
+            <a:spAutoFit/>
+          </a:bodyPr>
+          <a:lstStyle/>
+          <a:p>
+            <a:r>
+              <a:rPr lang="en-US">
+                <a:latin typeface="Arial" panose="020B0604020202020204" pitchFamily="34" charset="0"/>
+              </a:rPr>
+              <a:t>https://github.com/IBM/lale/blob/master/examples/talk_2019-1105-lale.ipynb</a:t>
+            </a:r>
+          </a:p>
+        </p:txBody>
+      </p:sp>
     </p:spTree>
     <p:extLst>
       <p:ext uri="{BB962C8B-B14F-4D97-AF65-F5344CB8AC3E}">
@@ -29568,6 +29605,43 @@
           </a:graphicData>
         </a:graphic>
       </p:graphicFrame>
+      <p:sp>
+        <p:nvSpPr>
+          <p:cNvPr id="16" name="TextBox 15">
+            <a:extLst>
+              <a:ext uri="{FF2B5EF4-FFF2-40B4-BE49-F238E27FC236}">
+                <a16:creationId xmlns:a16="http://schemas.microsoft.com/office/drawing/2014/main" id="{1DCDFC81-3476-46D1-827F-453D04F42E9B}"/>
+              </a:ext>
+            </a:extLst>
+          </p:cNvPr>
+          <p:cNvSpPr txBox="1"/>
+          <p:nvPr/>
+        </p:nvSpPr>
+        <p:spPr>
+          <a:xfrm>
+            <a:off x="895457" y="6358978"/>
+            <a:ext cx="8426346" cy="369332"/>
+          </a:xfrm>
+          <a:prstGeom prst="rect">
+            <a:avLst/>
+          </a:prstGeom>
+          <a:noFill/>
+        </p:spPr>
+        <p:txBody>
+          <a:bodyPr wrap="none" rtlCol="0">
+            <a:spAutoFit/>
+          </a:bodyPr>
+          <a:lstStyle/>
+          <a:p>
+            <a:r>
+              <a:rPr lang="en-US">
+                <a:latin typeface="Arial" panose="020B0604020202020204" pitchFamily="34" charset="0"/>
+              </a:rPr>
+              <a:t>“Type-Driven Automated Learning with Lale”, https://arxiv.org/pdf/1906.03957.pdf</a:t>
+            </a:r>
+          </a:p>
+        </p:txBody>
+      </p:sp>
     </p:spTree>
     <p:extLst>
       <p:ext uri="{BB962C8B-B14F-4D97-AF65-F5344CB8AC3E}">

--- a/talks/2019-1105-lale.pptx
+++ b/talks/2019-1105-lale.pptx
@@ -6,7 +6,7 @@
     <p:sldMasterId id="2147483660" r:id="rId2"/>
   </p:sldMasterIdLst>
   <p:notesMasterIdLst>
-    <p:notesMasterId r:id="rId22"/>
+    <p:notesMasterId r:id="rId23"/>
   </p:notesMasterIdLst>
   <p:sldIdLst>
     <p:sldId id="262" r:id="rId3"/>
@@ -15,19 +15,20 @@
     <p:sldId id="264" r:id="rId6"/>
     <p:sldId id="265" r:id="rId7"/>
     <p:sldId id="277" r:id="rId8"/>
-    <p:sldId id="267" r:id="rId9"/>
-    <p:sldId id="258" r:id="rId10"/>
+    <p:sldId id="281" r:id="rId9"/>
+    <p:sldId id="279" r:id="rId10"/>
     <p:sldId id="276" r:id="rId11"/>
     <p:sldId id="269" r:id="rId12"/>
-    <p:sldId id="271" r:id="rId13"/>
+    <p:sldId id="259" r:id="rId13"/>
     <p:sldId id="272" r:id="rId14"/>
     <p:sldId id="273" r:id="rId15"/>
-    <p:sldId id="259" r:id="rId16"/>
+    <p:sldId id="271" r:id="rId16"/>
     <p:sldId id="278" r:id="rId17"/>
-    <p:sldId id="274" r:id="rId18"/>
-    <p:sldId id="261" r:id="rId19"/>
-    <p:sldId id="275" r:id="rId20"/>
-    <p:sldId id="260" r:id="rId21"/>
+    <p:sldId id="280" r:id="rId18"/>
+    <p:sldId id="274" r:id="rId19"/>
+    <p:sldId id="261" r:id="rId20"/>
+    <p:sldId id="275" r:id="rId21"/>
+    <p:sldId id="260" r:id="rId22"/>
   </p:sldIdLst>
   <p:sldSz cx="12192000" cy="6858000"/>
   <p:notesSz cx="6858000" cy="9144000"/>
@@ -6621,7 +6622,7 @@
           <a:p>
             <a:fld id="{B46172E2-DD30-4955-A358-C747F1C9D1FD}" type="datetimeFigureOut">
               <a:rPr lang="en-US" smtClean="0"/>
-              <a:t>10/31/2019</a:t>
+              <a:t>11/4/2019</a:t>
             </a:fld>
             <a:endParaRPr lang="en-US"/>
           </a:p>
@@ -7035,7 +7036,7 @@
           <a:p>
             <a:fld id="{40DDD2B0-C857-4865-936C-7553BAB02E13}" type="datetime1">
               <a:rPr lang="en-US" smtClean="0"/>
-              <a:t>10/31/2019</a:t>
+              <a:t>11/4/2019</a:t>
             </a:fld>
             <a:endParaRPr lang="en-US"/>
           </a:p>
@@ -7233,7 +7234,7 @@
           <a:p>
             <a:fld id="{AE3C225D-DB9A-4959-8D19-9D64652BB4D0}" type="datetime1">
               <a:rPr lang="en-US" smtClean="0"/>
-              <a:t>10/31/2019</a:t>
+              <a:t>11/4/2019</a:t>
             </a:fld>
             <a:endParaRPr lang="en-US"/>
           </a:p>
@@ -7441,7 +7442,7 @@
           <a:p>
             <a:fld id="{DEC93B69-3488-4DE5-BD52-C4AA8731117A}" type="datetime1">
               <a:rPr lang="en-US" smtClean="0"/>
-              <a:t>10/31/2019</a:t>
+              <a:t>11/4/2019</a:t>
             </a:fld>
             <a:endParaRPr lang="en-US"/>
           </a:p>
@@ -7645,7 +7646,7 @@
           <a:p>
             <a:fld id="{973898E5-AB1D-4A34-A10D-9A7C96440E0E}" type="datetime1">
               <a:rPr lang="en-US" smtClean="0"/>
-              <a:t>10/31/2019</a:t>
+              <a:t>11/4/2019</a:t>
             </a:fld>
             <a:endParaRPr lang="en-US"/>
           </a:p>
@@ -7815,7 +7816,7 @@
           <a:p>
             <a:fld id="{1334C935-001B-4E87-BCA0-AE188B2EA776}" type="datetime1">
               <a:rPr lang="en-US" smtClean="0"/>
-              <a:t>10/31/2019</a:t>
+              <a:t>11/4/2019</a:t>
             </a:fld>
             <a:endParaRPr lang="en-US"/>
           </a:p>
@@ -8061,7 +8062,7 @@
           <a:p>
             <a:fld id="{617009EB-616E-4E9C-B1BE-E45FA0F370E8}" type="datetime1">
               <a:rPr lang="en-US" smtClean="0"/>
-              <a:t>10/31/2019</a:t>
+              <a:t>11/4/2019</a:t>
             </a:fld>
             <a:endParaRPr lang="en-US"/>
           </a:p>
@@ -8293,7 +8294,7 @@
           <a:p>
             <a:fld id="{5A67F009-528D-412D-AE44-BD62EC85F1A4}" type="datetime1">
               <a:rPr lang="en-US" smtClean="0"/>
-              <a:t>10/31/2019</a:t>
+              <a:t>11/4/2019</a:t>
             </a:fld>
             <a:endParaRPr lang="en-US"/>
           </a:p>
@@ -8660,7 +8661,7 @@
           <a:p>
             <a:fld id="{7D3A163C-9FC0-4D44-8E17-70CC66943A34}" type="datetime1">
               <a:rPr lang="en-US" smtClean="0"/>
-              <a:t>10/31/2019</a:t>
+              <a:t>11/4/2019</a:t>
             </a:fld>
             <a:endParaRPr lang="en-US"/>
           </a:p>
@@ -8778,7 +8779,7 @@
           <a:p>
             <a:fld id="{EF834E48-36E1-4370-8CB2-D887AB7B8DBB}" type="datetime1">
               <a:rPr lang="en-US" smtClean="0"/>
-              <a:t>10/31/2019</a:t>
+              <a:t>11/4/2019</a:t>
             </a:fld>
             <a:endParaRPr lang="en-US"/>
           </a:p>
@@ -8873,7 +8874,7 @@
           <a:p>
             <a:fld id="{516CCBDE-1924-4990-8D1D-9CF109BE01DD}" type="datetime1">
               <a:rPr lang="en-US" smtClean="0"/>
-              <a:t>10/31/2019</a:t>
+              <a:t>11/4/2019</a:t>
             </a:fld>
             <a:endParaRPr lang="en-US"/>
           </a:p>
@@ -9150,7 +9151,7 @@
           <a:p>
             <a:fld id="{13C1F780-F403-4C78-9C78-24F52AA7B651}" type="datetime1">
               <a:rPr lang="en-US" smtClean="0"/>
-              <a:t>10/31/2019</a:t>
+              <a:t>11/4/2019</a:t>
             </a:fld>
             <a:endParaRPr lang="en-US"/>
           </a:p>
@@ -9336,7 +9337,7 @@
           <a:p>
             <a:fld id="{0165C337-3FB6-4341-8249-0762B59A2A22}" type="datetime1">
               <a:rPr lang="en-US" smtClean="0"/>
-              <a:t>10/31/2019</a:t>
+              <a:t>11/4/2019</a:t>
             </a:fld>
             <a:endParaRPr lang="en-US"/>
           </a:p>
@@ -9605,7 +9606,7 @@
           <a:p>
             <a:fld id="{49700A0D-05CB-4903-B8F2-B7E8A000BD26}" type="datetime1">
               <a:rPr lang="en-US" smtClean="0"/>
-              <a:t>10/31/2019</a:t>
+              <a:t>11/4/2019</a:t>
             </a:fld>
             <a:endParaRPr lang="en-US"/>
           </a:p>
@@ -9775,7 +9776,7 @@
           <a:p>
             <a:fld id="{0E897981-C731-4125-8BF1-73823750AD4C}" type="datetime1">
               <a:rPr lang="en-US" smtClean="0"/>
-              <a:t>10/31/2019</a:t>
+              <a:t>11/4/2019</a:t>
             </a:fld>
             <a:endParaRPr lang="en-US"/>
           </a:p>
@@ -9955,7 +9956,7 @@
           <a:p>
             <a:fld id="{8D4ED788-055D-42FC-92DC-280DEDD47743}" type="datetime1">
               <a:rPr lang="en-US" smtClean="0"/>
-              <a:t>10/31/2019</a:t>
+              <a:t>11/4/2019</a:t>
             </a:fld>
             <a:endParaRPr lang="en-US"/>
           </a:p>
@@ -10218,7 +10219,7 @@
           <a:p>
             <a:fld id="{0CAC75AC-B994-4A5B-8C96-52A09099F1B7}" type="datetime1">
               <a:rPr lang="en-US" smtClean="0"/>
-              <a:t>10/31/2019</a:t>
+              <a:t>11/4/2019</a:t>
             </a:fld>
             <a:endParaRPr lang="en-US"/>
           </a:p>
@@ -10483,7 +10484,7 @@
           <a:p>
             <a:fld id="{FC625515-91E7-42FD-8785-9B5C056E96FF}" type="datetime1">
               <a:rPr lang="en-US" smtClean="0"/>
-              <a:t>10/31/2019</a:t>
+              <a:t>11/4/2019</a:t>
             </a:fld>
             <a:endParaRPr lang="en-US"/>
           </a:p>
@@ -10895,7 +10896,7 @@
           <a:p>
             <a:fld id="{1443649A-5836-4076-8012-53F697ED1442}" type="datetime1">
               <a:rPr lang="en-US" smtClean="0"/>
-              <a:t>10/31/2019</a:t>
+              <a:t>11/4/2019</a:t>
             </a:fld>
             <a:endParaRPr lang="en-US"/>
           </a:p>
@@ -11036,7 +11037,7 @@
           <a:p>
             <a:fld id="{173F3EE9-9D3A-4F10-9CA9-5D5AE8313982}" type="datetime1">
               <a:rPr lang="en-US" smtClean="0"/>
-              <a:t>10/31/2019</a:t>
+              <a:t>11/4/2019</a:t>
             </a:fld>
             <a:endParaRPr lang="en-US"/>
           </a:p>
@@ -11149,7 +11150,7 @@
           <a:p>
             <a:fld id="{9C3EAA75-0434-44C1-9A34-99901565FFD8}" type="datetime1">
               <a:rPr lang="en-US" smtClean="0"/>
-              <a:t>10/31/2019</a:t>
+              <a:t>11/4/2019</a:t>
             </a:fld>
             <a:endParaRPr lang="en-US"/>
           </a:p>
@@ -11460,7 +11461,7 @@
           <a:p>
             <a:fld id="{046D4EAB-2FC2-4183-A019-D604B7CD87E5}" type="datetime1">
               <a:rPr lang="en-US" smtClean="0"/>
-              <a:t>10/31/2019</a:t>
+              <a:t>11/4/2019</a:t>
             </a:fld>
             <a:endParaRPr lang="en-US"/>
           </a:p>
@@ -11748,7 +11749,7 @@
           <a:p>
             <a:fld id="{F59B83B4-5606-492B-B257-1C5708032806}" type="datetime1">
               <a:rPr lang="en-US" smtClean="0"/>
-              <a:t>10/31/2019</a:t>
+              <a:t>11/4/2019</a:t>
             </a:fld>
             <a:endParaRPr lang="en-US"/>
           </a:p>
@@ -11989,7 +11990,7 @@
           <a:p>
             <a:fld id="{F14B0ED0-2649-4560-A961-301328019B10}" type="datetime1">
               <a:rPr lang="en-US" smtClean="0"/>
-              <a:t>10/31/2019</a:t>
+              <a:t>11/4/2019</a:t>
             </a:fld>
             <a:endParaRPr lang="en-US"/>
           </a:p>
@@ -12542,7 +12543,7 @@
           <a:p>
             <a:fld id="{EF98F333-B744-4DFB-9878-323F300A28FE}" type="datetime1">
               <a:rPr lang="en-US" smtClean="0"/>
-              <a:t>10/31/2019</a:t>
+              <a:t>11/4/2019</a:t>
             </a:fld>
             <a:endParaRPr lang="en-US"/>
           </a:p>
@@ -13104,7 +13105,7 @@
               <a:rPr lang="en-US">
                 <a:latin typeface="Arial" panose="020B0604020202020204" pitchFamily="34" charset="0"/>
               </a:rPr>
-              <a:t>Friday 25 October 2019</a:t>
+              <a:t>Tuesday 4 November 2019</a:t>
             </a:r>
           </a:p>
           <a:p>
@@ -13597,1073 +13598,7 @@
               <a:rPr lang="en-US" b="1">
                 <a:latin typeface="Arial" panose="020B0604020202020204" pitchFamily="34" charset="0"/>
               </a:rPr>
-              <a:t>Constraints in Auto-ML</a:t>
-            </a:r>
-          </a:p>
-        </p:txBody>
-      </p:sp>
-      <p:sp>
-        <p:nvSpPr>
-          <p:cNvPr id="6" name="Slide Number Placeholder 5">
-            <a:extLst>
-              <a:ext uri="{FF2B5EF4-FFF2-40B4-BE49-F238E27FC236}">
-                <a16:creationId xmlns:a16="http://schemas.microsoft.com/office/drawing/2014/main" id="{720EF69A-03B0-4EA4-96EC-030203335F73}"/>
-              </a:ext>
-            </a:extLst>
-          </p:cNvPr>
-          <p:cNvSpPr>
-            <a:spLocks noGrp="1"/>
-          </p:cNvSpPr>
-          <p:nvPr>
-            <p:ph type="sldNum" sz="quarter" idx="12"/>
-          </p:nvPr>
-        </p:nvSpPr>
-        <p:spPr/>
-        <p:txBody>
-          <a:bodyPr/>
-          <a:lstStyle/>
-          <a:p>
-            <a:fld id="{8661E4C1-2DDD-4868-BF45-6F174326DF77}" type="slidenum">
-              <a:rPr lang="en-US" smtClean="0"/>
-              <a:t>11</a:t>
-            </a:fld>
-            <a:endParaRPr lang="en-US"/>
-          </a:p>
-        </p:txBody>
-      </p:sp>
-      <p:sp>
-        <p:nvSpPr>
-          <p:cNvPr id="8" name="TextBox 7">
-            <a:extLst>
-              <a:ext uri="{FF2B5EF4-FFF2-40B4-BE49-F238E27FC236}">
-                <a16:creationId xmlns:a16="http://schemas.microsoft.com/office/drawing/2014/main" id="{91BA7147-946C-4B30-8336-DEAAC319B575}"/>
-              </a:ext>
-            </a:extLst>
-          </p:cNvPr>
-          <p:cNvSpPr txBox="1"/>
-          <p:nvPr/>
-        </p:nvSpPr>
-        <p:spPr>
-          <a:xfrm>
-            <a:off x="838200" y="1325563"/>
-            <a:ext cx="10552889" cy="3816429"/>
-          </a:xfrm>
-          <a:prstGeom prst="rect">
-            <a:avLst/>
-          </a:prstGeom>
-          <a:noFill/>
-        </p:spPr>
-        <p:txBody>
-          <a:bodyPr wrap="none" rtlCol="0">
-            <a:spAutoFit/>
-          </a:bodyPr>
-          <a:lstStyle/>
-          <a:p>
-            <a:pPr defTabSz="457200"/>
-            <a:r>
-              <a:rPr lang="en-US" sz="2200">
-                <a:solidFill>
-                  <a:prstClr val="black"/>
-                </a:solidFill>
-                <a:latin typeface="Arial Black" panose="020B0A04020102020204" pitchFamily="34" charset="0"/>
-              </a:rPr>
-              <a:t>Problem: </a:t>
-            </a:r>
-            <a:r>
-              <a:rPr lang="en-US" sz="2200">
-                <a:solidFill>
-                  <a:prstClr val="black"/>
-                </a:solidFill>
-                <a:latin typeface="Arial" panose="020B0604020202020204" pitchFamily="34" charset="0"/>
-                <a:cs typeface="Courier New" panose="02070309020205020404" pitchFamily="49" charset="0"/>
-              </a:rPr>
-              <a:t>Some automated trials raise exceptions</a:t>
-            </a:r>
-          </a:p>
-          <a:p>
-            <a:pPr defTabSz="457200"/>
-            <a:endParaRPr lang="en-US" sz="2200">
-              <a:solidFill>
-                <a:prstClr val="black"/>
-              </a:solidFill>
-              <a:latin typeface="Arial" panose="020B0604020202020204" pitchFamily="34" charset="0"/>
-              <a:cs typeface="Courier New" panose="02070309020205020404" pitchFamily="49" charset="0"/>
-            </a:endParaRPr>
-          </a:p>
-          <a:p>
-            <a:pPr defTabSz="457200"/>
-            <a:r>
-              <a:rPr lang="en-US" sz="2200">
-                <a:solidFill>
-                  <a:prstClr val="black"/>
-                </a:solidFill>
-                <a:latin typeface="Arial Black" panose="020B0A04020102020204" pitchFamily="34" charset="0"/>
-              </a:rPr>
-              <a:t>Solution 1: </a:t>
-            </a:r>
-            <a:r>
-              <a:rPr lang="en-US" sz="2200">
-                <a:solidFill>
-                  <a:prstClr val="black"/>
-                </a:solidFill>
-                <a:latin typeface="Arial" panose="020B0604020202020204" pitchFamily="34" charset="0"/>
-              </a:rPr>
-              <a:t>Unconstrained search space</a:t>
-            </a:r>
-          </a:p>
-          <a:p>
-            <a:pPr marL="257168" indent="-257168" defTabSz="457200">
-              <a:buFont typeface="Arial" panose="020B0604020202020204" pitchFamily="34" charset="0"/>
-              <a:buChar char="•"/>
-            </a:pPr>
-            <a:r>
-              <a:rPr lang="en-US" sz="2200">
-                <a:solidFill>
-                  <a:prstClr val="black"/>
-                </a:solidFill>
-                <a:latin typeface="Times New Roman" panose="02020603050405020304" pitchFamily="18" charset="0"/>
-                <a:cs typeface="Times New Roman" panose="02020603050405020304" pitchFamily="18" charset="0"/>
-              </a:rPr>
-              <a:t>{</a:t>
-            </a:r>
-            <a:r>
-              <a:rPr lang="en-US" sz="2200" i="1">
-                <a:solidFill>
-                  <a:prstClr val="black"/>
-                </a:solidFill>
-                <a:latin typeface="Times New Roman" panose="02020603050405020304" pitchFamily="18" charset="0"/>
-                <a:cs typeface="Times New Roman" panose="02020603050405020304" pitchFamily="18" charset="0"/>
-              </a:rPr>
-              <a:t>solver</a:t>
-            </a:r>
-            <a:r>
-              <a:rPr lang="en-US" sz="2200">
-                <a:solidFill>
-                  <a:prstClr val="black"/>
-                </a:solidFill>
-                <a:latin typeface="Times New Roman" panose="02020603050405020304" pitchFamily="18" charset="0"/>
-                <a:cs typeface="Times New Roman" panose="02020603050405020304" pitchFamily="18" charset="0"/>
-              </a:rPr>
-              <a:t>: [</a:t>
-            </a:r>
-            <a:r>
-              <a:rPr lang="en-US" sz="2200" i="1">
-                <a:solidFill>
-                  <a:prstClr val="black"/>
-                </a:solidFill>
-                <a:latin typeface="Times New Roman" panose="02020603050405020304" pitchFamily="18" charset="0"/>
-                <a:cs typeface="Times New Roman" panose="02020603050405020304" pitchFamily="18" charset="0"/>
-              </a:rPr>
-              <a:t>linear</a:t>
-            </a:r>
-            <a:r>
-              <a:rPr lang="en-US" sz="2200">
-                <a:solidFill>
-                  <a:prstClr val="black"/>
-                </a:solidFill>
-                <a:latin typeface="Times New Roman" panose="02020603050405020304" pitchFamily="18" charset="0"/>
-                <a:cs typeface="Times New Roman" panose="02020603050405020304" pitchFamily="18" charset="0"/>
-              </a:rPr>
-              <a:t>,</a:t>
-            </a:r>
-            <a:r>
-              <a:rPr lang="en-US" sz="2200" i="1">
-                <a:solidFill>
-                  <a:prstClr val="black"/>
-                </a:solidFill>
-                <a:latin typeface="Times New Roman" panose="02020603050405020304" pitchFamily="18" charset="0"/>
-                <a:cs typeface="Times New Roman" panose="02020603050405020304" pitchFamily="18" charset="0"/>
-              </a:rPr>
-              <a:t>sag</a:t>
-            </a:r>
-            <a:r>
-              <a:rPr lang="en-US" sz="2200">
-                <a:solidFill>
-                  <a:prstClr val="black"/>
-                </a:solidFill>
-                <a:latin typeface="Times New Roman" panose="02020603050405020304" pitchFamily="18" charset="0"/>
-                <a:cs typeface="Times New Roman" panose="02020603050405020304" pitchFamily="18" charset="0"/>
-              </a:rPr>
-              <a:t>,</a:t>
-            </a:r>
-            <a:r>
-              <a:rPr lang="en-US" sz="2200" i="1">
-                <a:solidFill>
-                  <a:prstClr val="black"/>
-                </a:solidFill>
-                <a:latin typeface="Times New Roman" panose="02020603050405020304" pitchFamily="18" charset="0"/>
-                <a:cs typeface="Times New Roman" panose="02020603050405020304" pitchFamily="18" charset="0"/>
-              </a:rPr>
-              <a:t>lbfgs</a:t>
-            </a:r>
-            <a:r>
-              <a:rPr lang="en-US" sz="2200">
-                <a:solidFill>
-                  <a:prstClr val="black"/>
-                </a:solidFill>
-                <a:latin typeface="Times New Roman" panose="02020603050405020304" pitchFamily="18" charset="0"/>
-                <a:cs typeface="Times New Roman" panose="02020603050405020304" pitchFamily="18" charset="0"/>
-              </a:rPr>
-              <a:t>], </a:t>
-            </a:r>
-            <a:r>
-              <a:rPr lang="en-US" sz="2200" i="1">
-                <a:solidFill>
-                  <a:prstClr val="black"/>
-                </a:solidFill>
-                <a:latin typeface="Times New Roman" panose="02020603050405020304" pitchFamily="18" charset="0"/>
-                <a:cs typeface="Times New Roman" panose="02020603050405020304" pitchFamily="18" charset="0"/>
-              </a:rPr>
-              <a:t>penalty</a:t>
-            </a:r>
-            <a:r>
-              <a:rPr lang="en-US" sz="2200">
-                <a:solidFill>
-                  <a:prstClr val="black"/>
-                </a:solidFill>
-                <a:latin typeface="Times New Roman" panose="02020603050405020304" pitchFamily="18" charset="0"/>
-                <a:cs typeface="Times New Roman" panose="02020603050405020304" pitchFamily="18" charset="0"/>
-              </a:rPr>
-              <a:t>: [</a:t>
-            </a:r>
-            <a:r>
-              <a:rPr lang="en-US" sz="2200" i="1">
-                <a:solidFill>
-                  <a:prstClr val="black"/>
-                </a:solidFill>
-                <a:latin typeface="Times New Roman" panose="02020603050405020304" pitchFamily="18" charset="0"/>
-                <a:cs typeface="Times New Roman" panose="02020603050405020304" pitchFamily="18" charset="0"/>
-              </a:rPr>
-              <a:t>l1</a:t>
-            </a:r>
-            <a:r>
-              <a:rPr lang="en-US" sz="2200">
-                <a:solidFill>
-                  <a:prstClr val="black"/>
-                </a:solidFill>
-                <a:latin typeface="Times New Roman" panose="02020603050405020304" pitchFamily="18" charset="0"/>
-                <a:cs typeface="Times New Roman" panose="02020603050405020304" pitchFamily="18" charset="0"/>
-              </a:rPr>
-              <a:t>,</a:t>
-            </a:r>
-            <a:r>
-              <a:rPr lang="en-US" sz="2200" i="1">
-                <a:solidFill>
-                  <a:prstClr val="black"/>
-                </a:solidFill>
-                <a:latin typeface="Times New Roman" panose="02020603050405020304" pitchFamily="18" charset="0"/>
-                <a:cs typeface="Times New Roman" panose="02020603050405020304" pitchFamily="18" charset="0"/>
-              </a:rPr>
-              <a:t>l2</a:t>
-            </a:r>
-            <a:r>
-              <a:rPr lang="en-US" sz="2200">
-                <a:solidFill>
-                  <a:prstClr val="black"/>
-                </a:solidFill>
-                <a:latin typeface="Times New Roman" panose="02020603050405020304" pitchFamily="18" charset="0"/>
-                <a:cs typeface="Times New Roman" panose="02020603050405020304" pitchFamily="18" charset="0"/>
-              </a:rPr>
-              <a:t>]}</a:t>
-            </a:r>
-          </a:p>
-          <a:p>
-            <a:pPr marL="257168" indent="-257168" defTabSz="457200">
-              <a:buFont typeface="Arial" panose="020B0604020202020204" pitchFamily="34" charset="0"/>
-              <a:buChar char="•"/>
-            </a:pPr>
-            <a:r>
-              <a:rPr lang="en-US" sz="2200">
-                <a:solidFill>
-                  <a:prstClr val="black"/>
-                </a:solidFill>
-                <a:latin typeface="Arial" panose="020B0604020202020204" pitchFamily="34" charset="0"/>
-              </a:rPr>
-              <a:t>Catch exception (after some time)</a:t>
-            </a:r>
-          </a:p>
-          <a:p>
-            <a:pPr marL="257168" indent="-257168" defTabSz="457200">
-              <a:buFont typeface="Arial" panose="020B0604020202020204" pitchFamily="34" charset="0"/>
-              <a:buChar char="•"/>
-            </a:pPr>
-            <a:r>
-              <a:rPr lang="en-US" sz="2200">
-                <a:solidFill>
-                  <a:prstClr val="black"/>
-                </a:solidFill>
-                <a:latin typeface="Arial" panose="020B0604020202020204" pitchFamily="34" charset="0"/>
-              </a:rPr>
-              <a:t>Return made-up loss </a:t>
-            </a:r>
-            <a:r>
-              <a:rPr lang="en-US" sz="2200">
-                <a:solidFill>
-                  <a:prstClr val="black"/>
-                </a:solidFill>
-                <a:latin typeface="Courier New" panose="02070309020205020404" pitchFamily="49" charset="0"/>
-                <a:cs typeface="Courier New" panose="02070309020205020404" pitchFamily="49" charset="0"/>
-              </a:rPr>
-              <a:t>np.float.max</a:t>
-            </a:r>
-          </a:p>
-          <a:p>
-            <a:pPr defTabSz="457200"/>
-            <a:endParaRPr lang="en-US" sz="2200">
-              <a:solidFill>
-                <a:prstClr val="black"/>
-              </a:solidFill>
-              <a:latin typeface="Courier New" panose="02070309020205020404" pitchFamily="49" charset="0"/>
-              <a:cs typeface="Courier New" panose="02070309020205020404" pitchFamily="49" charset="0"/>
-            </a:endParaRPr>
-          </a:p>
-          <a:p>
-            <a:pPr defTabSz="457200"/>
-            <a:r>
-              <a:rPr lang="en-US" sz="2200">
-                <a:solidFill>
-                  <a:prstClr val="black"/>
-                </a:solidFill>
-                <a:latin typeface="Arial Black" panose="020B0A04020102020204" pitchFamily="34" charset="0"/>
-              </a:rPr>
-              <a:t>Solution 2: </a:t>
-            </a:r>
-            <a:r>
-              <a:rPr lang="en-US" sz="2200">
-                <a:solidFill>
-                  <a:prstClr val="black"/>
-                </a:solidFill>
-                <a:latin typeface="Arial" panose="020B0604020202020204" pitchFamily="34" charset="0"/>
-                <a:cs typeface="Courier New" panose="02070309020205020404" pitchFamily="49" charset="0"/>
-              </a:rPr>
-              <a:t>Constrained search space</a:t>
-            </a:r>
-          </a:p>
-          <a:p>
-            <a:pPr marL="257168" indent="-257168" defTabSz="457200">
-              <a:buFont typeface="Arial" panose="020B0604020202020204" pitchFamily="34" charset="0"/>
-              <a:buChar char="•"/>
-            </a:pPr>
-            <a:r>
-              <a:rPr lang="en-US" sz="2200">
-                <a:solidFill>
-                  <a:prstClr val="black"/>
-                </a:solidFill>
-                <a:latin typeface="Times New Roman" panose="02020603050405020304" pitchFamily="18" charset="0"/>
-                <a:cs typeface="Times New Roman" panose="02020603050405020304" pitchFamily="18" charset="0"/>
-              </a:rPr>
-              <a:t>{</a:t>
-            </a:r>
-            <a:r>
-              <a:rPr lang="en-US" sz="2200" i="1">
-                <a:solidFill>
-                  <a:prstClr val="black"/>
-                </a:solidFill>
-                <a:latin typeface="Times New Roman" panose="02020603050405020304" pitchFamily="18" charset="0"/>
-                <a:cs typeface="Times New Roman" panose="02020603050405020304" pitchFamily="18" charset="0"/>
-              </a:rPr>
-              <a:t>solver</a:t>
-            </a:r>
-            <a:r>
-              <a:rPr lang="en-US" sz="2200">
-                <a:solidFill>
-                  <a:prstClr val="black"/>
-                </a:solidFill>
-                <a:latin typeface="Times New Roman" panose="02020603050405020304" pitchFamily="18" charset="0"/>
-                <a:cs typeface="Times New Roman" panose="02020603050405020304" pitchFamily="18" charset="0"/>
-              </a:rPr>
-              <a:t>: [</a:t>
-            </a:r>
-            <a:r>
-              <a:rPr lang="en-US" sz="2200" i="1">
-                <a:solidFill>
-                  <a:prstClr val="black"/>
-                </a:solidFill>
-                <a:latin typeface="Times New Roman" panose="02020603050405020304" pitchFamily="18" charset="0"/>
-                <a:cs typeface="Times New Roman" panose="02020603050405020304" pitchFamily="18" charset="0"/>
-              </a:rPr>
-              <a:t>linear</a:t>
-            </a:r>
-            <a:r>
-              <a:rPr lang="en-US" sz="2200">
-                <a:solidFill>
-                  <a:prstClr val="black"/>
-                </a:solidFill>
-                <a:latin typeface="Times New Roman" panose="02020603050405020304" pitchFamily="18" charset="0"/>
-                <a:cs typeface="Times New Roman" panose="02020603050405020304" pitchFamily="18" charset="0"/>
-              </a:rPr>
-              <a:t>,</a:t>
-            </a:r>
-            <a:r>
-              <a:rPr lang="en-US" sz="2200" i="1">
-                <a:solidFill>
-                  <a:prstClr val="black"/>
-                </a:solidFill>
-                <a:latin typeface="Times New Roman" panose="02020603050405020304" pitchFamily="18" charset="0"/>
-                <a:cs typeface="Times New Roman" panose="02020603050405020304" pitchFamily="18" charset="0"/>
-              </a:rPr>
-              <a:t>sag</a:t>
-            </a:r>
-            <a:r>
-              <a:rPr lang="en-US" sz="2200">
-                <a:solidFill>
-                  <a:prstClr val="black"/>
-                </a:solidFill>
-                <a:latin typeface="Times New Roman" panose="02020603050405020304" pitchFamily="18" charset="0"/>
-                <a:cs typeface="Times New Roman" panose="02020603050405020304" pitchFamily="18" charset="0"/>
-              </a:rPr>
-              <a:t>,</a:t>
-            </a:r>
-            <a:r>
-              <a:rPr lang="en-US" sz="2200" i="1">
-                <a:solidFill>
-                  <a:prstClr val="black"/>
-                </a:solidFill>
-                <a:latin typeface="Times New Roman" panose="02020603050405020304" pitchFamily="18" charset="0"/>
-                <a:cs typeface="Times New Roman" panose="02020603050405020304" pitchFamily="18" charset="0"/>
-              </a:rPr>
-              <a:t>lbfgs</a:t>
-            </a:r>
-            <a:r>
-              <a:rPr lang="en-US" sz="2200">
-                <a:solidFill>
-                  <a:prstClr val="black"/>
-                </a:solidFill>
-                <a:latin typeface="Times New Roman" panose="02020603050405020304" pitchFamily="18" charset="0"/>
-                <a:cs typeface="Times New Roman" panose="02020603050405020304" pitchFamily="18" charset="0"/>
-              </a:rPr>
-              <a:t>], </a:t>
-            </a:r>
-            <a:r>
-              <a:rPr lang="en-US" sz="2200" i="1">
-                <a:solidFill>
-                  <a:prstClr val="black"/>
-                </a:solidFill>
-                <a:latin typeface="Times New Roman" panose="02020603050405020304" pitchFamily="18" charset="0"/>
-                <a:cs typeface="Times New Roman" panose="02020603050405020304" pitchFamily="18" charset="0"/>
-              </a:rPr>
-              <a:t>penalty</a:t>
-            </a:r>
-            <a:r>
-              <a:rPr lang="en-US" sz="2200">
-                <a:solidFill>
-                  <a:prstClr val="black"/>
-                </a:solidFill>
-                <a:latin typeface="Times New Roman" panose="02020603050405020304" pitchFamily="18" charset="0"/>
-                <a:cs typeface="Times New Roman" panose="02020603050405020304" pitchFamily="18" charset="0"/>
-              </a:rPr>
-              <a:t>: [</a:t>
-            </a:r>
-            <a:r>
-              <a:rPr lang="en-US" sz="2200" i="1">
-                <a:solidFill>
-                  <a:prstClr val="black"/>
-                </a:solidFill>
-                <a:latin typeface="Times New Roman" panose="02020603050405020304" pitchFamily="18" charset="0"/>
-                <a:cs typeface="Times New Roman" panose="02020603050405020304" pitchFamily="18" charset="0"/>
-              </a:rPr>
-              <a:t>l1</a:t>
-            </a:r>
-            <a:r>
-              <a:rPr lang="en-US" sz="2200">
-                <a:solidFill>
-                  <a:prstClr val="black"/>
-                </a:solidFill>
-                <a:latin typeface="Times New Roman" panose="02020603050405020304" pitchFamily="18" charset="0"/>
-                <a:cs typeface="Times New Roman" panose="02020603050405020304" pitchFamily="18" charset="0"/>
-              </a:rPr>
-              <a:t>,</a:t>
-            </a:r>
-            <a:r>
-              <a:rPr lang="en-US" sz="2200" i="1">
-                <a:solidFill>
-                  <a:prstClr val="black"/>
-                </a:solidFill>
-                <a:latin typeface="Times New Roman" panose="02020603050405020304" pitchFamily="18" charset="0"/>
-                <a:cs typeface="Times New Roman" panose="02020603050405020304" pitchFamily="18" charset="0"/>
-              </a:rPr>
-              <a:t>l2</a:t>
-            </a:r>
-            <a:r>
-              <a:rPr lang="en-US" sz="2200">
-                <a:solidFill>
-                  <a:prstClr val="black"/>
-                </a:solidFill>
-                <a:latin typeface="Times New Roman" panose="02020603050405020304" pitchFamily="18" charset="0"/>
-                <a:cs typeface="Times New Roman" panose="02020603050405020304" pitchFamily="18" charset="0"/>
-              </a:rPr>
-              <a:t>]} </a:t>
-            </a:r>
-            <a:r>
-              <a:rPr lang="en-US" sz="2200" b="1">
-                <a:solidFill>
-                  <a:prstClr val="black"/>
-                </a:solidFill>
-                <a:latin typeface="Arial" panose="020B0604020202020204" pitchFamily="34" charset="0"/>
-                <a:cs typeface="Arial" panose="020B0604020202020204" pitchFamily="34" charset="0"/>
-              </a:rPr>
-              <a:t>and</a:t>
-            </a:r>
-            <a:r>
-              <a:rPr lang="en-US" sz="2200">
-                <a:solidFill>
-                  <a:prstClr val="black"/>
-                </a:solidFill>
-                <a:latin typeface="Times New Roman" panose="02020603050405020304" pitchFamily="18" charset="0"/>
-                <a:cs typeface="Times New Roman" panose="02020603050405020304" pitchFamily="18" charset="0"/>
-              </a:rPr>
-              <a:t> (</a:t>
-            </a:r>
-            <a:r>
-              <a:rPr lang="en-US" sz="2200" b="1">
-                <a:solidFill>
-                  <a:prstClr val="black"/>
-                </a:solidFill>
-                <a:latin typeface="Arial" panose="020B0604020202020204" pitchFamily="34" charset="0"/>
-                <a:cs typeface="Arial" panose="020B0604020202020204" pitchFamily="34" charset="0"/>
-              </a:rPr>
-              <a:t>if</a:t>
-            </a:r>
-            <a:r>
-              <a:rPr lang="en-US" sz="2200">
-                <a:solidFill>
-                  <a:prstClr val="black"/>
-                </a:solidFill>
-                <a:latin typeface="Times New Roman" panose="02020603050405020304" pitchFamily="18" charset="0"/>
-                <a:cs typeface="Times New Roman" panose="02020603050405020304" pitchFamily="18" charset="0"/>
-              </a:rPr>
-              <a:t> </a:t>
-            </a:r>
-            <a:r>
-              <a:rPr lang="en-US" sz="2200" i="1">
-                <a:solidFill>
-                  <a:prstClr val="black"/>
-                </a:solidFill>
-                <a:latin typeface="Times New Roman" panose="02020603050405020304" pitchFamily="18" charset="0"/>
-                <a:cs typeface="Times New Roman" panose="02020603050405020304" pitchFamily="18" charset="0"/>
-              </a:rPr>
-              <a:t>solver</a:t>
-            </a:r>
-            <a:r>
-              <a:rPr lang="en-US" sz="2200">
-                <a:solidFill>
-                  <a:prstClr val="black"/>
-                </a:solidFill>
-                <a:latin typeface="Times New Roman" panose="02020603050405020304" pitchFamily="18" charset="0"/>
-                <a:cs typeface="Times New Roman" panose="02020603050405020304" pitchFamily="18" charset="0"/>
-              </a:rPr>
-              <a:t>: [</a:t>
-            </a:r>
-            <a:r>
-              <a:rPr lang="en-US" sz="2200" i="1">
-                <a:solidFill>
-                  <a:prstClr val="black"/>
-                </a:solidFill>
-                <a:latin typeface="Times New Roman" panose="02020603050405020304" pitchFamily="18" charset="0"/>
-                <a:cs typeface="Times New Roman" panose="02020603050405020304" pitchFamily="18" charset="0"/>
-              </a:rPr>
-              <a:t>sag</a:t>
-            </a:r>
-            <a:r>
-              <a:rPr lang="en-US" sz="2200">
-                <a:solidFill>
-                  <a:prstClr val="black"/>
-                </a:solidFill>
-                <a:latin typeface="Times New Roman" panose="02020603050405020304" pitchFamily="18" charset="0"/>
-                <a:cs typeface="Times New Roman" panose="02020603050405020304" pitchFamily="18" charset="0"/>
-              </a:rPr>
-              <a:t>,</a:t>
-            </a:r>
-            <a:r>
-              <a:rPr lang="en-US" sz="2200" i="1">
-                <a:solidFill>
-                  <a:prstClr val="black"/>
-                </a:solidFill>
-                <a:latin typeface="Times New Roman" panose="02020603050405020304" pitchFamily="18" charset="0"/>
-                <a:cs typeface="Times New Roman" panose="02020603050405020304" pitchFamily="18" charset="0"/>
-              </a:rPr>
-              <a:t>lbfgs</a:t>
-            </a:r>
-            <a:r>
-              <a:rPr lang="en-US" sz="2200">
-                <a:solidFill>
-                  <a:prstClr val="black"/>
-                </a:solidFill>
-                <a:latin typeface="Times New Roman" panose="02020603050405020304" pitchFamily="18" charset="0"/>
-                <a:cs typeface="Times New Roman" panose="02020603050405020304" pitchFamily="18" charset="0"/>
-              </a:rPr>
-              <a:t>] </a:t>
-            </a:r>
-            <a:r>
-              <a:rPr lang="en-US" sz="2200" b="1">
-                <a:solidFill>
-                  <a:prstClr val="black"/>
-                </a:solidFill>
-                <a:latin typeface="Arial" panose="020B0604020202020204" pitchFamily="34" charset="0"/>
-                <a:cs typeface="Times New Roman" panose="02020603050405020304" pitchFamily="18" charset="0"/>
-              </a:rPr>
-              <a:t>then</a:t>
-            </a:r>
-            <a:r>
-              <a:rPr lang="en-US" sz="2200">
-                <a:solidFill>
-                  <a:prstClr val="black"/>
-                </a:solidFill>
-                <a:latin typeface="Times New Roman" panose="02020603050405020304" pitchFamily="18" charset="0"/>
-                <a:cs typeface="Times New Roman" panose="02020603050405020304" pitchFamily="18" charset="0"/>
-              </a:rPr>
-              <a:t> </a:t>
-            </a:r>
-            <a:r>
-              <a:rPr lang="en-US" sz="2200" i="1">
-                <a:solidFill>
-                  <a:prstClr val="black"/>
-                </a:solidFill>
-                <a:latin typeface="Times New Roman" panose="02020603050405020304" pitchFamily="18" charset="0"/>
-                <a:cs typeface="Times New Roman" panose="02020603050405020304" pitchFamily="18" charset="0"/>
-              </a:rPr>
-              <a:t>penalty</a:t>
-            </a:r>
-            <a:r>
-              <a:rPr lang="en-US" sz="2200">
-                <a:solidFill>
-                  <a:prstClr val="black"/>
-                </a:solidFill>
-                <a:latin typeface="Times New Roman" panose="02020603050405020304" pitchFamily="18" charset="0"/>
-                <a:cs typeface="Times New Roman" panose="02020603050405020304" pitchFamily="18" charset="0"/>
-              </a:rPr>
-              <a:t>: [</a:t>
-            </a:r>
-            <a:r>
-              <a:rPr lang="en-US" sz="2200" i="1">
-                <a:solidFill>
-                  <a:prstClr val="black"/>
-                </a:solidFill>
-                <a:latin typeface="Times New Roman" panose="02020603050405020304" pitchFamily="18" charset="0"/>
-                <a:cs typeface="Times New Roman" panose="02020603050405020304" pitchFamily="18" charset="0"/>
-              </a:rPr>
-              <a:t>l2</a:t>
-            </a:r>
-            <a:r>
-              <a:rPr lang="en-US" sz="2200">
-                <a:solidFill>
-                  <a:prstClr val="black"/>
-                </a:solidFill>
-                <a:latin typeface="Times New Roman" panose="02020603050405020304" pitchFamily="18" charset="0"/>
-                <a:cs typeface="Times New Roman" panose="02020603050405020304" pitchFamily="18" charset="0"/>
-              </a:rPr>
-              <a:t>])</a:t>
-            </a:r>
-          </a:p>
-          <a:p>
-            <a:pPr marL="257168" indent="-257168" defTabSz="457200">
-              <a:buFont typeface="Arial" panose="020B0604020202020204" pitchFamily="34" charset="0"/>
-              <a:buChar char="•"/>
-            </a:pPr>
-            <a:r>
-              <a:rPr lang="en-US" sz="2200">
-                <a:solidFill>
-                  <a:prstClr val="black"/>
-                </a:solidFill>
-                <a:latin typeface="Arial" panose="020B0604020202020204" pitchFamily="34" charset="0"/>
-                <a:cs typeface="Courier New" panose="02070309020205020404" pitchFamily="49" charset="0"/>
-              </a:rPr>
-              <a:t>No exceptions (no time wasted)</a:t>
-            </a:r>
-          </a:p>
-          <a:p>
-            <a:pPr marL="257168" indent="-257168" defTabSz="457200">
-              <a:buFont typeface="Arial" panose="020B0604020202020204" pitchFamily="34" charset="0"/>
-              <a:buChar char="•"/>
-            </a:pPr>
-            <a:r>
-              <a:rPr lang="en-US" sz="2200">
-                <a:solidFill>
-                  <a:prstClr val="black"/>
-                </a:solidFill>
-                <a:latin typeface="Arial" panose="020B0604020202020204" pitchFamily="34" charset="0"/>
-                <a:cs typeface="Courier New" panose="02070309020205020404" pitchFamily="49" charset="0"/>
-              </a:rPr>
-              <a:t>No made-up loss</a:t>
-            </a:r>
-          </a:p>
-        </p:txBody>
-      </p:sp>
-    </p:spTree>
-    <p:extLst>
-      <p:ext uri="{BB962C8B-B14F-4D97-AF65-F5344CB8AC3E}">
-        <p14:creationId xmlns:p14="http://schemas.microsoft.com/office/powerpoint/2010/main" val="1839620153"/>
-      </p:ext>
-    </p:extLst>
-  </p:cSld>
-  <p:clrMapOvr>
-    <a:masterClrMapping/>
-  </p:clrMapOvr>
-  <p:timing>
-    <p:tnLst>
-      <p:par>
-        <p:cTn id="1" dur="indefinite" restart="never" nodeType="tmRoot">
-          <p:childTnLst>
-            <p:seq concurrent="1" nextAc="seek">
-              <p:cTn id="2" dur="indefinite" nodeType="mainSeq">
-                <p:childTnLst>
-                  <p:par>
-                    <p:cTn id="3" fill="hold">
-                      <p:stCondLst>
-                        <p:cond delay="indefinite"/>
-                      </p:stCondLst>
-                      <p:childTnLst>
-                        <p:par>
-                          <p:cTn id="4" fill="hold">
-                            <p:stCondLst>
-                              <p:cond delay="0"/>
-                            </p:stCondLst>
-                            <p:childTnLst>
-                              <p:par>
-                                <p:cTn id="5" presetID="1" presetClass="entr" presetSubtype="0" fill="hold" nodeType="clickEffect">
-                                  <p:stCondLst>
-                                    <p:cond delay="0"/>
-                                  </p:stCondLst>
-                                  <p:childTnLst>
-                                    <p:set>
-                                      <p:cBhvr>
-                                        <p:cTn id="6" dur="1" fill="hold">
-                                          <p:stCondLst>
-                                            <p:cond delay="0"/>
-                                          </p:stCondLst>
-                                        </p:cTn>
-                                        <p:tgtEl>
-                                          <p:spTgt spid="8">
-                                            <p:txEl>
-                                              <p:pRg st="2" end="2"/>
-                                            </p:txEl>
-                                          </p:spTgt>
-                                        </p:tgtEl>
-                                        <p:attrNameLst>
-                                          <p:attrName>style.visibility</p:attrName>
-                                        </p:attrNameLst>
-                                      </p:cBhvr>
-                                      <p:to>
-                                        <p:strVal val="visible"/>
-                                      </p:to>
-                                    </p:set>
-                                  </p:childTnLst>
-                                </p:cTn>
-                              </p:par>
-                              <p:par>
-                                <p:cTn id="7" presetID="1" presetClass="entr" presetSubtype="0" fill="hold" nodeType="withEffect">
-                                  <p:stCondLst>
-                                    <p:cond delay="0"/>
-                                  </p:stCondLst>
-                                  <p:childTnLst>
-                                    <p:set>
-                                      <p:cBhvr>
-                                        <p:cTn id="8" dur="1" fill="hold">
-                                          <p:stCondLst>
-                                            <p:cond delay="0"/>
-                                          </p:stCondLst>
-                                        </p:cTn>
-                                        <p:tgtEl>
-                                          <p:spTgt spid="8">
-                                            <p:txEl>
-                                              <p:pRg st="3" end="3"/>
-                                            </p:txEl>
-                                          </p:spTgt>
-                                        </p:tgtEl>
-                                        <p:attrNameLst>
-                                          <p:attrName>style.visibility</p:attrName>
-                                        </p:attrNameLst>
-                                      </p:cBhvr>
-                                      <p:to>
-                                        <p:strVal val="visible"/>
-                                      </p:to>
-                                    </p:set>
-                                  </p:childTnLst>
-                                </p:cTn>
-                              </p:par>
-                              <p:par>
-                                <p:cTn id="9" presetID="1" presetClass="entr" presetSubtype="0" fill="hold" nodeType="withEffect">
-                                  <p:stCondLst>
-                                    <p:cond delay="0"/>
-                                  </p:stCondLst>
-                                  <p:childTnLst>
-                                    <p:set>
-                                      <p:cBhvr>
-                                        <p:cTn id="10" dur="1" fill="hold">
-                                          <p:stCondLst>
-                                            <p:cond delay="0"/>
-                                          </p:stCondLst>
-                                        </p:cTn>
-                                        <p:tgtEl>
-                                          <p:spTgt spid="8">
-                                            <p:txEl>
-                                              <p:pRg st="4" end="4"/>
-                                            </p:txEl>
-                                          </p:spTgt>
-                                        </p:tgtEl>
-                                        <p:attrNameLst>
-                                          <p:attrName>style.visibility</p:attrName>
-                                        </p:attrNameLst>
-                                      </p:cBhvr>
-                                      <p:to>
-                                        <p:strVal val="visible"/>
-                                      </p:to>
-                                    </p:set>
-                                  </p:childTnLst>
-                                </p:cTn>
-                              </p:par>
-                              <p:par>
-                                <p:cTn id="11" presetID="1" presetClass="entr" presetSubtype="0" fill="hold" nodeType="withEffect">
-                                  <p:stCondLst>
-                                    <p:cond delay="0"/>
-                                  </p:stCondLst>
-                                  <p:childTnLst>
-                                    <p:set>
-                                      <p:cBhvr>
-                                        <p:cTn id="12" dur="1" fill="hold">
-                                          <p:stCondLst>
-                                            <p:cond delay="0"/>
-                                          </p:stCondLst>
-                                        </p:cTn>
-                                        <p:tgtEl>
-                                          <p:spTgt spid="8">
-                                            <p:txEl>
-                                              <p:pRg st="5" end="5"/>
-                                            </p:txEl>
-                                          </p:spTgt>
-                                        </p:tgtEl>
-                                        <p:attrNameLst>
-                                          <p:attrName>style.visibility</p:attrName>
-                                        </p:attrNameLst>
-                                      </p:cBhvr>
-                                      <p:to>
-                                        <p:strVal val="visible"/>
-                                      </p:to>
-                                    </p:set>
-                                  </p:childTnLst>
-                                </p:cTn>
-                              </p:par>
-                            </p:childTnLst>
-                          </p:cTn>
-                        </p:par>
-                      </p:childTnLst>
-                    </p:cTn>
-                  </p:par>
-                  <p:par>
-                    <p:cTn id="13" fill="hold">
-                      <p:stCondLst>
-                        <p:cond delay="indefinite"/>
-                      </p:stCondLst>
-                      <p:childTnLst>
-                        <p:par>
-                          <p:cTn id="14" fill="hold">
-                            <p:stCondLst>
-                              <p:cond delay="0"/>
-                            </p:stCondLst>
-                            <p:childTnLst>
-                              <p:par>
-                                <p:cTn id="15" presetID="1" presetClass="entr" presetSubtype="0" fill="hold" nodeType="clickEffect">
-                                  <p:stCondLst>
-                                    <p:cond delay="0"/>
-                                  </p:stCondLst>
-                                  <p:childTnLst>
-                                    <p:set>
-                                      <p:cBhvr>
-                                        <p:cTn id="16" dur="1" fill="hold">
-                                          <p:stCondLst>
-                                            <p:cond delay="0"/>
-                                          </p:stCondLst>
-                                        </p:cTn>
-                                        <p:tgtEl>
-                                          <p:spTgt spid="8">
-                                            <p:txEl>
-                                              <p:pRg st="7" end="7"/>
-                                            </p:txEl>
-                                          </p:spTgt>
-                                        </p:tgtEl>
-                                        <p:attrNameLst>
-                                          <p:attrName>style.visibility</p:attrName>
-                                        </p:attrNameLst>
-                                      </p:cBhvr>
-                                      <p:to>
-                                        <p:strVal val="visible"/>
-                                      </p:to>
-                                    </p:set>
-                                  </p:childTnLst>
-                                </p:cTn>
-                              </p:par>
-                              <p:par>
-                                <p:cTn id="17" presetID="1" presetClass="entr" presetSubtype="0" fill="hold" nodeType="withEffect">
-                                  <p:stCondLst>
-                                    <p:cond delay="0"/>
-                                  </p:stCondLst>
-                                  <p:childTnLst>
-                                    <p:set>
-                                      <p:cBhvr>
-                                        <p:cTn id="18" dur="1" fill="hold">
-                                          <p:stCondLst>
-                                            <p:cond delay="0"/>
-                                          </p:stCondLst>
-                                        </p:cTn>
-                                        <p:tgtEl>
-                                          <p:spTgt spid="8">
-                                            <p:txEl>
-                                              <p:pRg st="8" end="8"/>
-                                            </p:txEl>
-                                          </p:spTgt>
-                                        </p:tgtEl>
-                                        <p:attrNameLst>
-                                          <p:attrName>style.visibility</p:attrName>
-                                        </p:attrNameLst>
-                                      </p:cBhvr>
-                                      <p:to>
-                                        <p:strVal val="visible"/>
-                                      </p:to>
-                                    </p:set>
-                                  </p:childTnLst>
-                                </p:cTn>
-                              </p:par>
-                              <p:par>
-                                <p:cTn id="19" presetID="1" presetClass="entr" presetSubtype="0" fill="hold" nodeType="withEffect">
-                                  <p:stCondLst>
-                                    <p:cond delay="0"/>
-                                  </p:stCondLst>
-                                  <p:childTnLst>
-                                    <p:set>
-                                      <p:cBhvr>
-                                        <p:cTn id="20" dur="1" fill="hold">
-                                          <p:stCondLst>
-                                            <p:cond delay="0"/>
-                                          </p:stCondLst>
-                                        </p:cTn>
-                                        <p:tgtEl>
-                                          <p:spTgt spid="8">
-                                            <p:txEl>
-                                              <p:pRg st="9" end="9"/>
-                                            </p:txEl>
-                                          </p:spTgt>
-                                        </p:tgtEl>
-                                        <p:attrNameLst>
-                                          <p:attrName>style.visibility</p:attrName>
-                                        </p:attrNameLst>
-                                      </p:cBhvr>
-                                      <p:to>
-                                        <p:strVal val="visible"/>
-                                      </p:to>
-                                    </p:set>
-                                  </p:childTnLst>
-                                </p:cTn>
-                              </p:par>
-                              <p:par>
-                                <p:cTn id="21" presetID="1" presetClass="entr" presetSubtype="0" fill="hold" nodeType="withEffect">
-                                  <p:stCondLst>
-                                    <p:cond delay="0"/>
-                                  </p:stCondLst>
-                                  <p:childTnLst>
-                                    <p:set>
-                                      <p:cBhvr>
-                                        <p:cTn id="22" dur="1" fill="hold">
-                                          <p:stCondLst>
-                                            <p:cond delay="0"/>
-                                          </p:stCondLst>
-                                        </p:cTn>
-                                        <p:tgtEl>
-                                          <p:spTgt spid="8">
-                                            <p:txEl>
-                                              <p:pRg st="10" end="10"/>
-                                            </p:txEl>
-                                          </p:spTgt>
-                                        </p:tgtEl>
-                                        <p:attrNameLst>
-                                          <p:attrName>style.visibility</p:attrName>
-                                        </p:attrNameLst>
-                                      </p:cBhvr>
-                                      <p:to>
-                                        <p:strVal val="visible"/>
-                                      </p:to>
-                                    </p:set>
-                                  </p:childTnLst>
-                                </p:cTn>
-                              </p:par>
-                            </p:childTnLst>
-                          </p:cTn>
-                        </p:par>
-                      </p:childTnLst>
-                    </p:cTn>
-                  </p:par>
-                </p:childTnLst>
-              </p:cTn>
-              <p:prevCondLst>
-                <p:cond evt="onPrev" delay="0">
-                  <p:tgtEl>
-                    <p:sldTgt/>
-                  </p:tgtEl>
-                </p:cond>
-              </p:prevCondLst>
-              <p:nextCondLst>
-                <p:cond evt="onNext" delay="0">
-                  <p:tgtEl>
-                    <p:sldTgt/>
-                  </p:tgtEl>
-                </p:cond>
-              </p:nextCondLst>
-            </p:seq>
-          </p:childTnLst>
-        </p:cTn>
-      </p:par>
-    </p:tnLst>
-  </p:timing>
-</p:sld>
-</file>
-
-<file path=ppt/slides/slide12.xml><?xml version="1.0" encoding="utf-8"?>
-<p:sld xmlns:a="http://schemas.openxmlformats.org/drawingml/2006/main" xmlns:r="http://schemas.openxmlformats.org/officeDocument/2006/relationships" xmlns:p="http://schemas.openxmlformats.org/presentationml/2006/main">
-  <p:cSld>
-    <p:spTree>
-      <p:nvGrpSpPr>
-        <p:cNvPr id="1" name=""/>
-        <p:cNvGrpSpPr/>
-        <p:nvPr/>
-      </p:nvGrpSpPr>
-      <p:grpSpPr>
-        <a:xfrm>
-          <a:off x="0" y="0"/>
-          <a:ext cx="0" cy="0"/>
-          <a:chOff x="0" y="0"/>
-          <a:chExt cx="0" cy="0"/>
-        </a:xfrm>
-      </p:grpSpPr>
-      <p:sp>
-        <p:nvSpPr>
-          <p:cNvPr id="2" name="Title 1">
-            <a:extLst>
-              <a:ext uri="{FF2B5EF4-FFF2-40B4-BE49-F238E27FC236}">
-                <a16:creationId xmlns:a16="http://schemas.microsoft.com/office/drawing/2014/main" id="{0FD1C7FD-E7A2-4EB2-BBB2-1B3DED47A65F}"/>
-              </a:ext>
-            </a:extLst>
-          </p:cNvPr>
-          <p:cNvSpPr>
-            <a:spLocks noGrp="1"/>
-          </p:cNvSpPr>
-          <p:nvPr>
-            <p:ph type="title"/>
-          </p:nvPr>
-        </p:nvSpPr>
-        <p:spPr>
-          <a:xfrm>
-            <a:off x="838200" y="0"/>
-            <a:ext cx="10515600" cy="1325563"/>
-          </a:xfrm>
-        </p:spPr>
-        <p:txBody>
-          <a:bodyPr/>
-          <a:lstStyle/>
-          <a:p>
-            <a:r>
-              <a:rPr lang="en-US" b="1">
-                <a:latin typeface="Arial" panose="020B0604020202020204" pitchFamily="34" charset="0"/>
-              </a:rPr>
-              <a:t>Constraints in </a:t>
+              <a:t>Type-Driven Manual Learning in </a:t>
             </a:r>
             <a:r>
               <a:rPr lang="en-US" b="1" cap="small">
@@ -14697,363 +13632,7 @@
           <a:p>
             <a:fld id="{8661E4C1-2DDD-4868-BF45-6F174326DF77}" type="slidenum">
               <a:rPr lang="en-US" smtClean="0"/>
-              <a:t>12</a:t>
-            </a:fld>
-            <a:endParaRPr lang="en-US"/>
-          </a:p>
-        </p:txBody>
-      </p:sp>
-      <p:pic>
-        <p:nvPicPr>
-          <p:cNvPr id="3" name="Picture 2">
-            <a:extLst>
-              <a:ext uri="{FF2B5EF4-FFF2-40B4-BE49-F238E27FC236}">
-                <a16:creationId xmlns:a16="http://schemas.microsoft.com/office/drawing/2014/main" id="{ACF7751D-CC0B-417E-9819-21B6F88FC486}"/>
-              </a:ext>
-            </a:extLst>
-          </p:cNvPr>
-          <p:cNvPicPr>
-            <a:picLocks noChangeAspect="1"/>
-          </p:cNvPicPr>
-          <p:nvPr/>
-        </p:nvPicPr>
-        <p:blipFill>
-          <a:blip r:embed="rId2"/>
-          <a:stretch>
-            <a:fillRect/>
-          </a:stretch>
-        </p:blipFill>
-        <p:spPr>
-          <a:xfrm>
-            <a:off x="787080" y="966787"/>
-            <a:ext cx="10153650" cy="5572125"/>
-          </a:xfrm>
-          <a:prstGeom prst="rect">
-            <a:avLst/>
-          </a:prstGeom>
-        </p:spPr>
-      </p:pic>
-    </p:spTree>
-    <p:extLst>
-      <p:ext uri="{BB962C8B-B14F-4D97-AF65-F5344CB8AC3E}">
-        <p14:creationId xmlns:p14="http://schemas.microsoft.com/office/powerpoint/2010/main" val="3925586726"/>
-      </p:ext>
-    </p:extLst>
-  </p:cSld>
-  <p:clrMapOvr>
-    <a:masterClrMapping/>
-  </p:clrMapOvr>
-</p:sld>
-</file>
-
-<file path=ppt/slides/slide13.xml><?xml version="1.0" encoding="utf-8"?>
-<p:sld xmlns:a="http://schemas.openxmlformats.org/drawingml/2006/main" xmlns:r="http://schemas.openxmlformats.org/officeDocument/2006/relationships" xmlns:p="http://schemas.openxmlformats.org/presentationml/2006/main">
-  <p:cSld>
-    <p:spTree>
-      <p:nvGrpSpPr>
-        <p:cNvPr id="1" name=""/>
-        <p:cNvGrpSpPr/>
-        <p:nvPr/>
-      </p:nvGrpSpPr>
-      <p:grpSpPr>
-        <a:xfrm>
-          <a:off x="0" y="0"/>
-          <a:ext cx="0" cy="0"/>
-          <a:chOff x="0" y="0"/>
-          <a:chExt cx="0" cy="0"/>
-        </a:xfrm>
-      </p:grpSpPr>
-      <p:sp>
-        <p:nvSpPr>
-          <p:cNvPr id="4" name="Slide Number Placeholder 3">
-            <a:extLst>
-              <a:ext uri="{FF2B5EF4-FFF2-40B4-BE49-F238E27FC236}">
-                <a16:creationId xmlns:a16="http://schemas.microsoft.com/office/drawing/2014/main" id="{DD3B9E37-B83A-42BE-9CFE-F28677BBF101}"/>
-              </a:ext>
-            </a:extLst>
-          </p:cNvPr>
-          <p:cNvSpPr>
-            <a:spLocks noGrp="1"/>
-          </p:cNvSpPr>
-          <p:nvPr>
-            <p:ph type="sldNum" sz="quarter" idx="12"/>
-          </p:nvPr>
-        </p:nvSpPr>
-        <p:spPr/>
-        <p:txBody>
-          <a:bodyPr/>
-          <a:lstStyle/>
-          <a:p>
-            <a:fld id="{8661E4C1-2DDD-4868-BF45-6F174326DF77}" type="slidenum">
-              <a:rPr lang="en-US" smtClean="0"/>
-              <a:t>13</a:t>
-            </a:fld>
-            <a:endParaRPr lang="en-US"/>
-          </a:p>
-        </p:txBody>
-      </p:sp>
-      <p:sp>
-        <p:nvSpPr>
-          <p:cNvPr id="5" name="Title 1">
-            <a:extLst>
-              <a:ext uri="{FF2B5EF4-FFF2-40B4-BE49-F238E27FC236}">
-                <a16:creationId xmlns:a16="http://schemas.microsoft.com/office/drawing/2014/main" id="{DC1CEBFA-D37C-427F-9CD3-7CB7FA579976}"/>
-              </a:ext>
-            </a:extLst>
-          </p:cNvPr>
-          <p:cNvSpPr>
-            <a:spLocks noGrp="1"/>
-          </p:cNvSpPr>
-          <p:nvPr>
-            <p:ph type="title"/>
-          </p:nvPr>
-        </p:nvSpPr>
-        <p:spPr>
-          <a:xfrm>
-            <a:off x="838200" y="0"/>
-            <a:ext cx="10515600" cy="1325563"/>
-          </a:xfrm>
-        </p:spPr>
-        <p:txBody>
-          <a:bodyPr/>
-          <a:lstStyle/>
-          <a:p>
-            <a:r>
-              <a:rPr lang="en-US" b="1">
-                <a:latin typeface="Arial" panose="020B0604020202020204" pitchFamily="34" charset="0"/>
-              </a:rPr>
-              <a:t>Schemas as Documentation</a:t>
-            </a:r>
-            <a:endParaRPr lang="en-US" b="1" cap="small">
-              <a:latin typeface="Arial" panose="020B0604020202020204" pitchFamily="34" charset="0"/>
-            </a:endParaRPr>
-          </a:p>
-        </p:txBody>
-      </p:sp>
-      <p:pic>
-        <p:nvPicPr>
-          <p:cNvPr id="2" name="Picture 1">
-            <a:extLst>
-              <a:ext uri="{FF2B5EF4-FFF2-40B4-BE49-F238E27FC236}">
-                <a16:creationId xmlns:a16="http://schemas.microsoft.com/office/drawing/2014/main" id="{DBC6E2A8-88F8-4C2C-9EED-FACAA6A224A3}"/>
-              </a:ext>
-            </a:extLst>
-          </p:cNvPr>
-          <p:cNvPicPr>
-            <a:picLocks noChangeAspect="1"/>
-          </p:cNvPicPr>
-          <p:nvPr/>
-        </p:nvPicPr>
-        <p:blipFill>
-          <a:blip r:embed="rId2"/>
-          <a:stretch>
-            <a:fillRect/>
-          </a:stretch>
-        </p:blipFill>
-        <p:spPr>
-          <a:xfrm>
-            <a:off x="797952" y="1333500"/>
-            <a:ext cx="10144125" cy="1419225"/>
-          </a:xfrm>
-          <a:prstGeom prst="rect">
-            <a:avLst/>
-          </a:prstGeom>
-        </p:spPr>
-      </p:pic>
-      <p:pic>
-        <p:nvPicPr>
-          <p:cNvPr id="3" name="Picture 2">
-            <a:extLst>
-              <a:ext uri="{FF2B5EF4-FFF2-40B4-BE49-F238E27FC236}">
-                <a16:creationId xmlns:a16="http://schemas.microsoft.com/office/drawing/2014/main" id="{83BFEC53-3731-47A4-AA0A-220D626A1F4D}"/>
-              </a:ext>
-            </a:extLst>
-          </p:cNvPr>
-          <p:cNvPicPr>
-            <a:picLocks noChangeAspect="1"/>
-          </p:cNvPicPr>
-          <p:nvPr/>
-        </p:nvPicPr>
-        <p:blipFill>
-          <a:blip r:embed="rId3"/>
-          <a:stretch>
-            <a:fillRect/>
-          </a:stretch>
-        </p:blipFill>
-        <p:spPr>
-          <a:xfrm>
-            <a:off x="807476" y="2952036"/>
-            <a:ext cx="10125075" cy="1038225"/>
-          </a:xfrm>
-          <a:prstGeom prst="rect">
-            <a:avLst/>
-          </a:prstGeom>
-        </p:spPr>
-      </p:pic>
-    </p:spTree>
-    <p:extLst>
-      <p:ext uri="{BB962C8B-B14F-4D97-AF65-F5344CB8AC3E}">
-        <p14:creationId xmlns:p14="http://schemas.microsoft.com/office/powerpoint/2010/main" val="918227189"/>
-      </p:ext>
-    </p:extLst>
-  </p:cSld>
-  <p:clrMapOvr>
-    <a:masterClrMapping/>
-  </p:clrMapOvr>
-  <p:timing>
-    <p:tnLst>
-      <p:par>
-        <p:cTn id="1" dur="indefinite" restart="never" nodeType="tmRoot">
-          <p:childTnLst>
-            <p:seq concurrent="1" nextAc="seek">
-              <p:cTn id="2" dur="indefinite" nodeType="mainSeq">
-                <p:childTnLst>
-                  <p:par>
-                    <p:cTn id="3" fill="hold">
-                      <p:stCondLst>
-                        <p:cond delay="indefinite"/>
-                      </p:stCondLst>
-                      <p:childTnLst>
-                        <p:par>
-                          <p:cTn id="4" fill="hold">
-                            <p:stCondLst>
-                              <p:cond delay="0"/>
-                            </p:stCondLst>
-                            <p:childTnLst>
-                              <p:par>
-                                <p:cTn id="5" presetID="1" presetClass="entr" presetSubtype="0" fill="hold" nodeType="clickEffect">
-                                  <p:stCondLst>
-                                    <p:cond delay="0"/>
-                                  </p:stCondLst>
-                                  <p:childTnLst>
-                                    <p:set>
-                                      <p:cBhvr>
-                                        <p:cTn id="6" dur="1" fill="hold">
-                                          <p:stCondLst>
-                                            <p:cond delay="0"/>
-                                          </p:stCondLst>
-                                        </p:cTn>
-                                        <p:tgtEl>
-                                          <p:spTgt spid="3"/>
-                                        </p:tgtEl>
-                                        <p:attrNameLst>
-                                          <p:attrName>style.visibility</p:attrName>
-                                        </p:attrNameLst>
-                                      </p:cBhvr>
-                                      <p:to>
-                                        <p:strVal val="visible"/>
-                                      </p:to>
-                                    </p:set>
-                                  </p:childTnLst>
-                                </p:cTn>
-                              </p:par>
-                            </p:childTnLst>
-                          </p:cTn>
-                        </p:par>
-                      </p:childTnLst>
-                    </p:cTn>
-                  </p:par>
-                </p:childTnLst>
-              </p:cTn>
-              <p:prevCondLst>
-                <p:cond evt="onPrev" delay="0">
-                  <p:tgtEl>
-                    <p:sldTgt/>
-                  </p:tgtEl>
-                </p:cond>
-              </p:prevCondLst>
-              <p:nextCondLst>
-                <p:cond evt="onNext" delay="0">
-                  <p:tgtEl>
-                    <p:sldTgt/>
-                  </p:tgtEl>
-                </p:cond>
-              </p:nextCondLst>
-            </p:seq>
-          </p:childTnLst>
-        </p:cTn>
-      </p:par>
-    </p:tnLst>
-  </p:timing>
-</p:sld>
-</file>
-
-<file path=ppt/slides/slide14.xml><?xml version="1.0" encoding="utf-8"?>
-<p:sld xmlns:a="http://schemas.openxmlformats.org/drawingml/2006/main" xmlns:r="http://schemas.openxmlformats.org/officeDocument/2006/relationships" xmlns:p="http://schemas.openxmlformats.org/presentationml/2006/main">
-  <p:cSld>
-    <p:spTree>
-      <p:nvGrpSpPr>
-        <p:cNvPr id="1" name=""/>
-        <p:cNvGrpSpPr/>
-        <p:nvPr/>
-      </p:nvGrpSpPr>
-      <p:grpSpPr>
-        <a:xfrm>
-          <a:off x="0" y="0"/>
-          <a:ext cx="0" cy="0"/>
-          <a:chOff x="0" y="0"/>
-          <a:chExt cx="0" cy="0"/>
-        </a:xfrm>
-      </p:grpSpPr>
-      <p:sp>
-        <p:nvSpPr>
-          <p:cNvPr id="2" name="Title 1">
-            <a:extLst>
-              <a:ext uri="{FF2B5EF4-FFF2-40B4-BE49-F238E27FC236}">
-                <a16:creationId xmlns:a16="http://schemas.microsoft.com/office/drawing/2014/main" id="{0FD1C7FD-E7A2-4EB2-BBB2-1B3DED47A65F}"/>
-              </a:ext>
-            </a:extLst>
-          </p:cNvPr>
-          <p:cNvSpPr>
-            <a:spLocks noGrp="1"/>
-          </p:cNvSpPr>
-          <p:nvPr>
-            <p:ph type="title"/>
-          </p:nvPr>
-        </p:nvSpPr>
-        <p:spPr>
-          <a:xfrm>
-            <a:off x="838200" y="0"/>
-            <a:ext cx="10515600" cy="1325563"/>
-          </a:xfrm>
-        </p:spPr>
-        <p:txBody>
-          <a:bodyPr/>
-          <a:lstStyle/>
-          <a:p>
-            <a:r>
-              <a:rPr lang="en-US" b="1">
-                <a:latin typeface="Arial" panose="020B0604020202020204" pitchFamily="34" charset="0"/>
-              </a:rPr>
-              <a:t>Schemas as Types</a:t>
-            </a:r>
-          </a:p>
-        </p:txBody>
-      </p:sp>
-      <p:sp>
-        <p:nvSpPr>
-          <p:cNvPr id="6" name="Slide Number Placeholder 5">
-            <a:extLst>
-              <a:ext uri="{FF2B5EF4-FFF2-40B4-BE49-F238E27FC236}">
-                <a16:creationId xmlns:a16="http://schemas.microsoft.com/office/drawing/2014/main" id="{720EF69A-03B0-4EA4-96EC-030203335F73}"/>
-              </a:ext>
-            </a:extLst>
-          </p:cNvPr>
-          <p:cNvSpPr>
-            <a:spLocks noGrp="1"/>
-          </p:cNvSpPr>
-          <p:nvPr>
-            <p:ph type="sldNum" sz="quarter" idx="12"/>
-          </p:nvPr>
-        </p:nvSpPr>
-        <p:spPr/>
-        <p:txBody>
-          <a:bodyPr/>
-          <a:lstStyle/>
-          <a:p>
-            <a:fld id="{8661E4C1-2DDD-4868-BF45-6F174326DF77}" type="slidenum">
-              <a:rPr lang="en-US" smtClean="0"/>
-              <a:t>14</a:t>
+              <a:t>11</a:t>
             </a:fld>
             <a:endParaRPr lang="en-US"/>
           </a:p>
@@ -16585,6 +15164,1434 @@
   <p:clrMapOvr>
     <a:masterClrMapping/>
   </p:clrMapOvr>
+</p:sld>
+</file>
+
+<file path=ppt/slides/slide12.xml><?xml version="1.0" encoding="utf-8"?>
+<p:sld xmlns:a="http://schemas.openxmlformats.org/drawingml/2006/main" xmlns:r="http://schemas.openxmlformats.org/officeDocument/2006/relationships" xmlns:p="http://schemas.openxmlformats.org/presentationml/2006/main">
+  <p:cSld>
+    <p:spTree>
+      <p:nvGrpSpPr>
+        <p:cNvPr id="1" name=""/>
+        <p:cNvGrpSpPr/>
+        <p:nvPr/>
+      </p:nvGrpSpPr>
+      <p:grpSpPr>
+        <a:xfrm>
+          <a:off x="0" y="0"/>
+          <a:ext cx="0" cy="0"/>
+          <a:chOff x="0" y="0"/>
+          <a:chExt cx="0" cy="0"/>
+        </a:xfrm>
+      </p:grpSpPr>
+      <p:sp>
+        <p:nvSpPr>
+          <p:cNvPr id="2" name="Title 1">
+            <a:extLst>
+              <a:ext uri="{FF2B5EF4-FFF2-40B4-BE49-F238E27FC236}">
+                <a16:creationId xmlns:a16="http://schemas.microsoft.com/office/drawing/2014/main" id="{0FD1C7FD-E7A2-4EB2-BBB2-1B3DED47A65F}"/>
+              </a:ext>
+            </a:extLst>
+          </p:cNvPr>
+          <p:cNvSpPr>
+            <a:spLocks noGrp="1"/>
+          </p:cNvSpPr>
+          <p:nvPr>
+            <p:ph type="title"/>
+          </p:nvPr>
+        </p:nvSpPr>
+        <p:spPr>
+          <a:xfrm>
+            <a:off x="838200" y="0"/>
+            <a:ext cx="10515600" cy="1325563"/>
+          </a:xfrm>
+        </p:spPr>
+        <p:txBody>
+          <a:bodyPr/>
+          <a:lstStyle/>
+          <a:p>
+            <a:r>
+              <a:rPr lang="en-US" b="1">
+                <a:latin typeface="Arial" panose="020B0604020202020204" pitchFamily="34" charset="0"/>
+              </a:rPr>
+              <a:t>Constraints in </a:t>
+            </a:r>
+            <a:r>
+              <a:rPr lang="en-US" b="1" cap="small">
+                <a:latin typeface="Arial" panose="020B0604020202020204" pitchFamily="34" charset="0"/>
+              </a:rPr>
+              <a:t>Lale</a:t>
+            </a:r>
+          </a:p>
+        </p:txBody>
+      </p:sp>
+      <p:sp>
+        <p:nvSpPr>
+          <p:cNvPr id="6" name="Slide Number Placeholder 5">
+            <a:extLst>
+              <a:ext uri="{FF2B5EF4-FFF2-40B4-BE49-F238E27FC236}">
+                <a16:creationId xmlns:a16="http://schemas.microsoft.com/office/drawing/2014/main" id="{720EF69A-03B0-4EA4-96EC-030203335F73}"/>
+              </a:ext>
+            </a:extLst>
+          </p:cNvPr>
+          <p:cNvSpPr>
+            <a:spLocks noGrp="1"/>
+          </p:cNvSpPr>
+          <p:nvPr>
+            <p:ph type="sldNum" sz="quarter" idx="12"/>
+          </p:nvPr>
+        </p:nvSpPr>
+        <p:spPr/>
+        <p:txBody>
+          <a:bodyPr/>
+          <a:lstStyle/>
+          <a:p>
+            <a:fld id="{8661E4C1-2DDD-4868-BF45-6F174326DF77}" type="slidenum">
+              <a:rPr lang="en-US" smtClean="0"/>
+              <a:t>12</a:t>
+            </a:fld>
+            <a:endParaRPr lang="en-US"/>
+          </a:p>
+        </p:txBody>
+      </p:sp>
+      <p:pic>
+        <p:nvPicPr>
+          <p:cNvPr id="3" name="Picture 2">
+            <a:extLst>
+              <a:ext uri="{FF2B5EF4-FFF2-40B4-BE49-F238E27FC236}">
+                <a16:creationId xmlns:a16="http://schemas.microsoft.com/office/drawing/2014/main" id="{ACF7751D-CC0B-417E-9819-21B6F88FC486}"/>
+              </a:ext>
+            </a:extLst>
+          </p:cNvPr>
+          <p:cNvPicPr>
+            <a:picLocks noChangeAspect="1"/>
+          </p:cNvPicPr>
+          <p:nvPr/>
+        </p:nvPicPr>
+        <p:blipFill>
+          <a:blip r:embed="rId2"/>
+          <a:stretch>
+            <a:fillRect/>
+          </a:stretch>
+        </p:blipFill>
+        <p:spPr>
+          <a:xfrm>
+            <a:off x="787080" y="966787"/>
+            <a:ext cx="10153650" cy="5572125"/>
+          </a:xfrm>
+          <a:prstGeom prst="rect">
+            <a:avLst/>
+          </a:prstGeom>
+        </p:spPr>
+      </p:pic>
+    </p:spTree>
+    <p:extLst>
+      <p:ext uri="{BB962C8B-B14F-4D97-AF65-F5344CB8AC3E}">
+        <p14:creationId xmlns:p14="http://schemas.microsoft.com/office/powerpoint/2010/main" val="3925586726"/>
+      </p:ext>
+    </p:extLst>
+  </p:cSld>
+  <p:clrMapOvr>
+    <a:masterClrMapping/>
+  </p:clrMapOvr>
+</p:sld>
+</file>
+
+<file path=ppt/slides/slide13.xml><?xml version="1.0" encoding="utf-8"?>
+<p:sld xmlns:a="http://schemas.openxmlformats.org/drawingml/2006/main" xmlns:r="http://schemas.openxmlformats.org/officeDocument/2006/relationships" xmlns:p="http://schemas.openxmlformats.org/presentationml/2006/main">
+  <p:cSld>
+    <p:spTree>
+      <p:nvGrpSpPr>
+        <p:cNvPr id="1" name=""/>
+        <p:cNvGrpSpPr/>
+        <p:nvPr/>
+      </p:nvGrpSpPr>
+      <p:grpSpPr>
+        <a:xfrm>
+          <a:off x="0" y="0"/>
+          <a:ext cx="0" cy="0"/>
+          <a:chOff x="0" y="0"/>
+          <a:chExt cx="0" cy="0"/>
+        </a:xfrm>
+      </p:grpSpPr>
+      <p:sp>
+        <p:nvSpPr>
+          <p:cNvPr id="4" name="Slide Number Placeholder 3">
+            <a:extLst>
+              <a:ext uri="{FF2B5EF4-FFF2-40B4-BE49-F238E27FC236}">
+                <a16:creationId xmlns:a16="http://schemas.microsoft.com/office/drawing/2014/main" id="{DD3B9E37-B83A-42BE-9CFE-F28677BBF101}"/>
+              </a:ext>
+            </a:extLst>
+          </p:cNvPr>
+          <p:cNvSpPr>
+            <a:spLocks noGrp="1"/>
+          </p:cNvSpPr>
+          <p:nvPr>
+            <p:ph type="sldNum" sz="quarter" idx="12"/>
+          </p:nvPr>
+        </p:nvSpPr>
+        <p:spPr/>
+        <p:txBody>
+          <a:bodyPr/>
+          <a:lstStyle/>
+          <a:p>
+            <a:fld id="{8661E4C1-2DDD-4868-BF45-6F174326DF77}" type="slidenum">
+              <a:rPr lang="en-US" smtClean="0"/>
+              <a:t>13</a:t>
+            </a:fld>
+            <a:endParaRPr lang="en-US"/>
+          </a:p>
+        </p:txBody>
+      </p:sp>
+      <p:sp>
+        <p:nvSpPr>
+          <p:cNvPr id="5" name="Title 1">
+            <a:extLst>
+              <a:ext uri="{FF2B5EF4-FFF2-40B4-BE49-F238E27FC236}">
+                <a16:creationId xmlns:a16="http://schemas.microsoft.com/office/drawing/2014/main" id="{DC1CEBFA-D37C-427F-9CD3-7CB7FA579976}"/>
+              </a:ext>
+            </a:extLst>
+          </p:cNvPr>
+          <p:cNvSpPr>
+            <a:spLocks noGrp="1"/>
+          </p:cNvSpPr>
+          <p:nvPr>
+            <p:ph type="title"/>
+          </p:nvPr>
+        </p:nvSpPr>
+        <p:spPr>
+          <a:xfrm>
+            <a:off x="838200" y="0"/>
+            <a:ext cx="10515600" cy="1325563"/>
+          </a:xfrm>
+        </p:spPr>
+        <p:txBody>
+          <a:bodyPr/>
+          <a:lstStyle/>
+          <a:p>
+            <a:r>
+              <a:rPr lang="en-US" b="1">
+                <a:latin typeface="Arial" panose="020B0604020202020204" pitchFamily="34" charset="0"/>
+              </a:rPr>
+              <a:t>Types as Documentation</a:t>
+            </a:r>
+            <a:endParaRPr lang="en-US" b="1" cap="small">
+              <a:latin typeface="Arial" panose="020B0604020202020204" pitchFamily="34" charset="0"/>
+            </a:endParaRPr>
+          </a:p>
+        </p:txBody>
+      </p:sp>
+      <p:pic>
+        <p:nvPicPr>
+          <p:cNvPr id="2" name="Picture 1">
+            <a:extLst>
+              <a:ext uri="{FF2B5EF4-FFF2-40B4-BE49-F238E27FC236}">
+                <a16:creationId xmlns:a16="http://schemas.microsoft.com/office/drawing/2014/main" id="{DBC6E2A8-88F8-4C2C-9EED-FACAA6A224A3}"/>
+              </a:ext>
+            </a:extLst>
+          </p:cNvPr>
+          <p:cNvPicPr>
+            <a:picLocks noChangeAspect="1"/>
+          </p:cNvPicPr>
+          <p:nvPr/>
+        </p:nvPicPr>
+        <p:blipFill>
+          <a:blip r:embed="rId2"/>
+          <a:stretch>
+            <a:fillRect/>
+          </a:stretch>
+        </p:blipFill>
+        <p:spPr>
+          <a:xfrm>
+            <a:off x="797952" y="1333500"/>
+            <a:ext cx="10144125" cy="1419225"/>
+          </a:xfrm>
+          <a:prstGeom prst="rect">
+            <a:avLst/>
+          </a:prstGeom>
+        </p:spPr>
+      </p:pic>
+      <p:pic>
+        <p:nvPicPr>
+          <p:cNvPr id="3" name="Picture 2">
+            <a:extLst>
+              <a:ext uri="{FF2B5EF4-FFF2-40B4-BE49-F238E27FC236}">
+                <a16:creationId xmlns:a16="http://schemas.microsoft.com/office/drawing/2014/main" id="{83BFEC53-3731-47A4-AA0A-220D626A1F4D}"/>
+              </a:ext>
+            </a:extLst>
+          </p:cNvPr>
+          <p:cNvPicPr>
+            <a:picLocks noChangeAspect="1"/>
+          </p:cNvPicPr>
+          <p:nvPr/>
+        </p:nvPicPr>
+        <p:blipFill>
+          <a:blip r:embed="rId3"/>
+          <a:stretch>
+            <a:fillRect/>
+          </a:stretch>
+        </p:blipFill>
+        <p:spPr>
+          <a:xfrm>
+            <a:off x="807476" y="2952036"/>
+            <a:ext cx="10125075" cy="1038225"/>
+          </a:xfrm>
+          <a:prstGeom prst="rect">
+            <a:avLst/>
+          </a:prstGeom>
+        </p:spPr>
+      </p:pic>
+    </p:spTree>
+    <p:extLst>
+      <p:ext uri="{BB962C8B-B14F-4D97-AF65-F5344CB8AC3E}">
+        <p14:creationId xmlns:p14="http://schemas.microsoft.com/office/powerpoint/2010/main" val="918227189"/>
+      </p:ext>
+    </p:extLst>
+  </p:cSld>
+  <p:clrMapOvr>
+    <a:masterClrMapping/>
+  </p:clrMapOvr>
+  <p:timing>
+    <p:tnLst>
+      <p:par>
+        <p:cTn id="1" dur="indefinite" restart="never" nodeType="tmRoot">
+          <p:childTnLst>
+            <p:seq concurrent="1" nextAc="seek">
+              <p:cTn id="2" dur="indefinite" nodeType="mainSeq">
+                <p:childTnLst>
+                  <p:par>
+                    <p:cTn id="3" fill="hold">
+                      <p:stCondLst>
+                        <p:cond delay="indefinite"/>
+                      </p:stCondLst>
+                      <p:childTnLst>
+                        <p:par>
+                          <p:cTn id="4" fill="hold">
+                            <p:stCondLst>
+                              <p:cond delay="0"/>
+                            </p:stCondLst>
+                            <p:childTnLst>
+                              <p:par>
+                                <p:cTn id="5" presetID="1" presetClass="entr" presetSubtype="0" fill="hold" nodeType="clickEffect">
+                                  <p:stCondLst>
+                                    <p:cond delay="0"/>
+                                  </p:stCondLst>
+                                  <p:childTnLst>
+                                    <p:set>
+                                      <p:cBhvr>
+                                        <p:cTn id="6" dur="1" fill="hold">
+                                          <p:stCondLst>
+                                            <p:cond delay="0"/>
+                                          </p:stCondLst>
+                                        </p:cTn>
+                                        <p:tgtEl>
+                                          <p:spTgt spid="3"/>
+                                        </p:tgtEl>
+                                        <p:attrNameLst>
+                                          <p:attrName>style.visibility</p:attrName>
+                                        </p:attrNameLst>
+                                      </p:cBhvr>
+                                      <p:to>
+                                        <p:strVal val="visible"/>
+                                      </p:to>
+                                    </p:set>
+                                  </p:childTnLst>
+                                </p:cTn>
+                              </p:par>
+                            </p:childTnLst>
+                          </p:cTn>
+                        </p:par>
+                      </p:childTnLst>
+                    </p:cTn>
+                  </p:par>
+                </p:childTnLst>
+              </p:cTn>
+              <p:prevCondLst>
+                <p:cond evt="onPrev" delay="0">
+                  <p:tgtEl>
+                    <p:sldTgt/>
+                  </p:tgtEl>
+                </p:cond>
+              </p:prevCondLst>
+              <p:nextCondLst>
+                <p:cond evt="onNext" delay="0">
+                  <p:tgtEl>
+                    <p:sldTgt/>
+                  </p:tgtEl>
+                </p:cond>
+              </p:nextCondLst>
+            </p:seq>
+          </p:childTnLst>
+        </p:cTn>
+      </p:par>
+    </p:tnLst>
+  </p:timing>
+</p:sld>
+</file>
+
+<file path=ppt/slides/slide14.xml><?xml version="1.0" encoding="utf-8"?>
+<p:sld xmlns:a="http://schemas.openxmlformats.org/drawingml/2006/main" xmlns:r="http://schemas.openxmlformats.org/officeDocument/2006/relationships" xmlns:p="http://schemas.openxmlformats.org/presentationml/2006/main">
+  <p:cSld>
+    <p:spTree>
+      <p:nvGrpSpPr>
+        <p:cNvPr id="1" name=""/>
+        <p:cNvGrpSpPr/>
+        <p:nvPr/>
+      </p:nvGrpSpPr>
+      <p:grpSpPr>
+        <a:xfrm>
+          <a:off x="0" y="0"/>
+          <a:ext cx="0" cy="0"/>
+          <a:chOff x="0" y="0"/>
+          <a:chExt cx="0" cy="0"/>
+        </a:xfrm>
+      </p:grpSpPr>
+      <p:sp>
+        <p:nvSpPr>
+          <p:cNvPr id="2" name="Title 1">
+            <a:extLst>
+              <a:ext uri="{FF2B5EF4-FFF2-40B4-BE49-F238E27FC236}">
+                <a16:creationId xmlns:a16="http://schemas.microsoft.com/office/drawing/2014/main" id="{0FD1C7FD-E7A2-4EB2-BBB2-1B3DED47A65F}"/>
+              </a:ext>
+            </a:extLst>
+          </p:cNvPr>
+          <p:cNvSpPr>
+            <a:spLocks noGrp="1"/>
+          </p:cNvSpPr>
+          <p:nvPr>
+            <p:ph type="title"/>
+          </p:nvPr>
+        </p:nvSpPr>
+        <p:spPr>
+          <a:xfrm>
+            <a:off x="838200" y="0"/>
+            <a:ext cx="10515600" cy="1325563"/>
+          </a:xfrm>
+        </p:spPr>
+        <p:txBody>
+          <a:bodyPr/>
+          <a:lstStyle/>
+          <a:p>
+            <a:r>
+              <a:rPr lang="en-US" b="1">
+                <a:latin typeface="Arial" panose="020B0604020202020204" pitchFamily="34" charset="0"/>
+              </a:rPr>
+              <a:t>Constraints in Auto-ML</a:t>
+            </a:r>
+          </a:p>
+        </p:txBody>
+      </p:sp>
+      <p:sp>
+        <p:nvSpPr>
+          <p:cNvPr id="6" name="Slide Number Placeholder 5">
+            <a:extLst>
+              <a:ext uri="{FF2B5EF4-FFF2-40B4-BE49-F238E27FC236}">
+                <a16:creationId xmlns:a16="http://schemas.microsoft.com/office/drawing/2014/main" id="{720EF69A-03B0-4EA4-96EC-030203335F73}"/>
+              </a:ext>
+            </a:extLst>
+          </p:cNvPr>
+          <p:cNvSpPr>
+            <a:spLocks noGrp="1"/>
+          </p:cNvSpPr>
+          <p:nvPr>
+            <p:ph type="sldNum" sz="quarter" idx="12"/>
+          </p:nvPr>
+        </p:nvSpPr>
+        <p:spPr/>
+        <p:txBody>
+          <a:bodyPr/>
+          <a:lstStyle/>
+          <a:p>
+            <a:fld id="{8661E4C1-2DDD-4868-BF45-6F174326DF77}" type="slidenum">
+              <a:rPr lang="en-US" smtClean="0"/>
+              <a:t>14</a:t>
+            </a:fld>
+            <a:endParaRPr lang="en-US"/>
+          </a:p>
+        </p:txBody>
+      </p:sp>
+      <p:sp>
+        <p:nvSpPr>
+          <p:cNvPr id="8" name="TextBox 7">
+            <a:extLst>
+              <a:ext uri="{FF2B5EF4-FFF2-40B4-BE49-F238E27FC236}">
+                <a16:creationId xmlns:a16="http://schemas.microsoft.com/office/drawing/2014/main" id="{91BA7147-946C-4B30-8336-DEAAC319B575}"/>
+              </a:ext>
+            </a:extLst>
+          </p:cNvPr>
+          <p:cNvSpPr txBox="1"/>
+          <p:nvPr/>
+        </p:nvSpPr>
+        <p:spPr>
+          <a:xfrm>
+            <a:off x="838200" y="1325563"/>
+            <a:ext cx="10552889" cy="3816429"/>
+          </a:xfrm>
+          <a:prstGeom prst="rect">
+            <a:avLst/>
+          </a:prstGeom>
+          <a:noFill/>
+        </p:spPr>
+        <p:txBody>
+          <a:bodyPr wrap="none" rtlCol="0">
+            <a:spAutoFit/>
+          </a:bodyPr>
+          <a:lstStyle/>
+          <a:p>
+            <a:pPr defTabSz="457200"/>
+            <a:r>
+              <a:rPr lang="en-US" sz="2200">
+                <a:solidFill>
+                  <a:prstClr val="black"/>
+                </a:solidFill>
+                <a:latin typeface="Arial Black" panose="020B0A04020102020204" pitchFamily="34" charset="0"/>
+              </a:rPr>
+              <a:t>Problem: </a:t>
+            </a:r>
+            <a:r>
+              <a:rPr lang="en-US" sz="2200">
+                <a:solidFill>
+                  <a:prstClr val="black"/>
+                </a:solidFill>
+                <a:latin typeface="Arial" panose="020B0604020202020204" pitchFamily="34" charset="0"/>
+                <a:cs typeface="Courier New" panose="02070309020205020404" pitchFamily="49" charset="0"/>
+              </a:rPr>
+              <a:t>Some automated trials raise exceptions</a:t>
+            </a:r>
+          </a:p>
+          <a:p>
+            <a:pPr defTabSz="457200"/>
+            <a:endParaRPr lang="en-US" sz="2200">
+              <a:solidFill>
+                <a:prstClr val="black"/>
+              </a:solidFill>
+              <a:latin typeface="Arial" panose="020B0604020202020204" pitchFamily="34" charset="0"/>
+              <a:cs typeface="Courier New" panose="02070309020205020404" pitchFamily="49" charset="0"/>
+            </a:endParaRPr>
+          </a:p>
+          <a:p>
+            <a:pPr defTabSz="457200"/>
+            <a:r>
+              <a:rPr lang="en-US" sz="2200">
+                <a:solidFill>
+                  <a:prstClr val="black"/>
+                </a:solidFill>
+                <a:latin typeface="Arial Black" panose="020B0A04020102020204" pitchFamily="34" charset="0"/>
+              </a:rPr>
+              <a:t>Solution 1: </a:t>
+            </a:r>
+            <a:r>
+              <a:rPr lang="en-US" sz="2200">
+                <a:solidFill>
+                  <a:prstClr val="black"/>
+                </a:solidFill>
+                <a:latin typeface="Arial" panose="020B0604020202020204" pitchFamily="34" charset="0"/>
+              </a:rPr>
+              <a:t>Unconstrained search space</a:t>
+            </a:r>
+          </a:p>
+          <a:p>
+            <a:pPr marL="257168" indent="-257168" defTabSz="457200">
+              <a:buFont typeface="Arial" panose="020B0604020202020204" pitchFamily="34" charset="0"/>
+              <a:buChar char="•"/>
+            </a:pPr>
+            <a:r>
+              <a:rPr lang="en-US" sz="2200">
+                <a:solidFill>
+                  <a:prstClr val="black"/>
+                </a:solidFill>
+                <a:latin typeface="Times New Roman" panose="02020603050405020304" pitchFamily="18" charset="0"/>
+                <a:cs typeface="Times New Roman" panose="02020603050405020304" pitchFamily="18" charset="0"/>
+              </a:rPr>
+              <a:t>{</a:t>
+            </a:r>
+            <a:r>
+              <a:rPr lang="en-US" sz="2200" i="1">
+                <a:solidFill>
+                  <a:prstClr val="black"/>
+                </a:solidFill>
+                <a:latin typeface="Times New Roman" panose="02020603050405020304" pitchFamily="18" charset="0"/>
+                <a:cs typeface="Times New Roman" panose="02020603050405020304" pitchFamily="18" charset="0"/>
+              </a:rPr>
+              <a:t>solver</a:t>
+            </a:r>
+            <a:r>
+              <a:rPr lang="en-US" sz="2200">
+                <a:solidFill>
+                  <a:prstClr val="black"/>
+                </a:solidFill>
+                <a:latin typeface="Times New Roman" panose="02020603050405020304" pitchFamily="18" charset="0"/>
+                <a:cs typeface="Times New Roman" panose="02020603050405020304" pitchFamily="18" charset="0"/>
+              </a:rPr>
+              <a:t>: [</a:t>
+            </a:r>
+            <a:r>
+              <a:rPr lang="en-US" sz="2200" i="1">
+                <a:solidFill>
+                  <a:prstClr val="black"/>
+                </a:solidFill>
+                <a:latin typeface="Times New Roman" panose="02020603050405020304" pitchFamily="18" charset="0"/>
+                <a:cs typeface="Times New Roman" panose="02020603050405020304" pitchFamily="18" charset="0"/>
+              </a:rPr>
+              <a:t>linear</a:t>
+            </a:r>
+            <a:r>
+              <a:rPr lang="en-US" sz="2200">
+                <a:solidFill>
+                  <a:prstClr val="black"/>
+                </a:solidFill>
+                <a:latin typeface="Times New Roman" panose="02020603050405020304" pitchFamily="18" charset="0"/>
+                <a:cs typeface="Times New Roman" panose="02020603050405020304" pitchFamily="18" charset="0"/>
+              </a:rPr>
+              <a:t>,</a:t>
+            </a:r>
+            <a:r>
+              <a:rPr lang="en-US" sz="2200" i="1">
+                <a:solidFill>
+                  <a:prstClr val="black"/>
+                </a:solidFill>
+                <a:latin typeface="Times New Roman" panose="02020603050405020304" pitchFamily="18" charset="0"/>
+                <a:cs typeface="Times New Roman" panose="02020603050405020304" pitchFamily="18" charset="0"/>
+              </a:rPr>
+              <a:t>sag</a:t>
+            </a:r>
+            <a:r>
+              <a:rPr lang="en-US" sz="2200">
+                <a:solidFill>
+                  <a:prstClr val="black"/>
+                </a:solidFill>
+                <a:latin typeface="Times New Roman" panose="02020603050405020304" pitchFamily="18" charset="0"/>
+                <a:cs typeface="Times New Roman" panose="02020603050405020304" pitchFamily="18" charset="0"/>
+              </a:rPr>
+              <a:t>,</a:t>
+            </a:r>
+            <a:r>
+              <a:rPr lang="en-US" sz="2200" i="1">
+                <a:solidFill>
+                  <a:prstClr val="black"/>
+                </a:solidFill>
+                <a:latin typeface="Times New Roman" panose="02020603050405020304" pitchFamily="18" charset="0"/>
+                <a:cs typeface="Times New Roman" panose="02020603050405020304" pitchFamily="18" charset="0"/>
+              </a:rPr>
+              <a:t>lbfgs</a:t>
+            </a:r>
+            <a:r>
+              <a:rPr lang="en-US" sz="2200">
+                <a:solidFill>
+                  <a:prstClr val="black"/>
+                </a:solidFill>
+                <a:latin typeface="Times New Roman" panose="02020603050405020304" pitchFamily="18" charset="0"/>
+                <a:cs typeface="Times New Roman" panose="02020603050405020304" pitchFamily="18" charset="0"/>
+              </a:rPr>
+              <a:t>], </a:t>
+            </a:r>
+            <a:r>
+              <a:rPr lang="en-US" sz="2200" i="1">
+                <a:solidFill>
+                  <a:prstClr val="black"/>
+                </a:solidFill>
+                <a:latin typeface="Times New Roman" panose="02020603050405020304" pitchFamily="18" charset="0"/>
+                <a:cs typeface="Times New Roman" panose="02020603050405020304" pitchFamily="18" charset="0"/>
+              </a:rPr>
+              <a:t>penalty</a:t>
+            </a:r>
+            <a:r>
+              <a:rPr lang="en-US" sz="2200">
+                <a:solidFill>
+                  <a:prstClr val="black"/>
+                </a:solidFill>
+                <a:latin typeface="Times New Roman" panose="02020603050405020304" pitchFamily="18" charset="0"/>
+                <a:cs typeface="Times New Roman" panose="02020603050405020304" pitchFamily="18" charset="0"/>
+              </a:rPr>
+              <a:t>: [</a:t>
+            </a:r>
+            <a:r>
+              <a:rPr lang="en-US" sz="2200" i="1">
+                <a:solidFill>
+                  <a:prstClr val="black"/>
+                </a:solidFill>
+                <a:latin typeface="Times New Roman" panose="02020603050405020304" pitchFamily="18" charset="0"/>
+                <a:cs typeface="Times New Roman" panose="02020603050405020304" pitchFamily="18" charset="0"/>
+              </a:rPr>
+              <a:t>l1</a:t>
+            </a:r>
+            <a:r>
+              <a:rPr lang="en-US" sz="2200">
+                <a:solidFill>
+                  <a:prstClr val="black"/>
+                </a:solidFill>
+                <a:latin typeface="Times New Roman" panose="02020603050405020304" pitchFamily="18" charset="0"/>
+                <a:cs typeface="Times New Roman" panose="02020603050405020304" pitchFamily="18" charset="0"/>
+              </a:rPr>
+              <a:t>,</a:t>
+            </a:r>
+            <a:r>
+              <a:rPr lang="en-US" sz="2200" i="1">
+                <a:solidFill>
+                  <a:prstClr val="black"/>
+                </a:solidFill>
+                <a:latin typeface="Times New Roman" panose="02020603050405020304" pitchFamily="18" charset="0"/>
+                <a:cs typeface="Times New Roman" panose="02020603050405020304" pitchFamily="18" charset="0"/>
+              </a:rPr>
+              <a:t>l2</a:t>
+            </a:r>
+            <a:r>
+              <a:rPr lang="en-US" sz="2200">
+                <a:solidFill>
+                  <a:prstClr val="black"/>
+                </a:solidFill>
+                <a:latin typeface="Times New Roman" panose="02020603050405020304" pitchFamily="18" charset="0"/>
+                <a:cs typeface="Times New Roman" panose="02020603050405020304" pitchFamily="18" charset="0"/>
+              </a:rPr>
+              <a:t>]}</a:t>
+            </a:r>
+          </a:p>
+          <a:p>
+            <a:pPr marL="257168" indent="-257168" defTabSz="457200">
+              <a:buFont typeface="Arial" panose="020B0604020202020204" pitchFamily="34" charset="0"/>
+              <a:buChar char="•"/>
+            </a:pPr>
+            <a:r>
+              <a:rPr lang="en-US" sz="2200">
+                <a:solidFill>
+                  <a:prstClr val="black"/>
+                </a:solidFill>
+                <a:latin typeface="Arial" panose="020B0604020202020204" pitchFamily="34" charset="0"/>
+              </a:rPr>
+              <a:t>Catch exception (after some time)</a:t>
+            </a:r>
+          </a:p>
+          <a:p>
+            <a:pPr marL="257168" indent="-257168" defTabSz="457200">
+              <a:buFont typeface="Arial" panose="020B0604020202020204" pitchFamily="34" charset="0"/>
+              <a:buChar char="•"/>
+            </a:pPr>
+            <a:r>
+              <a:rPr lang="en-US" sz="2200">
+                <a:solidFill>
+                  <a:prstClr val="black"/>
+                </a:solidFill>
+                <a:latin typeface="Arial" panose="020B0604020202020204" pitchFamily="34" charset="0"/>
+              </a:rPr>
+              <a:t>Return made-up loss </a:t>
+            </a:r>
+            <a:r>
+              <a:rPr lang="en-US" sz="2200">
+                <a:solidFill>
+                  <a:prstClr val="black"/>
+                </a:solidFill>
+                <a:latin typeface="Courier New" panose="02070309020205020404" pitchFamily="49" charset="0"/>
+                <a:cs typeface="Courier New" panose="02070309020205020404" pitchFamily="49" charset="0"/>
+              </a:rPr>
+              <a:t>np.float.max</a:t>
+            </a:r>
+          </a:p>
+          <a:p>
+            <a:pPr defTabSz="457200"/>
+            <a:endParaRPr lang="en-US" sz="2200">
+              <a:solidFill>
+                <a:prstClr val="black"/>
+              </a:solidFill>
+              <a:latin typeface="Courier New" panose="02070309020205020404" pitchFamily="49" charset="0"/>
+              <a:cs typeface="Courier New" panose="02070309020205020404" pitchFamily="49" charset="0"/>
+            </a:endParaRPr>
+          </a:p>
+          <a:p>
+            <a:pPr defTabSz="457200"/>
+            <a:r>
+              <a:rPr lang="en-US" sz="2200">
+                <a:solidFill>
+                  <a:prstClr val="black"/>
+                </a:solidFill>
+                <a:latin typeface="Arial Black" panose="020B0A04020102020204" pitchFamily="34" charset="0"/>
+              </a:rPr>
+              <a:t>Solution 2: </a:t>
+            </a:r>
+            <a:r>
+              <a:rPr lang="en-US" sz="2200">
+                <a:solidFill>
+                  <a:prstClr val="black"/>
+                </a:solidFill>
+                <a:latin typeface="Arial" panose="020B0604020202020204" pitchFamily="34" charset="0"/>
+                <a:cs typeface="Courier New" panose="02070309020205020404" pitchFamily="49" charset="0"/>
+              </a:rPr>
+              <a:t>Constrained search space</a:t>
+            </a:r>
+          </a:p>
+          <a:p>
+            <a:pPr marL="257168" indent="-257168" defTabSz="457200">
+              <a:buFont typeface="Arial" panose="020B0604020202020204" pitchFamily="34" charset="0"/>
+              <a:buChar char="•"/>
+            </a:pPr>
+            <a:r>
+              <a:rPr lang="en-US" sz="2200">
+                <a:solidFill>
+                  <a:prstClr val="black"/>
+                </a:solidFill>
+                <a:latin typeface="Times New Roman" panose="02020603050405020304" pitchFamily="18" charset="0"/>
+                <a:cs typeface="Times New Roman" panose="02020603050405020304" pitchFamily="18" charset="0"/>
+              </a:rPr>
+              <a:t>{</a:t>
+            </a:r>
+            <a:r>
+              <a:rPr lang="en-US" sz="2200" i="1">
+                <a:solidFill>
+                  <a:prstClr val="black"/>
+                </a:solidFill>
+                <a:latin typeface="Times New Roman" panose="02020603050405020304" pitchFamily="18" charset="0"/>
+                <a:cs typeface="Times New Roman" panose="02020603050405020304" pitchFamily="18" charset="0"/>
+              </a:rPr>
+              <a:t>solver</a:t>
+            </a:r>
+            <a:r>
+              <a:rPr lang="en-US" sz="2200">
+                <a:solidFill>
+                  <a:prstClr val="black"/>
+                </a:solidFill>
+                <a:latin typeface="Times New Roman" panose="02020603050405020304" pitchFamily="18" charset="0"/>
+                <a:cs typeface="Times New Roman" panose="02020603050405020304" pitchFamily="18" charset="0"/>
+              </a:rPr>
+              <a:t>: [</a:t>
+            </a:r>
+            <a:r>
+              <a:rPr lang="en-US" sz="2200" i="1">
+                <a:solidFill>
+                  <a:prstClr val="black"/>
+                </a:solidFill>
+                <a:latin typeface="Times New Roman" panose="02020603050405020304" pitchFamily="18" charset="0"/>
+                <a:cs typeface="Times New Roman" panose="02020603050405020304" pitchFamily="18" charset="0"/>
+              </a:rPr>
+              <a:t>linear</a:t>
+            </a:r>
+            <a:r>
+              <a:rPr lang="en-US" sz="2200">
+                <a:solidFill>
+                  <a:prstClr val="black"/>
+                </a:solidFill>
+                <a:latin typeface="Times New Roman" panose="02020603050405020304" pitchFamily="18" charset="0"/>
+                <a:cs typeface="Times New Roman" panose="02020603050405020304" pitchFamily="18" charset="0"/>
+              </a:rPr>
+              <a:t>,</a:t>
+            </a:r>
+            <a:r>
+              <a:rPr lang="en-US" sz="2200" i="1">
+                <a:solidFill>
+                  <a:prstClr val="black"/>
+                </a:solidFill>
+                <a:latin typeface="Times New Roman" panose="02020603050405020304" pitchFamily="18" charset="0"/>
+                <a:cs typeface="Times New Roman" panose="02020603050405020304" pitchFamily="18" charset="0"/>
+              </a:rPr>
+              <a:t>sag</a:t>
+            </a:r>
+            <a:r>
+              <a:rPr lang="en-US" sz="2200">
+                <a:solidFill>
+                  <a:prstClr val="black"/>
+                </a:solidFill>
+                <a:latin typeface="Times New Roman" panose="02020603050405020304" pitchFamily="18" charset="0"/>
+                <a:cs typeface="Times New Roman" panose="02020603050405020304" pitchFamily="18" charset="0"/>
+              </a:rPr>
+              <a:t>,</a:t>
+            </a:r>
+            <a:r>
+              <a:rPr lang="en-US" sz="2200" i="1">
+                <a:solidFill>
+                  <a:prstClr val="black"/>
+                </a:solidFill>
+                <a:latin typeface="Times New Roman" panose="02020603050405020304" pitchFamily="18" charset="0"/>
+                <a:cs typeface="Times New Roman" panose="02020603050405020304" pitchFamily="18" charset="0"/>
+              </a:rPr>
+              <a:t>lbfgs</a:t>
+            </a:r>
+            <a:r>
+              <a:rPr lang="en-US" sz="2200">
+                <a:solidFill>
+                  <a:prstClr val="black"/>
+                </a:solidFill>
+                <a:latin typeface="Times New Roman" panose="02020603050405020304" pitchFamily="18" charset="0"/>
+                <a:cs typeface="Times New Roman" panose="02020603050405020304" pitchFamily="18" charset="0"/>
+              </a:rPr>
+              <a:t>], </a:t>
+            </a:r>
+            <a:r>
+              <a:rPr lang="en-US" sz="2200" i="1">
+                <a:solidFill>
+                  <a:prstClr val="black"/>
+                </a:solidFill>
+                <a:latin typeface="Times New Roman" panose="02020603050405020304" pitchFamily="18" charset="0"/>
+                <a:cs typeface="Times New Roman" panose="02020603050405020304" pitchFamily="18" charset="0"/>
+              </a:rPr>
+              <a:t>penalty</a:t>
+            </a:r>
+            <a:r>
+              <a:rPr lang="en-US" sz="2200">
+                <a:solidFill>
+                  <a:prstClr val="black"/>
+                </a:solidFill>
+                <a:latin typeface="Times New Roman" panose="02020603050405020304" pitchFamily="18" charset="0"/>
+                <a:cs typeface="Times New Roman" panose="02020603050405020304" pitchFamily="18" charset="0"/>
+              </a:rPr>
+              <a:t>: [</a:t>
+            </a:r>
+            <a:r>
+              <a:rPr lang="en-US" sz="2200" i="1">
+                <a:solidFill>
+                  <a:prstClr val="black"/>
+                </a:solidFill>
+                <a:latin typeface="Times New Roman" panose="02020603050405020304" pitchFamily="18" charset="0"/>
+                <a:cs typeface="Times New Roman" panose="02020603050405020304" pitchFamily="18" charset="0"/>
+              </a:rPr>
+              <a:t>l1</a:t>
+            </a:r>
+            <a:r>
+              <a:rPr lang="en-US" sz="2200">
+                <a:solidFill>
+                  <a:prstClr val="black"/>
+                </a:solidFill>
+                <a:latin typeface="Times New Roman" panose="02020603050405020304" pitchFamily="18" charset="0"/>
+                <a:cs typeface="Times New Roman" panose="02020603050405020304" pitchFamily="18" charset="0"/>
+              </a:rPr>
+              <a:t>,</a:t>
+            </a:r>
+            <a:r>
+              <a:rPr lang="en-US" sz="2200" i="1">
+                <a:solidFill>
+                  <a:prstClr val="black"/>
+                </a:solidFill>
+                <a:latin typeface="Times New Roman" panose="02020603050405020304" pitchFamily="18" charset="0"/>
+                <a:cs typeface="Times New Roman" panose="02020603050405020304" pitchFamily="18" charset="0"/>
+              </a:rPr>
+              <a:t>l2</a:t>
+            </a:r>
+            <a:r>
+              <a:rPr lang="en-US" sz="2200">
+                <a:solidFill>
+                  <a:prstClr val="black"/>
+                </a:solidFill>
+                <a:latin typeface="Times New Roman" panose="02020603050405020304" pitchFamily="18" charset="0"/>
+                <a:cs typeface="Times New Roman" panose="02020603050405020304" pitchFamily="18" charset="0"/>
+              </a:rPr>
+              <a:t>]} </a:t>
+            </a:r>
+            <a:r>
+              <a:rPr lang="en-US" sz="2200" b="1">
+                <a:solidFill>
+                  <a:prstClr val="black"/>
+                </a:solidFill>
+                <a:latin typeface="Arial" panose="020B0604020202020204" pitchFamily="34" charset="0"/>
+                <a:cs typeface="Arial" panose="020B0604020202020204" pitchFamily="34" charset="0"/>
+              </a:rPr>
+              <a:t>and</a:t>
+            </a:r>
+            <a:r>
+              <a:rPr lang="en-US" sz="2200">
+                <a:solidFill>
+                  <a:prstClr val="black"/>
+                </a:solidFill>
+                <a:latin typeface="Times New Roman" panose="02020603050405020304" pitchFamily="18" charset="0"/>
+                <a:cs typeface="Times New Roman" panose="02020603050405020304" pitchFamily="18" charset="0"/>
+              </a:rPr>
+              <a:t> (</a:t>
+            </a:r>
+            <a:r>
+              <a:rPr lang="en-US" sz="2200" b="1">
+                <a:solidFill>
+                  <a:prstClr val="black"/>
+                </a:solidFill>
+                <a:latin typeface="Arial" panose="020B0604020202020204" pitchFamily="34" charset="0"/>
+                <a:cs typeface="Arial" panose="020B0604020202020204" pitchFamily="34" charset="0"/>
+              </a:rPr>
+              <a:t>if</a:t>
+            </a:r>
+            <a:r>
+              <a:rPr lang="en-US" sz="2200">
+                <a:solidFill>
+                  <a:prstClr val="black"/>
+                </a:solidFill>
+                <a:latin typeface="Times New Roman" panose="02020603050405020304" pitchFamily="18" charset="0"/>
+                <a:cs typeface="Times New Roman" panose="02020603050405020304" pitchFamily="18" charset="0"/>
+              </a:rPr>
+              <a:t> </a:t>
+            </a:r>
+            <a:r>
+              <a:rPr lang="en-US" sz="2200" i="1">
+                <a:solidFill>
+                  <a:prstClr val="black"/>
+                </a:solidFill>
+                <a:latin typeface="Times New Roman" panose="02020603050405020304" pitchFamily="18" charset="0"/>
+                <a:cs typeface="Times New Roman" panose="02020603050405020304" pitchFamily="18" charset="0"/>
+              </a:rPr>
+              <a:t>solver</a:t>
+            </a:r>
+            <a:r>
+              <a:rPr lang="en-US" sz="2200">
+                <a:solidFill>
+                  <a:prstClr val="black"/>
+                </a:solidFill>
+                <a:latin typeface="Times New Roman" panose="02020603050405020304" pitchFamily="18" charset="0"/>
+                <a:cs typeface="Times New Roman" panose="02020603050405020304" pitchFamily="18" charset="0"/>
+              </a:rPr>
+              <a:t>: [</a:t>
+            </a:r>
+            <a:r>
+              <a:rPr lang="en-US" sz="2200" i="1">
+                <a:solidFill>
+                  <a:prstClr val="black"/>
+                </a:solidFill>
+                <a:latin typeface="Times New Roman" panose="02020603050405020304" pitchFamily="18" charset="0"/>
+                <a:cs typeface="Times New Roman" panose="02020603050405020304" pitchFamily="18" charset="0"/>
+              </a:rPr>
+              <a:t>sag</a:t>
+            </a:r>
+            <a:r>
+              <a:rPr lang="en-US" sz="2200">
+                <a:solidFill>
+                  <a:prstClr val="black"/>
+                </a:solidFill>
+                <a:latin typeface="Times New Roman" panose="02020603050405020304" pitchFamily="18" charset="0"/>
+                <a:cs typeface="Times New Roman" panose="02020603050405020304" pitchFamily="18" charset="0"/>
+              </a:rPr>
+              <a:t>,</a:t>
+            </a:r>
+            <a:r>
+              <a:rPr lang="en-US" sz="2200" i="1">
+                <a:solidFill>
+                  <a:prstClr val="black"/>
+                </a:solidFill>
+                <a:latin typeface="Times New Roman" panose="02020603050405020304" pitchFamily="18" charset="0"/>
+                <a:cs typeface="Times New Roman" panose="02020603050405020304" pitchFamily="18" charset="0"/>
+              </a:rPr>
+              <a:t>lbfgs</a:t>
+            </a:r>
+            <a:r>
+              <a:rPr lang="en-US" sz="2200">
+                <a:solidFill>
+                  <a:prstClr val="black"/>
+                </a:solidFill>
+                <a:latin typeface="Times New Roman" panose="02020603050405020304" pitchFamily="18" charset="0"/>
+                <a:cs typeface="Times New Roman" panose="02020603050405020304" pitchFamily="18" charset="0"/>
+              </a:rPr>
+              <a:t>] </a:t>
+            </a:r>
+            <a:r>
+              <a:rPr lang="en-US" sz="2200" b="1">
+                <a:solidFill>
+                  <a:prstClr val="black"/>
+                </a:solidFill>
+                <a:latin typeface="Arial" panose="020B0604020202020204" pitchFamily="34" charset="0"/>
+                <a:cs typeface="Times New Roman" panose="02020603050405020304" pitchFamily="18" charset="0"/>
+              </a:rPr>
+              <a:t>then</a:t>
+            </a:r>
+            <a:r>
+              <a:rPr lang="en-US" sz="2200">
+                <a:solidFill>
+                  <a:prstClr val="black"/>
+                </a:solidFill>
+                <a:latin typeface="Times New Roman" panose="02020603050405020304" pitchFamily="18" charset="0"/>
+                <a:cs typeface="Times New Roman" panose="02020603050405020304" pitchFamily="18" charset="0"/>
+              </a:rPr>
+              <a:t> </a:t>
+            </a:r>
+            <a:r>
+              <a:rPr lang="en-US" sz="2200" i="1">
+                <a:solidFill>
+                  <a:prstClr val="black"/>
+                </a:solidFill>
+                <a:latin typeface="Times New Roman" panose="02020603050405020304" pitchFamily="18" charset="0"/>
+                <a:cs typeface="Times New Roman" panose="02020603050405020304" pitchFamily="18" charset="0"/>
+              </a:rPr>
+              <a:t>penalty</a:t>
+            </a:r>
+            <a:r>
+              <a:rPr lang="en-US" sz="2200">
+                <a:solidFill>
+                  <a:prstClr val="black"/>
+                </a:solidFill>
+                <a:latin typeface="Times New Roman" panose="02020603050405020304" pitchFamily="18" charset="0"/>
+                <a:cs typeface="Times New Roman" panose="02020603050405020304" pitchFamily="18" charset="0"/>
+              </a:rPr>
+              <a:t>: [</a:t>
+            </a:r>
+            <a:r>
+              <a:rPr lang="en-US" sz="2200" i="1">
+                <a:solidFill>
+                  <a:prstClr val="black"/>
+                </a:solidFill>
+                <a:latin typeface="Times New Roman" panose="02020603050405020304" pitchFamily="18" charset="0"/>
+                <a:cs typeface="Times New Roman" panose="02020603050405020304" pitchFamily="18" charset="0"/>
+              </a:rPr>
+              <a:t>l2</a:t>
+            </a:r>
+            <a:r>
+              <a:rPr lang="en-US" sz="2200">
+                <a:solidFill>
+                  <a:prstClr val="black"/>
+                </a:solidFill>
+                <a:latin typeface="Times New Roman" panose="02020603050405020304" pitchFamily="18" charset="0"/>
+                <a:cs typeface="Times New Roman" panose="02020603050405020304" pitchFamily="18" charset="0"/>
+              </a:rPr>
+              <a:t>])</a:t>
+            </a:r>
+          </a:p>
+          <a:p>
+            <a:pPr marL="257168" indent="-257168" defTabSz="457200">
+              <a:buFont typeface="Arial" panose="020B0604020202020204" pitchFamily="34" charset="0"/>
+              <a:buChar char="•"/>
+            </a:pPr>
+            <a:r>
+              <a:rPr lang="en-US" sz="2200">
+                <a:solidFill>
+                  <a:prstClr val="black"/>
+                </a:solidFill>
+                <a:latin typeface="Arial" panose="020B0604020202020204" pitchFamily="34" charset="0"/>
+                <a:cs typeface="Courier New" panose="02070309020205020404" pitchFamily="49" charset="0"/>
+              </a:rPr>
+              <a:t>No exceptions (no time wasted)</a:t>
+            </a:r>
+          </a:p>
+          <a:p>
+            <a:pPr marL="257168" indent="-257168" defTabSz="457200">
+              <a:buFont typeface="Arial" panose="020B0604020202020204" pitchFamily="34" charset="0"/>
+              <a:buChar char="•"/>
+            </a:pPr>
+            <a:r>
+              <a:rPr lang="en-US" sz="2200">
+                <a:solidFill>
+                  <a:prstClr val="black"/>
+                </a:solidFill>
+                <a:latin typeface="Arial" panose="020B0604020202020204" pitchFamily="34" charset="0"/>
+                <a:cs typeface="Courier New" panose="02070309020205020404" pitchFamily="49" charset="0"/>
+              </a:rPr>
+              <a:t>No made-up loss</a:t>
+            </a:r>
+          </a:p>
+        </p:txBody>
+      </p:sp>
+    </p:spTree>
+    <p:extLst>
+      <p:ext uri="{BB962C8B-B14F-4D97-AF65-F5344CB8AC3E}">
+        <p14:creationId xmlns:p14="http://schemas.microsoft.com/office/powerpoint/2010/main" val="1839620153"/>
+      </p:ext>
+    </p:extLst>
+  </p:cSld>
+  <p:clrMapOvr>
+    <a:masterClrMapping/>
+  </p:clrMapOvr>
+  <p:timing>
+    <p:tnLst>
+      <p:par>
+        <p:cTn id="1" dur="indefinite" restart="never" nodeType="tmRoot">
+          <p:childTnLst>
+            <p:seq concurrent="1" nextAc="seek">
+              <p:cTn id="2" dur="indefinite" nodeType="mainSeq">
+                <p:childTnLst>
+                  <p:par>
+                    <p:cTn id="3" fill="hold">
+                      <p:stCondLst>
+                        <p:cond delay="indefinite"/>
+                      </p:stCondLst>
+                      <p:childTnLst>
+                        <p:par>
+                          <p:cTn id="4" fill="hold">
+                            <p:stCondLst>
+                              <p:cond delay="0"/>
+                            </p:stCondLst>
+                            <p:childTnLst>
+                              <p:par>
+                                <p:cTn id="5" presetID="1" presetClass="entr" presetSubtype="0" fill="hold" nodeType="clickEffect">
+                                  <p:stCondLst>
+                                    <p:cond delay="0"/>
+                                  </p:stCondLst>
+                                  <p:childTnLst>
+                                    <p:set>
+                                      <p:cBhvr>
+                                        <p:cTn id="6" dur="1" fill="hold">
+                                          <p:stCondLst>
+                                            <p:cond delay="0"/>
+                                          </p:stCondLst>
+                                        </p:cTn>
+                                        <p:tgtEl>
+                                          <p:spTgt spid="8">
+                                            <p:txEl>
+                                              <p:pRg st="2" end="2"/>
+                                            </p:txEl>
+                                          </p:spTgt>
+                                        </p:tgtEl>
+                                        <p:attrNameLst>
+                                          <p:attrName>style.visibility</p:attrName>
+                                        </p:attrNameLst>
+                                      </p:cBhvr>
+                                      <p:to>
+                                        <p:strVal val="visible"/>
+                                      </p:to>
+                                    </p:set>
+                                  </p:childTnLst>
+                                </p:cTn>
+                              </p:par>
+                              <p:par>
+                                <p:cTn id="7" presetID="1" presetClass="entr" presetSubtype="0" fill="hold" nodeType="withEffect">
+                                  <p:stCondLst>
+                                    <p:cond delay="0"/>
+                                  </p:stCondLst>
+                                  <p:childTnLst>
+                                    <p:set>
+                                      <p:cBhvr>
+                                        <p:cTn id="8" dur="1" fill="hold">
+                                          <p:stCondLst>
+                                            <p:cond delay="0"/>
+                                          </p:stCondLst>
+                                        </p:cTn>
+                                        <p:tgtEl>
+                                          <p:spTgt spid="8">
+                                            <p:txEl>
+                                              <p:pRg st="3" end="3"/>
+                                            </p:txEl>
+                                          </p:spTgt>
+                                        </p:tgtEl>
+                                        <p:attrNameLst>
+                                          <p:attrName>style.visibility</p:attrName>
+                                        </p:attrNameLst>
+                                      </p:cBhvr>
+                                      <p:to>
+                                        <p:strVal val="visible"/>
+                                      </p:to>
+                                    </p:set>
+                                  </p:childTnLst>
+                                </p:cTn>
+                              </p:par>
+                              <p:par>
+                                <p:cTn id="9" presetID="1" presetClass="entr" presetSubtype="0" fill="hold" nodeType="withEffect">
+                                  <p:stCondLst>
+                                    <p:cond delay="0"/>
+                                  </p:stCondLst>
+                                  <p:childTnLst>
+                                    <p:set>
+                                      <p:cBhvr>
+                                        <p:cTn id="10" dur="1" fill="hold">
+                                          <p:stCondLst>
+                                            <p:cond delay="0"/>
+                                          </p:stCondLst>
+                                        </p:cTn>
+                                        <p:tgtEl>
+                                          <p:spTgt spid="8">
+                                            <p:txEl>
+                                              <p:pRg st="4" end="4"/>
+                                            </p:txEl>
+                                          </p:spTgt>
+                                        </p:tgtEl>
+                                        <p:attrNameLst>
+                                          <p:attrName>style.visibility</p:attrName>
+                                        </p:attrNameLst>
+                                      </p:cBhvr>
+                                      <p:to>
+                                        <p:strVal val="visible"/>
+                                      </p:to>
+                                    </p:set>
+                                  </p:childTnLst>
+                                </p:cTn>
+                              </p:par>
+                              <p:par>
+                                <p:cTn id="11" presetID="1" presetClass="entr" presetSubtype="0" fill="hold" nodeType="withEffect">
+                                  <p:stCondLst>
+                                    <p:cond delay="0"/>
+                                  </p:stCondLst>
+                                  <p:childTnLst>
+                                    <p:set>
+                                      <p:cBhvr>
+                                        <p:cTn id="12" dur="1" fill="hold">
+                                          <p:stCondLst>
+                                            <p:cond delay="0"/>
+                                          </p:stCondLst>
+                                        </p:cTn>
+                                        <p:tgtEl>
+                                          <p:spTgt spid="8">
+                                            <p:txEl>
+                                              <p:pRg st="5" end="5"/>
+                                            </p:txEl>
+                                          </p:spTgt>
+                                        </p:tgtEl>
+                                        <p:attrNameLst>
+                                          <p:attrName>style.visibility</p:attrName>
+                                        </p:attrNameLst>
+                                      </p:cBhvr>
+                                      <p:to>
+                                        <p:strVal val="visible"/>
+                                      </p:to>
+                                    </p:set>
+                                  </p:childTnLst>
+                                </p:cTn>
+                              </p:par>
+                            </p:childTnLst>
+                          </p:cTn>
+                        </p:par>
+                      </p:childTnLst>
+                    </p:cTn>
+                  </p:par>
+                  <p:par>
+                    <p:cTn id="13" fill="hold">
+                      <p:stCondLst>
+                        <p:cond delay="indefinite"/>
+                      </p:stCondLst>
+                      <p:childTnLst>
+                        <p:par>
+                          <p:cTn id="14" fill="hold">
+                            <p:stCondLst>
+                              <p:cond delay="0"/>
+                            </p:stCondLst>
+                            <p:childTnLst>
+                              <p:par>
+                                <p:cTn id="15" presetID="1" presetClass="entr" presetSubtype="0" fill="hold" nodeType="clickEffect">
+                                  <p:stCondLst>
+                                    <p:cond delay="0"/>
+                                  </p:stCondLst>
+                                  <p:childTnLst>
+                                    <p:set>
+                                      <p:cBhvr>
+                                        <p:cTn id="16" dur="1" fill="hold">
+                                          <p:stCondLst>
+                                            <p:cond delay="0"/>
+                                          </p:stCondLst>
+                                        </p:cTn>
+                                        <p:tgtEl>
+                                          <p:spTgt spid="8">
+                                            <p:txEl>
+                                              <p:pRg st="7" end="7"/>
+                                            </p:txEl>
+                                          </p:spTgt>
+                                        </p:tgtEl>
+                                        <p:attrNameLst>
+                                          <p:attrName>style.visibility</p:attrName>
+                                        </p:attrNameLst>
+                                      </p:cBhvr>
+                                      <p:to>
+                                        <p:strVal val="visible"/>
+                                      </p:to>
+                                    </p:set>
+                                  </p:childTnLst>
+                                </p:cTn>
+                              </p:par>
+                              <p:par>
+                                <p:cTn id="17" presetID="1" presetClass="entr" presetSubtype="0" fill="hold" nodeType="withEffect">
+                                  <p:stCondLst>
+                                    <p:cond delay="0"/>
+                                  </p:stCondLst>
+                                  <p:childTnLst>
+                                    <p:set>
+                                      <p:cBhvr>
+                                        <p:cTn id="18" dur="1" fill="hold">
+                                          <p:stCondLst>
+                                            <p:cond delay="0"/>
+                                          </p:stCondLst>
+                                        </p:cTn>
+                                        <p:tgtEl>
+                                          <p:spTgt spid="8">
+                                            <p:txEl>
+                                              <p:pRg st="8" end="8"/>
+                                            </p:txEl>
+                                          </p:spTgt>
+                                        </p:tgtEl>
+                                        <p:attrNameLst>
+                                          <p:attrName>style.visibility</p:attrName>
+                                        </p:attrNameLst>
+                                      </p:cBhvr>
+                                      <p:to>
+                                        <p:strVal val="visible"/>
+                                      </p:to>
+                                    </p:set>
+                                  </p:childTnLst>
+                                </p:cTn>
+                              </p:par>
+                              <p:par>
+                                <p:cTn id="19" presetID="1" presetClass="entr" presetSubtype="0" fill="hold" nodeType="withEffect">
+                                  <p:stCondLst>
+                                    <p:cond delay="0"/>
+                                  </p:stCondLst>
+                                  <p:childTnLst>
+                                    <p:set>
+                                      <p:cBhvr>
+                                        <p:cTn id="20" dur="1" fill="hold">
+                                          <p:stCondLst>
+                                            <p:cond delay="0"/>
+                                          </p:stCondLst>
+                                        </p:cTn>
+                                        <p:tgtEl>
+                                          <p:spTgt spid="8">
+                                            <p:txEl>
+                                              <p:pRg st="9" end="9"/>
+                                            </p:txEl>
+                                          </p:spTgt>
+                                        </p:tgtEl>
+                                        <p:attrNameLst>
+                                          <p:attrName>style.visibility</p:attrName>
+                                        </p:attrNameLst>
+                                      </p:cBhvr>
+                                      <p:to>
+                                        <p:strVal val="visible"/>
+                                      </p:to>
+                                    </p:set>
+                                  </p:childTnLst>
+                                </p:cTn>
+                              </p:par>
+                              <p:par>
+                                <p:cTn id="21" presetID="1" presetClass="entr" presetSubtype="0" fill="hold" nodeType="withEffect">
+                                  <p:stCondLst>
+                                    <p:cond delay="0"/>
+                                  </p:stCondLst>
+                                  <p:childTnLst>
+                                    <p:set>
+                                      <p:cBhvr>
+                                        <p:cTn id="22" dur="1" fill="hold">
+                                          <p:stCondLst>
+                                            <p:cond delay="0"/>
+                                          </p:stCondLst>
+                                        </p:cTn>
+                                        <p:tgtEl>
+                                          <p:spTgt spid="8">
+                                            <p:txEl>
+                                              <p:pRg st="10" end="10"/>
+                                            </p:txEl>
+                                          </p:spTgt>
+                                        </p:tgtEl>
+                                        <p:attrNameLst>
+                                          <p:attrName>style.visibility</p:attrName>
+                                        </p:attrNameLst>
+                                      </p:cBhvr>
+                                      <p:to>
+                                        <p:strVal val="visible"/>
+                                      </p:to>
+                                    </p:set>
+                                  </p:childTnLst>
+                                </p:cTn>
+                              </p:par>
+                            </p:childTnLst>
+                          </p:cTn>
+                        </p:par>
+                      </p:childTnLst>
+                    </p:cTn>
+                  </p:par>
+                </p:childTnLst>
+              </p:cTn>
+              <p:prevCondLst>
+                <p:cond evt="onPrev" delay="0">
+                  <p:tgtEl>
+                    <p:sldTgt/>
+                  </p:tgtEl>
+                </p:cond>
+              </p:prevCondLst>
+              <p:nextCondLst>
+                <p:cond evt="onNext" delay="0">
+                  <p:tgtEl>
+                    <p:sldTgt/>
+                  </p:tgtEl>
+                </p:cond>
+              </p:nextCondLst>
+            </p:seq>
+          </p:childTnLst>
+        </p:cTn>
+      </p:par>
+    </p:tnLst>
+  </p:timing>
 </p:sld>
 </file>
 
@@ -18477,6 +18484,2770 @@
           </a:p>
         </p:txBody>
       </p:sp>
+      <p:grpSp>
+        <p:nvGrpSpPr>
+          <p:cNvPr id="77" name="Group 17">
+            <a:extLst>
+              <a:ext uri="{FF2B5EF4-FFF2-40B4-BE49-F238E27FC236}">
+                <a16:creationId xmlns:a16="http://schemas.microsoft.com/office/drawing/2014/main" id="{9E6CC9D4-A17F-452B-91D7-CB0962F8EC07}"/>
+              </a:ext>
+            </a:extLst>
+          </p:cNvPr>
+          <p:cNvGrpSpPr>
+            <a:grpSpLocks/>
+          </p:cNvGrpSpPr>
+          <p:nvPr/>
+        </p:nvGrpSpPr>
+        <p:grpSpPr bwMode="auto">
+          <a:xfrm>
+            <a:off x="681373" y="3011487"/>
+            <a:ext cx="1187450" cy="1658938"/>
+            <a:chOff x="924868" y="2313973"/>
+            <a:chExt cx="1188720" cy="1659573"/>
+          </a:xfrm>
+        </p:grpSpPr>
+        <p:sp>
+          <p:nvSpPr>
+            <p:cNvPr id="78" name="Arc 77">
+              <a:extLst>
+                <a:ext uri="{FF2B5EF4-FFF2-40B4-BE49-F238E27FC236}">
+                  <a16:creationId xmlns:a16="http://schemas.microsoft.com/office/drawing/2014/main" id="{DB50E3EE-F79A-4A67-85FE-EC01B8B712D8}"/>
+                </a:ext>
+              </a:extLst>
+            </p:cNvPr>
+            <p:cNvSpPr/>
+            <p:nvPr/>
+          </p:nvSpPr>
+          <p:spPr>
+            <a:xfrm>
+              <a:off x="1244296" y="2313973"/>
+              <a:ext cx="549862" cy="547898"/>
+            </a:xfrm>
+            <a:prstGeom prst="arc">
+              <a:avLst>
+                <a:gd name="adj1" fmla="val 7390944"/>
+                <a:gd name="adj2" fmla="val 3400725"/>
+              </a:avLst>
+            </a:prstGeom>
+            <a:ln>
+              <a:solidFill>
+                <a:schemeClr val="tx1"/>
+              </a:solidFill>
+            </a:ln>
+            <a:effectLst/>
+          </p:spPr>
+          <p:style>
+            <a:lnRef idx="2">
+              <a:schemeClr val="accent1"/>
+            </a:lnRef>
+            <a:fillRef idx="0">
+              <a:schemeClr val="accent1"/>
+            </a:fillRef>
+            <a:effectRef idx="1">
+              <a:schemeClr val="accent1"/>
+            </a:effectRef>
+            <a:fontRef idx="minor">
+              <a:schemeClr val="tx1"/>
+            </a:fontRef>
+          </p:style>
+          <p:txBody>
+            <a:bodyPr anchor="ctr"/>
+            <a:lstStyle/>
+            <a:p>
+              <a:pPr marL="0" marR="0" lvl="0" indent="0" algn="ctr" defTabSz="457200" rtl="0" eaLnBrk="0" fontAlgn="base" latinLnBrk="0" hangingPunct="0">
+                <a:lnSpc>
+                  <a:spcPct val="100000"/>
+                </a:lnSpc>
+                <a:spcBef>
+                  <a:spcPct val="0"/>
+                </a:spcBef>
+                <a:spcAft>
+                  <a:spcPct val="0"/>
+                </a:spcAft>
+                <a:buClrTx/>
+                <a:buSzTx/>
+                <a:buFontTx/>
+                <a:buNone/>
+                <a:tabLst/>
+                <a:defRPr/>
+              </a:pPr>
+              <a:endParaRPr kumimoji="0" lang="en-US" sz="1800" b="0" i="0" u="none" strike="noStrike" kern="1200" cap="none" spc="0" normalizeH="0" baseline="0" noProof="0">
+                <a:ln>
+                  <a:noFill/>
+                </a:ln>
+                <a:solidFill>
+                  <a:prstClr val="black"/>
+                </a:solidFill>
+                <a:effectLst/>
+                <a:uLnTx/>
+                <a:uFillTx/>
+                <a:latin typeface="Calibri"/>
+                <a:ea typeface="+mn-ea"/>
+                <a:cs typeface="+mn-cs"/>
+              </a:endParaRPr>
+            </a:p>
+          </p:txBody>
+        </p:sp>
+        <p:sp>
+          <p:nvSpPr>
+            <p:cNvPr id="79" name="Arc 78">
+              <a:extLst>
+                <a:ext uri="{FF2B5EF4-FFF2-40B4-BE49-F238E27FC236}">
+                  <a16:creationId xmlns:a16="http://schemas.microsoft.com/office/drawing/2014/main" id="{CA6B0A2F-611F-4D62-B7F6-3E482B38F3AC}"/>
+                </a:ext>
+              </a:extLst>
+            </p:cNvPr>
+            <p:cNvSpPr/>
+            <p:nvPr/>
+          </p:nvSpPr>
+          <p:spPr>
+            <a:xfrm>
+              <a:off x="924868" y="2784053"/>
+              <a:ext cx="1188720" cy="1189493"/>
+            </a:xfrm>
+            <a:prstGeom prst="arc">
+              <a:avLst>
+                <a:gd name="adj1" fmla="val 10753943"/>
+                <a:gd name="adj2" fmla="val 15185757"/>
+              </a:avLst>
+            </a:prstGeom>
+            <a:ln>
+              <a:solidFill>
+                <a:schemeClr val="tx1"/>
+              </a:solidFill>
+            </a:ln>
+            <a:effectLst/>
+          </p:spPr>
+          <p:style>
+            <a:lnRef idx="2">
+              <a:schemeClr val="accent1"/>
+            </a:lnRef>
+            <a:fillRef idx="0">
+              <a:schemeClr val="accent1"/>
+            </a:fillRef>
+            <a:effectRef idx="1">
+              <a:schemeClr val="accent1"/>
+            </a:effectRef>
+            <a:fontRef idx="minor">
+              <a:schemeClr val="tx1"/>
+            </a:fontRef>
+          </p:style>
+          <p:txBody>
+            <a:bodyPr anchor="ctr"/>
+            <a:lstStyle/>
+            <a:p>
+              <a:pPr marL="0" marR="0" lvl="0" indent="0" algn="ctr" defTabSz="457200" rtl="0" eaLnBrk="0" fontAlgn="base" latinLnBrk="0" hangingPunct="0">
+                <a:lnSpc>
+                  <a:spcPct val="100000"/>
+                </a:lnSpc>
+                <a:spcBef>
+                  <a:spcPct val="0"/>
+                </a:spcBef>
+                <a:spcAft>
+                  <a:spcPct val="0"/>
+                </a:spcAft>
+                <a:buClrTx/>
+                <a:buSzTx/>
+                <a:buFontTx/>
+                <a:buNone/>
+                <a:tabLst/>
+                <a:defRPr/>
+              </a:pPr>
+              <a:endParaRPr kumimoji="0" lang="en-US" sz="1800" b="0" i="0" u="none" strike="noStrike" kern="1200" cap="none" spc="0" normalizeH="0" baseline="0" noProof="0">
+                <a:ln>
+                  <a:noFill/>
+                </a:ln>
+                <a:solidFill>
+                  <a:prstClr val="black"/>
+                </a:solidFill>
+                <a:effectLst/>
+                <a:uLnTx/>
+                <a:uFillTx/>
+                <a:latin typeface="Calibri"/>
+                <a:ea typeface="+mn-ea"/>
+                <a:cs typeface="+mn-cs"/>
+              </a:endParaRPr>
+            </a:p>
+          </p:txBody>
+        </p:sp>
+        <p:sp>
+          <p:nvSpPr>
+            <p:cNvPr id="80" name="Arc 79">
+              <a:extLst>
+                <a:ext uri="{FF2B5EF4-FFF2-40B4-BE49-F238E27FC236}">
+                  <a16:creationId xmlns:a16="http://schemas.microsoft.com/office/drawing/2014/main" id="{A3D85053-90C8-4A8B-9418-AA40F184A98A}"/>
+                </a:ext>
+              </a:extLst>
+            </p:cNvPr>
+            <p:cNvSpPr/>
+            <p:nvPr/>
+          </p:nvSpPr>
+          <p:spPr>
+            <a:xfrm>
+              <a:off x="924868" y="2784053"/>
+              <a:ext cx="1188720" cy="1189493"/>
+            </a:xfrm>
+            <a:prstGeom prst="arc">
+              <a:avLst>
+                <a:gd name="adj1" fmla="val 17167860"/>
+                <a:gd name="adj2" fmla="val 22496"/>
+              </a:avLst>
+            </a:prstGeom>
+            <a:ln>
+              <a:solidFill>
+                <a:schemeClr val="tx1"/>
+              </a:solidFill>
+            </a:ln>
+            <a:effectLst/>
+          </p:spPr>
+          <p:style>
+            <a:lnRef idx="2">
+              <a:schemeClr val="accent1"/>
+            </a:lnRef>
+            <a:fillRef idx="0">
+              <a:schemeClr val="accent1"/>
+            </a:fillRef>
+            <a:effectRef idx="1">
+              <a:schemeClr val="accent1"/>
+            </a:effectRef>
+            <a:fontRef idx="minor">
+              <a:schemeClr val="tx1"/>
+            </a:fontRef>
+          </p:style>
+          <p:txBody>
+            <a:bodyPr wrap="none" anchor="ctr"/>
+            <a:lstStyle/>
+            <a:p>
+              <a:pPr marL="0" marR="0" lvl="0" indent="0" algn="ctr" defTabSz="457200" rtl="0" eaLnBrk="0" fontAlgn="base" latinLnBrk="0" hangingPunct="0">
+                <a:lnSpc>
+                  <a:spcPct val="100000"/>
+                </a:lnSpc>
+                <a:spcBef>
+                  <a:spcPct val="0"/>
+                </a:spcBef>
+                <a:spcAft>
+                  <a:spcPct val="0"/>
+                </a:spcAft>
+                <a:buClrTx/>
+                <a:buSzTx/>
+                <a:buFontTx/>
+                <a:buNone/>
+                <a:tabLst/>
+                <a:defRPr/>
+              </a:pPr>
+              <a:endParaRPr kumimoji="0" lang="en-US" sz="1800" b="0" i="0" u="none" strike="noStrike" kern="1200" cap="none" spc="0" normalizeH="0" baseline="0" noProof="0" dirty="0">
+                <a:ln>
+                  <a:noFill/>
+                </a:ln>
+                <a:solidFill>
+                  <a:prstClr val="black"/>
+                </a:solidFill>
+                <a:effectLst/>
+                <a:uLnTx/>
+                <a:uFillTx/>
+                <a:latin typeface="Arial" panose="020B0604020202020204" pitchFamily="34" charset="0"/>
+                <a:ea typeface="+mn-ea"/>
+                <a:cs typeface="+mn-cs"/>
+              </a:endParaRPr>
+            </a:p>
+          </p:txBody>
+        </p:sp>
+        <p:sp>
+          <p:nvSpPr>
+            <p:cNvPr id="81" name="TextBox 7175">
+              <a:extLst>
+                <a:ext uri="{FF2B5EF4-FFF2-40B4-BE49-F238E27FC236}">
+                  <a16:creationId xmlns:a16="http://schemas.microsoft.com/office/drawing/2014/main" id="{7DEFFDA4-80A9-42B2-9D35-77DBDE91A1FC}"/>
+                </a:ext>
+              </a:extLst>
+            </p:cNvPr>
+            <p:cNvSpPr txBox="1">
+              <a:spLocks noChangeArrowheads="1"/>
+            </p:cNvSpPr>
+            <p:nvPr/>
+          </p:nvSpPr>
+          <p:spPr bwMode="auto">
+            <a:xfrm>
+              <a:off x="990312" y="2870490"/>
+              <a:ext cx="1098454" cy="646578"/>
+            </a:xfrm>
+            <a:prstGeom prst="rect">
+              <a:avLst/>
+            </a:prstGeom>
+            <a:noFill/>
+            <a:ln>
+              <a:noFill/>
+            </a:ln>
+            <a:extLst>
+              <a:ext uri="{909E8E84-426E-40DD-AFC4-6F175D3DCCD1}">
+                <a14:hiddenFill xmlns:a14="http://schemas.microsoft.com/office/drawing/2010/main">
+                  <a:solidFill>
+                    <a:srgbClr val="FFFFFF"/>
+                  </a:solidFill>
+                </a14:hiddenFill>
+              </a:ext>
+              <a:ext uri="{91240B29-F687-4F45-9708-019B960494DF}">
+                <a14:hiddenLine xmlns:a14="http://schemas.microsoft.com/office/drawing/2010/main" w="9525">
+                  <a:solidFill>
+                    <a:srgbClr val="000000"/>
+                  </a:solidFill>
+                  <a:miter lim="800000"/>
+                  <a:headEnd/>
+                  <a:tailEnd/>
+                </a14:hiddenLine>
+              </a:ext>
+            </a:extLst>
+          </p:spPr>
+          <p:txBody>
+            <a:bodyPr wrap="none">
+              <a:spAutoFit/>
+            </a:bodyPr>
+            <a:lstStyle>
+              <a:lvl1pPr>
+                <a:spcBef>
+                  <a:spcPct val="20000"/>
+                </a:spcBef>
+                <a:buFont typeface="Arial" panose="020B0604020202020204" pitchFamily="34" charset="0"/>
+                <a:buChar char="•"/>
+                <a:defRPr sz="3200">
+                  <a:solidFill>
+                    <a:schemeClr val="tx1"/>
+                  </a:solidFill>
+                  <a:latin typeface="Calibri" panose="020F0502020204030204" pitchFamily="34" charset="0"/>
+                  <a:ea typeface="ＭＳ Ｐゴシック" panose="020B0600070205080204" pitchFamily="34" charset="-128"/>
+                </a:defRPr>
+              </a:lvl1pPr>
+              <a:lvl2pPr marL="742950" indent="-285750">
+                <a:spcBef>
+                  <a:spcPct val="20000"/>
+                </a:spcBef>
+                <a:buFont typeface="Arial" panose="020B0604020202020204" pitchFamily="34" charset="0"/>
+                <a:buChar char="–"/>
+                <a:defRPr sz="2800">
+                  <a:solidFill>
+                    <a:schemeClr val="tx1"/>
+                  </a:solidFill>
+                  <a:latin typeface="Calibri" panose="020F0502020204030204" pitchFamily="34" charset="0"/>
+                  <a:ea typeface="ＭＳ Ｐゴシック" panose="020B0600070205080204" pitchFamily="34" charset="-128"/>
+                </a:defRPr>
+              </a:lvl2pPr>
+              <a:lvl3pPr marL="1143000" indent="-228600">
+                <a:spcBef>
+                  <a:spcPct val="20000"/>
+                </a:spcBef>
+                <a:buFont typeface="Arial" panose="020B0604020202020204" pitchFamily="34" charset="0"/>
+                <a:buChar char="•"/>
+                <a:defRPr sz="2400">
+                  <a:solidFill>
+                    <a:schemeClr val="tx1"/>
+                  </a:solidFill>
+                  <a:latin typeface="Calibri" panose="020F0502020204030204" pitchFamily="34" charset="0"/>
+                  <a:ea typeface="ＭＳ Ｐゴシック" panose="020B0600070205080204" pitchFamily="34" charset="-128"/>
+                </a:defRPr>
+              </a:lvl3pPr>
+              <a:lvl4pPr marL="1600200" indent="-228600">
+                <a:spcBef>
+                  <a:spcPct val="20000"/>
+                </a:spcBef>
+                <a:buFont typeface="Arial" panose="020B0604020202020204" pitchFamily="34" charset="0"/>
+                <a:buChar char="–"/>
+                <a:defRPr sz="2000">
+                  <a:solidFill>
+                    <a:schemeClr val="tx1"/>
+                  </a:solidFill>
+                  <a:latin typeface="Calibri" panose="020F0502020204030204" pitchFamily="34" charset="0"/>
+                  <a:ea typeface="ＭＳ Ｐゴシック" panose="020B0600070205080204" pitchFamily="34" charset="-128"/>
+                </a:defRPr>
+              </a:lvl4pPr>
+              <a:lvl5pPr marL="2057400" indent="-228600">
+                <a:spcBef>
+                  <a:spcPct val="20000"/>
+                </a:spcBef>
+                <a:buFont typeface="Arial" panose="020B0604020202020204" pitchFamily="34" charset="0"/>
+                <a:buChar char="»"/>
+                <a:defRPr sz="2000">
+                  <a:solidFill>
+                    <a:schemeClr val="tx1"/>
+                  </a:solidFill>
+                  <a:latin typeface="Calibri" panose="020F0502020204030204" pitchFamily="34" charset="0"/>
+                  <a:ea typeface="ＭＳ Ｐゴシック" panose="020B0600070205080204" pitchFamily="34" charset="-128"/>
+                </a:defRPr>
+              </a:lvl5pPr>
+              <a:lvl6pPr marL="2514600" indent="-228600" defTabSz="457200" eaLnBrk="0" fontAlgn="base" hangingPunct="0">
+                <a:spcBef>
+                  <a:spcPct val="20000"/>
+                </a:spcBef>
+                <a:spcAft>
+                  <a:spcPct val="0"/>
+                </a:spcAft>
+                <a:buFont typeface="Arial" panose="020B0604020202020204" pitchFamily="34" charset="0"/>
+                <a:buChar char="»"/>
+                <a:defRPr sz="2000">
+                  <a:solidFill>
+                    <a:schemeClr val="tx1"/>
+                  </a:solidFill>
+                  <a:latin typeface="Calibri" panose="020F0502020204030204" pitchFamily="34" charset="0"/>
+                  <a:ea typeface="ＭＳ Ｐゴシック" panose="020B0600070205080204" pitchFamily="34" charset="-128"/>
+                </a:defRPr>
+              </a:lvl6pPr>
+              <a:lvl7pPr marL="2971800" indent="-228600" defTabSz="457200" eaLnBrk="0" fontAlgn="base" hangingPunct="0">
+                <a:spcBef>
+                  <a:spcPct val="20000"/>
+                </a:spcBef>
+                <a:spcAft>
+                  <a:spcPct val="0"/>
+                </a:spcAft>
+                <a:buFont typeface="Arial" panose="020B0604020202020204" pitchFamily="34" charset="0"/>
+                <a:buChar char="»"/>
+                <a:defRPr sz="2000">
+                  <a:solidFill>
+                    <a:schemeClr val="tx1"/>
+                  </a:solidFill>
+                  <a:latin typeface="Calibri" panose="020F0502020204030204" pitchFamily="34" charset="0"/>
+                  <a:ea typeface="ＭＳ Ｐゴシック" panose="020B0600070205080204" pitchFamily="34" charset="-128"/>
+                </a:defRPr>
+              </a:lvl7pPr>
+              <a:lvl8pPr marL="3429000" indent="-228600" defTabSz="457200" eaLnBrk="0" fontAlgn="base" hangingPunct="0">
+                <a:spcBef>
+                  <a:spcPct val="20000"/>
+                </a:spcBef>
+                <a:spcAft>
+                  <a:spcPct val="0"/>
+                </a:spcAft>
+                <a:buFont typeface="Arial" panose="020B0604020202020204" pitchFamily="34" charset="0"/>
+                <a:buChar char="»"/>
+                <a:defRPr sz="2000">
+                  <a:solidFill>
+                    <a:schemeClr val="tx1"/>
+                  </a:solidFill>
+                  <a:latin typeface="Calibri" panose="020F0502020204030204" pitchFamily="34" charset="0"/>
+                  <a:ea typeface="ＭＳ Ｐゴシック" panose="020B0600070205080204" pitchFamily="34" charset="-128"/>
+                </a:defRPr>
+              </a:lvl8pPr>
+              <a:lvl9pPr marL="3886200" indent="-228600" defTabSz="457200" eaLnBrk="0" fontAlgn="base" hangingPunct="0">
+                <a:spcBef>
+                  <a:spcPct val="20000"/>
+                </a:spcBef>
+                <a:spcAft>
+                  <a:spcPct val="0"/>
+                </a:spcAft>
+                <a:buFont typeface="Arial" panose="020B0604020202020204" pitchFamily="34" charset="0"/>
+                <a:buChar char="»"/>
+                <a:defRPr sz="2000">
+                  <a:solidFill>
+                    <a:schemeClr val="tx1"/>
+                  </a:solidFill>
+                  <a:latin typeface="Calibri" panose="020F0502020204030204" pitchFamily="34" charset="0"/>
+                  <a:ea typeface="ＭＳ Ｐゴシック" panose="020B0600070205080204" pitchFamily="34" charset="-128"/>
+                </a:defRPr>
+              </a:lvl9pPr>
+            </a:lstStyle>
+            <a:p>
+              <a:pPr marL="0" marR="0" lvl="0" indent="0" algn="ctr" defTabSz="457200" rtl="0" eaLnBrk="0" fontAlgn="base" latinLnBrk="0" hangingPunct="0">
+                <a:lnSpc>
+                  <a:spcPct val="100000"/>
+                </a:lnSpc>
+                <a:spcBef>
+                  <a:spcPct val="0"/>
+                </a:spcBef>
+                <a:spcAft>
+                  <a:spcPct val="0"/>
+                </a:spcAft>
+                <a:buClrTx/>
+                <a:buSzTx/>
+                <a:buFontTx/>
+                <a:buNone/>
+                <a:tabLst/>
+                <a:defRPr/>
+              </a:pPr>
+              <a:r>
+                <a:rPr kumimoji="0" lang="en-US" altLang="en-US" sz="1800" b="0" i="0" u="none" strike="noStrike" kern="1200" cap="none" spc="0" normalizeH="0" noProof="0">
+                  <a:ln>
+                    <a:noFill/>
+                  </a:ln>
+                  <a:solidFill>
+                    <a:prstClr val="black"/>
+                  </a:solidFill>
+                  <a:effectLst/>
+                  <a:uLnTx/>
+                  <a:uFillTx/>
+                  <a:latin typeface="Arial" panose="020B0604020202020204" pitchFamily="34" charset="0"/>
+                  <a:ea typeface="ＭＳ Ｐゴシック" panose="020B0600070205080204" pitchFamily="34" charset="-128"/>
+                  <a:cs typeface="+mn-cs"/>
+                </a:rPr>
+                <a:t>Data</a:t>
+              </a:r>
+              <a:br>
+                <a:rPr kumimoji="0" lang="en-US" altLang="en-US" sz="1800" b="0" i="0" u="none" strike="noStrike" kern="1200" cap="none" spc="0" normalizeH="0" noProof="0">
+                  <a:ln>
+                    <a:noFill/>
+                  </a:ln>
+                  <a:solidFill>
+                    <a:prstClr val="black"/>
+                  </a:solidFill>
+                  <a:effectLst/>
+                  <a:uLnTx/>
+                  <a:uFillTx/>
+                  <a:latin typeface="Arial" panose="020B0604020202020204" pitchFamily="34" charset="0"/>
+                  <a:ea typeface="ＭＳ Ｐゴシック" panose="020B0600070205080204" pitchFamily="34" charset="-128"/>
+                  <a:cs typeface="+mn-cs"/>
+                </a:rPr>
+              </a:br>
+              <a:r>
+                <a:rPr kumimoji="0" lang="en-US" altLang="en-US" sz="1800" b="0" i="0" u="none" strike="noStrike" kern="1200" cap="none" spc="0" normalizeH="0" noProof="0">
+                  <a:ln>
+                    <a:noFill/>
+                  </a:ln>
+                  <a:solidFill>
+                    <a:prstClr val="black"/>
+                  </a:solidFill>
+                  <a:effectLst/>
+                  <a:uLnTx/>
+                  <a:uFillTx/>
+                  <a:latin typeface="Arial" panose="020B0604020202020204" pitchFamily="34" charset="0"/>
+                  <a:ea typeface="ＭＳ Ｐゴシック" panose="020B0600070205080204" pitchFamily="34" charset="-128"/>
+                  <a:cs typeface="+mn-cs"/>
+                </a:rPr>
+                <a:t>Scientist</a:t>
+              </a:r>
+              <a:endParaRPr kumimoji="0" lang="en-US" altLang="en-US" sz="1800" b="0" i="0" u="none" strike="noStrike" kern="1200" cap="none" spc="0" normalizeH="0" noProof="0" dirty="0">
+                <a:ln>
+                  <a:noFill/>
+                </a:ln>
+                <a:solidFill>
+                  <a:prstClr val="black"/>
+                </a:solidFill>
+                <a:effectLst/>
+                <a:uLnTx/>
+                <a:uFillTx/>
+                <a:latin typeface="Arial" panose="020B0604020202020204" pitchFamily="34" charset="0"/>
+                <a:ea typeface="ＭＳ Ｐゴシック" panose="020B0600070205080204" pitchFamily="34" charset="-128"/>
+                <a:cs typeface="+mn-cs"/>
+              </a:endParaRPr>
+            </a:p>
+          </p:txBody>
+        </p:sp>
+      </p:grpSp>
+      <p:cxnSp>
+        <p:nvCxnSpPr>
+          <p:cNvPr id="82" name="Straight Arrow Connector 81">
+            <a:extLst>
+              <a:ext uri="{FF2B5EF4-FFF2-40B4-BE49-F238E27FC236}">
+                <a16:creationId xmlns:a16="http://schemas.microsoft.com/office/drawing/2014/main" id="{E53CB05E-6A01-493C-9770-0C16D0E6EB9F}"/>
+              </a:ext>
+            </a:extLst>
+          </p:cNvPr>
+          <p:cNvCxnSpPr>
+            <a:cxnSpLocks/>
+            <a:stCxn id="81" idx="3"/>
+            <a:endCxn id="40" idx="1"/>
+          </p:cNvCxnSpPr>
+          <p:nvPr/>
+        </p:nvCxnSpPr>
+        <p:spPr>
+          <a:xfrm flipV="1">
+            <a:off x="1844027" y="2401059"/>
+            <a:ext cx="893124" cy="1489898"/>
+          </a:xfrm>
+          <a:prstGeom prst="straightConnector1">
+            <a:avLst/>
+          </a:prstGeom>
+          <a:ln w="25400">
+            <a:solidFill>
+              <a:schemeClr val="tx1"/>
+            </a:solidFill>
+            <a:headEnd type="stealth" w="med" len="lg"/>
+            <a:tailEnd type="stealth" w="med" len="lg"/>
+          </a:ln>
+        </p:spPr>
+        <p:style>
+          <a:lnRef idx="1">
+            <a:schemeClr val="accent1"/>
+          </a:lnRef>
+          <a:fillRef idx="0">
+            <a:schemeClr val="accent1"/>
+          </a:fillRef>
+          <a:effectRef idx="0">
+            <a:schemeClr val="accent1"/>
+          </a:effectRef>
+          <a:fontRef idx="minor">
+            <a:schemeClr val="tx1"/>
+          </a:fontRef>
+        </p:style>
+      </p:cxnSp>
+      <p:sp>
+        <p:nvSpPr>
+          <p:cNvPr id="47" name="TextBox 46">
+            <a:extLst>
+              <a:ext uri="{FF2B5EF4-FFF2-40B4-BE49-F238E27FC236}">
+                <a16:creationId xmlns:a16="http://schemas.microsoft.com/office/drawing/2014/main" id="{B2B3BB24-D681-4D93-8255-9A1286D5EB24}"/>
+              </a:ext>
+            </a:extLst>
+          </p:cNvPr>
+          <p:cNvSpPr txBox="1"/>
+          <p:nvPr/>
+        </p:nvSpPr>
+        <p:spPr>
+          <a:xfrm rot="18060000">
+            <a:off x="1462079" y="2853150"/>
+            <a:ext cx="1338828" cy="369332"/>
+          </a:xfrm>
+          <a:prstGeom prst="rect">
+            <a:avLst/>
+          </a:prstGeom>
+          <a:noFill/>
+        </p:spPr>
+        <p:txBody>
+          <a:bodyPr wrap="none" rtlCol="0">
+            <a:spAutoFit/>
+          </a:bodyPr>
+          <a:lstStyle/>
+          <a:p>
+            <a:r>
+              <a:rPr lang="en-US">
+                <a:latin typeface="Arial" panose="020B0604020202020204" pitchFamily="34" charset="0"/>
+              </a:rPr>
+              <a:t>edit/display</a:t>
+            </a:r>
+          </a:p>
+        </p:txBody>
+      </p:sp>
+      <p:sp>
+        <p:nvSpPr>
+          <p:cNvPr id="49" name="Rectangle: Rounded Corners 48">
+            <a:extLst>
+              <a:ext uri="{FF2B5EF4-FFF2-40B4-BE49-F238E27FC236}">
+                <a16:creationId xmlns:a16="http://schemas.microsoft.com/office/drawing/2014/main" id="{A5B0DA0C-60D3-454E-A30B-B4EEC971AE0A}"/>
+              </a:ext>
+            </a:extLst>
+          </p:cNvPr>
+          <p:cNvSpPr/>
+          <p:nvPr/>
+        </p:nvSpPr>
+        <p:spPr>
+          <a:xfrm>
+            <a:off x="3995327" y="4239188"/>
+            <a:ext cx="2014361" cy="378885"/>
+          </a:xfrm>
+          <a:prstGeom prst="roundRect">
+            <a:avLst/>
+          </a:prstGeom>
+          <a:noFill/>
+          <a:ln w="25400">
+            <a:solidFill>
+              <a:schemeClr val="tx1"/>
+            </a:solidFill>
+          </a:ln>
+        </p:spPr>
+        <p:style>
+          <a:lnRef idx="2">
+            <a:schemeClr val="accent1">
+              <a:shade val="50000"/>
+            </a:schemeClr>
+          </a:lnRef>
+          <a:fillRef idx="1">
+            <a:schemeClr val="accent1"/>
+          </a:fillRef>
+          <a:effectRef idx="0">
+            <a:schemeClr val="accent1"/>
+          </a:effectRef>
+          <a:fontRef idx="minor">
+            <a:schemeClr val="lt1"/>
+          </a:fontRef>
+        </p:style>
+        <p:txBody>
+          <a:bodyPr rtlCol="0" anchor="t" anchorCtr="0"/>
+          <a:lstStyle/>
+          <a:p>
+            <a:pPr algn="ctr"/>
+            <a:r>
+              <a:rPr lang="en-US">
+                <a:solidFill>
+                  <a:schemeClr val="tx1"/>
+                </a:solidFill>
+                <a:latin typeface="Arial" panose="020B0604020202020204" pitchFamily="34" charset="0"/>
+              </a:rPr>
+              <a:t>Hyperparameters</a:t>
+            </a:r>
+          </a:p>
+        </p:txBody>
+      </p:sp>
+      <p:sp>
+        <p:nvSpPr>
+          <p:cNvPr id="50" name="Rectangle: Rounded Corners 49">
+            <a:extLst>
+              <a:ext uri="{FF2B5EF4-FFF2-40B4-BE49-F238E27FC236}">
+                <a16:creationId xmlns:a16="http://schemas.microsoft.com/office/drawing/2014/main" id="{B65E5378-E8E8-415F-9148-676F9E547BB3}"/>
+              </a:ext>
+            </a:extLst>
+          </p:cNvPr>
+          <p:cNvSpPr/>
+          <p:nvPr/>
+        </p:nvSpPr>
+        <p:spPr>
+          <a:xfrm>
+            <a:off x="3995326" y="3060094"/>
+            <a:ext cx="2014361" cy="378885"/>
+          </a:xfrm>
+          <a:prstGeom prst="roundRect">
+            <a:avLst/>
+          </a:prstGeom>
+          <a:noFill/>
+          <a:ln w="25400">
+            <a:solidFill>
+              <a:schemeClr val="tx1"/>
+            </a:solidFill>
+          </a:ln>
+        </p:spPr>
+        <p:style>
+          <a:lnRef idx="2">
+            <a:schemeClr val="accent1">
+              <a:shade val="50000"/>
+            </a:schemeClr>
+          </a:lnRef>
+          <a:fillRef idx="1">
+            <a:schemeClr val="accent1"/>
+          </a:fillRef>
+          <a:effectRef idx="0">
+            <a:schemeClr val="accent1"/>
+          </a:effectRef>
+          <a:fontRef idx="minor">
+            <a:schemeClr val="lt1"/>
+          </a:fontRef>
+        </p:style>
+        <p:txBody>
+          <a:bodyPr rtlCol="0" anchor="t" anchorCtr="0"/>
+          <a:lstStyle/>
+          <a:p>
+            <a:pPr algn="ctr"/>
+            <a:r>
+              <a:rPr lang="en-US">
+                <a:solidFill>
+                  <a:schemeClr val="tx1"/>
+                </a:solidFill>
+                <a:latin typeface="Arial" panose="020B0604020202020204" pitchFamily="34" charset="0"/>
+              </a:rPr>
+              <a:t>Schemas</a:t>
+            </a:r>
+          </a:p>
+        </p:txBody>
+      </p:sp>
+      <p:sp>
+        <p:nvSpPr>
+          <p:cNvPr id="51" name="TextBox 50">
+            <a:extLst>
+              <a:ext uri="{FF2B5EF4-FFF2-40B4-BE49-F238E27FC236}">
+                <a16:creationId xmlns:a16="http://schemas.microsoft.com/office/drawing/2014/main" id="{A1C84246-D24D-4D08-A105-3ED1BA881350}"/>
+              </a:ext>
+            </a:extLst>
+          </p:cNvPr>
+          <p:cNvSpPr txBox="1"/>
+          <p:nvPr/>
+        </p:nvSpPr>
+        <p:spPr>
+          <a:xfrm>
+            <a:off x="895457" y="6358978"/>
+            <a:ext cx="8426346" cy="369332"/>
+          </a:xfrm>
+          <a:prstGeom prst="rect">
+            <a:avLst/>
+          </a:prstGeom>
+          <a:noFill/>
+        </p:spPr>
+        <p:txBody>
+          <a:bodyPr wrap="none" rtlCol="0">
+            <a:spAutoFit/>
+          </a:bodyPr>
+          <a:lstStyle/>
+          <a:p>
+            <a:r>
+              <a:rPr lang="en-US">
+                <a:latin typeface="Arial" panose="020B0604020202020204" pitchFamily="34" charset="0"/>
+              </a:rPr>
+              <a:t>“Type-Driven Automated Learning with Lale”, https://arxiv.org/pdf/1906.03957.pdf</a:t>
+            </a:r>
+          </a:p>
+        </p:txBody>
+      </p:sp>
+    </p:spTree>
+    <p:extLst>
+      <p:ext uri="{BB962C8B-B14F-4D97-AF65-F5344CB8AC3E}">
+        <p14:creationId xmlns:p14="http://schemas.microsoft.com/office/powerpoint/2010/main" val="469984524"/>
+      </p:ext>
+    </p:extLst>
+  </p:cSld>
+  <p:clrMapOvr>
+    <a:masterClrMapping/>
+  </p:clrMapOvr>
+</p:sld>
+</file>
+
+<file path=ppt/slides/slide16.xml><?xml version="1.0" encoding="utf-8"?>
+<p:sld xmlns:a="http://schemas.openxmlformats.org/drawingml/2006/main" xmlns:r="http://schemas.openxmlformats.org/officeDocument/2006/relationships" xmlns:p="http://schemas.openxmlformats.org/presentationml/2006/main">
+  <p:cSld>
+    <p:spTree>
+      <p:nvGrpSpPr>
+        <p:cNvPr id="1" name=""/>
+        <p:cNvGrpSpPr/>
+        <p:nvPr/>
+      </p:nvGrpSpPr>
+      <p:grpSpPr>
+        <a:xfrm>
+          <a:off x="0" y="0"/>
+          <a:ext cx="0" cy="0"/>
+          <a:chOff x="0" y="0"/>
+          <a:chExt cx="0" cy="0"/>
+        </a:xfrm>
+      </p:grpSpPr>
+      <p:sp>
+        <p:nvSpPr>
+          <p:cNvPr id="2" name="Title 1">
+            <a:extLst>
+              <a:ext uri="{FF2B5EF4-FFF2-40B4-BE49-F238E27FC236}">
+                <a16:creationId xmlns:a16="http://schemas.microsoft.com/office/drawing/2014/main" id="{0FD1C7FD-E7A2-4EB2-BBB2-1B3DED47A65F}"/>
+              </a:ext>
+            </a:extLst>
+          </p:cNvPr>
+          <p:cNvSpPr>
+            <a:spLocks noGrp="1"/>
+          </p:cNvSpPr>
+          <p:nvPr>
+            <p:ph type="title"/>
+          </p:nvPr>
+        </p:nvSpPr>
+        <p:spPr>
+          <a:xfrm>
+            <a:off x="838200" y="0"/>
+            <a:ext cx="10515600" cy="1325563"/>
+          </a:xfrm>
+        </p:spPr>
+        <p:txBody>
+          <a:bodyPr/>
+          <a:lstStyle/>
+          <a:p>
+            <a:r>
+              <a:rPr lang="en-US" b="1">
+                <a:latin typeface="Arial" panose="020B0604020202020204" pitchFamily="34" charset="0"/>
+              </a:rPr>
+              <a:t>Types as Single Source of Truth</a:t>
+            </a:r>
+          </a:p>
+        </p:txBody>
+      </p:sp>
+      <p:sp>
+        <p:nvSpPr>
+          <p:cNvPr id="6" name="Slide Number Placeholder 5">
+            <a:extLst>
+              <a:ext uri="{FF2B5EF4-FFF2-40B4-BE49-F238E27FC236}">
+                <a16:creationId xmlns:a16="http://schemas.microsoft.com/office/drawing/2014/main" id="{720EF69A-03B0-4EA4-96EC-030203335F73}"/>
+              </a:ext>
+            </a:extLst>
+          </p:cNvPr>
+          <p:cNvSpPr>
+            <a:spLocks noGrp="1"/>
+          </p:cNvSpPr>
+          <p:nvPr>
+            <p:ph type="sldNum" sz="quarter" idx="12"/>
+          </p:nvPr>
+        </p:nvSpPr>
+        <p:spPr/>
+        <p:txBody>
+          <a:bodyPr/>
+          <a:lstStyle/>
+          <a:p>
+            <a:fld id="{8661E4C1-2DDD-4868-BF45-6F174326DF77}" type="slidenum">
+              <a:rPr lang="en-US" smtClean="0"/>
+              <a:t>16</a:t>
+            </a:fld>
+            <a:endParaRPr lang="en-US"/>
+          </a:p>
+        </p:txBody>
+      </p:sp>
+      <p:grpSp>
+        <p:nvGrpSpPr>
+          <p:cNvPr id="3" name="Group 2">
+            <a:extLst>
+              <a:ext uri="{FF2B5EF4-FFF2-40B4-BE49-F238E27FC236}">
+                <a16:creationId xmlns:a16="http://schemas.microsoft.com/office/drawing/2014/main" id="{7A1A7C08-A92E-4763-B7B7-18A9701EDDAA}"/>
+              </a:ext>
+            </a:extLst>
+          </p:cNvPr>
+          <p:cNvGrpSpPr>
+            <a:grpSpLocks noChangeAspect="1"/>
+          </p:cNvGrpSpPr>
+          <p:nvPr/>
+        </p:nvGrpSpPr>
+        <p:grpSpPr>
+          <a:xfrm>
+            <a:off x="2814025" y="2174409"/>
+            <a:ext cx="4375959" cy="818097"/>
+            <a:chOff x="994058" y="1946552"/>
+            <a:chExt cx="5469949" cy="1022621"/>
+          </a:xfrm>
+        </p:grpSpPr>
+        <p:sp>
+          <p:nvSpPr>
+            <p:cNvPr id="16" name="Oval 15">
+              <a:extLst>
+                <a:ext uri="{FF2B5EF4-FFF2-40B4-BE49-F238E27FC236}">
+                  <a16:creationId xmlns:a16="http://schemas.microsoft.com/office/drawing/2014/main" id="{CA268248-C7FF-40D3-B3E2-0D9484FE0513}"/>
+                </a:ext>
+              </a:extLst>
+            </p:cNvPr>
+            <p:cNvSpPr/>
+            <p:nvPr/>
+          </p:nvSpPr>
+          <p:spPr>
+            <a:xfrm>
+              <a:off x="994058" y="1946552"/>
+              <a:ext cx="720090" cy="447753"/>
+            </a:xfrm>
+            <a:prstGeom prst="ellipse">
+              <a:avLst/>
+            </a:prstGeom>
+            <a:solidFill>
+              <a:schemeClr val="bg1">
+                <a:lumMod val="85000"/>
+              </a:schemeClr>
+            </a:solidFill>
+            <a:ln w="25400">
+              <a:solidFill>
+                <a:schemeClr val="tx1"/>
+              </a:solidFill>
+            </a:ln>
+          </p:spPr>
+          <p:style>
+            <a:lnRef idx="2">
+              <a:schemeClr val="accent1">
+                <a:shade val="50000"/>
+              </a:schemeClr>
+            </a:lnRef>
+            <a:fillRef idx="1">
+              <a:schemeClr val="accent1"/>
+            </a:fillRef>
+            <a:effectRef idx="0">
+              <a:schemeClr val="accent1"/>
+            </a:effectRef>
+            <a:fontRef idx="minor">
+              <a:schemeClr val="lt1"/>
+            </a:fontRef>
+          </p:style>
+          <p:txBody>
+            <a:bodyPr wrap="none" rtlCol="0" anchor="ctr"/>
+            <a:lstStyle/>
+            <a:p>
+              <a:pPr algn="ctr"/>
+              <a:r>
+                <a:rPr lang="en-US" sz="1200">
+                  <a:solidFill>
+                    <a:schemeClr val="tx1"/>
+                  </a:solidFill>
+                  <a:latin typeface="Times New Roman" panose="02020603050405020304" pitchFamily="18" charset="0"/>
+                </a:rPr>
+                <a:t>Project</a:t>
+              </a:r>
+            </a:p>
+          </p:txBody>
+        </p:sp>
+        <p:sp>
+          <p:nvSpPr>
+            <p:cNvPr id="17" name="Oval 16">
+              <a:extLst>
+                <a:ext uri="{FF2B5EF4-FFF2-40B4-BE49-F238E27FC236}">
+                  <a16:creationId xmlns:a16="http://schemas.microsoft.com/office/drawing/2014/main" id="{6C29E9C6-239B-4426-B619-A568A9AE0BEE}"/>
+                </a:ext>
+              </a:extLst>
+            </p:cNvPr>
+            <p:cNvSpPr/>
+            <p:nvPr/>
+          </p:nvSpPr>
+          <p:spPr>
+            <a:xfrm>
+              <a:off x="3791060" y="2274239"/>
+              <a:ext cx="2672947" cy="447753"/>
+            </a:xfrm>
+            <a:prstGeom prst="ellipse">
+              <a:avLst/>
+            </a:prstGeom>
+            <a:solidFill>
+              <a:schemeClr val="bg1">
+                <a:lumMod val="65000"/>
+              </a:schemeClr>
+            </a:solidFill>
+            <a:ln w="25400">
+              <a:solidFill>
+                <a:schemeClr val="tx1"/>
+              </a:solidFill>
+            </a:ln>
+          </p:spPr>
+          <p:style>
+            <a:lnRef idx="2">
+              <a:schemeClr val="accent1">
+                <a:shade val="50000"/>
+              </a:schemeClr>
+            </a:lnRef>
+            <a:fillRef idx="1">
+              <a:schemeClr val="accent1"/>
+            </a:fillRef>
+            <a:effectRef idx="0">
+              <a:schemeClr val="accent1"/>
+            </a:effectRef>
+            <a:fontRef idx="minor">
+              <a:schemeClr val="lt1"/>
+            </a:fontRef>
+          </p:style>
+          <p:txBody>
+            <a:bodyPr wrap="none" rtlCol="0" anchor="ctr"/>
+            <a:lstStyle/>
+            <a:p>
+              <a:pPr algn="ctr"/>
+              <a:r>
+                <a:rPr lang="en-US" sz="1200">
+                  <a:solidFill>
+                    <a:schemeClr val="tx1"/>
+                  </a:solidFill>
+                  <a:latin typeface="Times New Roman" panose="02020603050405020304" pitchFamily="18" charset="0"/>
+                </a:rPr>
+                <a:t>LR </a:t>
+              </a:r>
+              <a:r>
+                <a:rPr lang="en-US" sz="1200" b="1">
+                  <a:solidFill>
+                    <a:schemeClr val="tx1"/>
+                  </a:solidFill>
+                  <a:latin typeface="Courier New" panose="02070309020205020404" pitchFamily="49" charset="0"/>
+                </a:rPr>
+                <a:t>|</a:t>
+              </a:r>
+              <a:r>
+                <a:rPr lang="en-US" sz="1200">
+                  <a:solidFill>
+                    <a:schemeClr val="tx1"/>
+                  </a:solidFill>
+                  <a:latin typeface="Times New Roman" panose="02020603050405020304" pitchFamily="18" charset="0"/>
+                </a:rPr>
+                <a:t> XGBoost </a:t>
+              </a:r>
+              <a:r>
+                <a:rPr lang="en-US" sz="1200" b="1">
+                  <a:solidFill>
+                    <a:schemeClr val="tx1"/>
+                  </a:solidFill>
+                  <a:latin typeface="Courier New" panose="02070309020205020404" pitchFamily="49" charset="0"/>
+                </a:rPr>
+                <a:t>|</a:t>
+              </a:r>
+              <a:r>
+                <a:rPr lang="en-US" sz="1200">
+                  <a:solidFill>
+                    <a:schemeClr val="tx1"/>
+                  </a:solidFill>
+                  <a:latin typeface="Times New Roman" panose="02020603050405020304" pitchFamily="18" charset="0"/>
+                </a:rPr>
+                <a:t> LinearSVC</a:t>
+              </a:r>
+            </a:p>
+          </p:txBody>
+        </p:sp>
+        <p:cxnSp>
+          <p:nvCxnSpPr>
+            <p:cNvPr id="18" name="Straight Arrow Connector 17">
+              <a:extLst>
+                <a:ext uri="{FF2B5EF4-FFF2-40B4-BE49-F238E27FC236}">
+                  <a16:creationId xmlns:a16="http://schemas.microsoft.com/office/drawing/2014/main" id="{56685DAF-0C21-4A96-BE66-88AF9589DE3B}"/>
+                </a:ext>
+              </a:extLst>
+            </p:cNvPr>
+            <p:cNvCxnSpPr>
+              <a:cxnSpLocks/>
+              <a:stCxn id="34" idx="6"/>
+              <a:endCxn id="35" idx="3"/>
+            </p:cNvCxnSpPr>
+            <p:nvPr/>
+          </p:nvCxnSpPr>
+          <p:spPr>
+            <a:xfrm flipV="1">
+              <a:off x="2646482" y="2656420"/>
+              <a:ext cx="317699" cy="88876"/>
+            </a:xfrm>
+            <a:prstGeom prst="straightConnector1">
+              <a:avLst/>
+            </a:prstGeom>
+            <a:ln w="38100">
+              <a:solidFill>
+                <a:schemeClr val="tx1"/>
+              </a:solidFill>
+              <a:tailEnd type="triangle" w="med" len="med"/>
+            </a:ln>
+          </p:spPr>
+          <p:style>
+            <a:lnRef idx="1">
+              <a:schemeClr val="accent1"/>
+            </a:lnRef>
+            <a:fillRef idx="0">
+              <a:schemeClr val="accent1"/>
+            </a:fillRef>
+            <a:effectRef idx="0">
+              <a:schemeClr val="accent1"/>
+            </a:effectRef>
+            <a:fontRef idx="minor">
+              <a:schemeClr val="tx1"/>
+            </a:fontRef>
+          </p:style>
+        </p:cxnSp>
+        <p:sp>
+          <p:nvSpPr>
+            <p:cNvPr id="32" name="Oval 31">
+              <a:extLst>
+                <a:ext uri="{FF2B5EF4-FFF2-40B4-BE49-F238E27FC236}">
+                  <a16:creationId xmlns:a16="http://schemas.microsoft.com/office/drawing/2014/main" id="{43D58FDA-CB53-40D6-8E69-DBFC48A87F1B}"/>
+                </a:ext>
+              </a:extLst>
+            </p:cNvPr>
+            <p:cNvSpPr/>
+            <p:nvPr/>
+          </p:nvSpPr>
+          <p:spPr>
+            <a:xfrm>
+              <a:off x="994058" y="2521420"/>
+              <a:ext cx="720090" cy="447753"/>
+            </a:xfrm>
+            <a:prstGeom prst="ellipse">
+              <a:avLst/>
+            </a:prstGeom>
+            <a:solidFill>
+              <a:schemeClr val="bg1">
+                <a:lumMod val="85000"/>
+              </a:schemeClr>
+            </a:solidFill>
+            <a:ln w="25400">
+              <a:solidFill>
+                <a:schemeClr val="tx1"/>
+              </a:solidFill>
+            </a:ln>
+          </p:spPr>
+          <p:style>
+            <a:lnRef idx="2">
+              <a:schemeClr val="accent1">
+                <a:shade val="50000"/>
+              </a:schemeClr>
+            </a:lnRef>
+            <a:fillRef idx="1">
+              <a:schemeClr val="accent1"/>
+            </a:fillRef>
+            <a:effectRef idx="0">
+              <a:schemeClr val="accent1"/>
+            </a:effectRef>
+            <a:fontRef idx="minor">
+              <a:schemeClr val="lt1"/>
+            </a:fontRef>
+          </p:style>
+          <p:txBody>
+            <a:bodyPr wrap="none" rtlCol="0" anchor="ctr"/>
+            <a:lstStyle/>
+            <a:p>
+              <a:pPr algn="ctr"/>
+              <a:r>
+                <a:rPr lang="en-US" sz="1200">
+                  <a:solidFill>
+                    <a:schemeClr val="tx1"/>
+                  </a:solidFill>
+                  <a:latin typeface="Times New Roman" panose="02020603050405020304" pitchFamily="18" charset="0"/>
+                </a:rPr>
+                <a:t>Project</a:t>
+              </a:r>
+            </a:p>
+          </p:txBody>
+        </p:sp>
+        <p:sp>
+          <p:nvSpPr>
+            <p:cNvPr id="33" name="Oval 32">
+              <a:extLst>
+                <a:ext uri="{FF2B5EF4-FFF2-40B4-BE49-F238E27FC236}">
+                  <a16:creationId xmlns:a16="http://schemas.microsoft.com/office/drawing/2014/main" id="{13534882-700C-476A-86AB-162CECADBBE2}"/>
+                </a:ext>
+              </a:extLst>
+            </p:cNvPr>
+            <p:cNvSpPr/>
+            <p:nvPr/>
+          </p:nvSpPr>
+          <p:spPr>
+            <a:xfrm>
+              <a:off x="1926392" y="1946552"/>
+              <a:ext cx="720090" cy="447753"/>
+            </a:xfrm>
+            <a:prstGeom prst="ellipse">
+              <a:avLst/>
+            </a:prstGeom>
+            <a:solidFill>
+              <a:schemeClr val="bg1">
+                <a:lumMod val="65000"/>
+              </a:schemeClr>
+            </a:solidFill>
+            <a:ln w="25400">
+              <a:solidFill>
+                <a:schemeClr val="tx1"/>
+              </a:solidFill>
+            </a:ln>
+          </p:spPr>
+          <p:style>
+            <a:lnRef idx="2">
+              <a:schemeClr val="accent1">
+                <a:shade val="50000"/>
+              </a:schemeClr>
+            </a:lnRef>
+            <a:fillRef idx="1">
+              <a:schemeClr val="accent1"/>
+            </a:fillRef>
+            <a:effectRef idx="0">
+              <a:schemeClr val="accent1"/>
+            </a:effectRef>
+            <a:fontRef idx="minor">
+              <a:schemeClr val="lt1"/>
+            </a:fontRef>
+          </p:style>
+          <p:txBody>
+            <a:bodyPr wrap="none" rtlCol="0" anchor="ctr"/>
+            <a:lstStyle/>
+            <a:p>
+              <a:pPr algn="ctr"/>
+              <a:r>
+                <a:rPr lang="en-US" sz="1200">
+                  <a:solidFill>
+                    <a:schemeClr val="tx1"/>
+                  </a:solidFill>
+                  <a:latin typeface="Times New Roman" panose="02020603050405020304" pitchFamily="18" charset="0"/>
+                </a:rPr>
+                <a:t>Norm</a:t>
+              </a:r>
+            </a:p>
+          </p:txBody>
+        </p:sp>
+        <p:sp>
+          <p:nvSpPr>
+            <p:cNvPr id="34" name="Oval 33">
+              <a:extLst>
+                <a:ext uri="{FF2B5EF4-FFF2-40B4-BE49-F238E27FC236}">
+                  <a16:creationId xmlns:a16="http://schemas.microsoft.com/office/drawing/2014/main" id="{37E548E4-F8C1-4620-B9C0-B9634FEDF14D}"/>
+                </a:ext>
+              </a:extLst>
+            </p:cNvPr>
+            <p:cNvSpPr/>
+            <p:nvPr/>
+          </p:nvSpPr>
+          <p:spPr>
+            <a:xfrm>
+              <a:off x="1926392" y="2521419"/>
+              <a:ext cx="720090" cy="447753"/>
+            </a:xfrm>
+            <a:prstGeom prst="ellipse">
+              <a:avLst/>
+            </a:prstGeom>
+            <a:solidFill>
+              <a:schemeClr val="bg1">
+                <a:lumMod val="65000"/>
+              </a:schemeClr>
+            </a:solidFill>
+            <a:ln w="25400">
+              <a:solidFill>
+                <a:schemeClr val="tx1"/>
+              </a:solidFill>
+            </a:ln>
+          </p:spPr>
+          <p:style>
+            <a:lnRef idx="2">
+              <a:schemeClr val="accent1">
+                <a:shade val="50000"/>
+              </a:schemeClr>
+            </a:lnRef>
+            <a:fillRef idx="1">
+              <a:schemeClr val="accent1"/>
+            </a:fillRef>
+            <a:effectRef idx="0">
+              <a:schemeClr val="accent1"/>
+            </a:effectRef>
+            <a:fontRef idx="minor">
+              <a:schemeClr val="lt1"/>
+            </a:fontRef>
+          </p:style>
+          <p:txBody>
+            <a:bodyPr wrap="none" rtlCol="0" anchor="ctr"/>
+            <a:lstStyle/>
+            <a:p>
+              <a:pPr algn="ctr"/>
+              <a:r>
+                <a:rPr lang="en-US" sz="1200">
+                  <a:solidFill>
+                    <a:schemeClr val="tx1"/>
+                  </a:solidFill>
+                  <a:latin typeface="Times New Roman" panose="02020603050405020304" pitchFamily="18" charset="0"/>
+                </a:rPr>
+                <a:t>OneHot</a:t>
+              </a:r>
+            </a:p>
+          </p:txBody>
+        </p:sp>
+        <p:sp>
+          <p:nvSpPr>
+            <p:cNvPr id="35" name="Oval 34">
+              <a:extLst>
+                <a:ext uri="{FF2B5EF4-FFF2-40B4-BE49-F238E27FC236}">
+                  <a16:creationId xmlns:a16="http://schemas.microsoft.com/office/drawing/2014/main" id="{C5146A6E-333D-4FC6-92A3-6DFED0BEEF39}"/>
+                </a:ext>
+              </a:extLst>
+            </p:cNvPr>
+            <p:cNvSpPr/>
+            <p:nvPr/>
+          </p:nvSpPr>
+          <p:spPr>
+            <a:xfrm>
+              <a:off x="2858726" y="2274239"/>
+              <a:ext cx="720090" cy="447753"/>
+            </a:xfrm>
+            <a:prstGeom prst="ellipse">
+              <a:avLst/>
+            </a:prstGeom>
+            <a:solidFill>
+              <a:schemeClr val="bg1"/>
+            </a:solidFill>
+            <a:ln w="25400">
+              <a:solidFill>
+                <a:schemeClr val="tx1"/>
+              </a:solidFill>
+            </a:ln>
+          </p:spPr>
+          <p:style>
+            <a:lnRef idx="2">
+              <a:schemeClr val="accent1">
+                <a:shade val="50000"/>
+              </a:schemeClr>
+            </a:lnRef>
+            <a:fillRef idx="1">
+              <a:schemeClr val="accent1"/>
+            </a:fillRef>
+            <a:effectRef idx="0">
+              <a:schemeClr val="accent1"/>
+            </a:effectRef>
+            <a:fontRef idx="minor">
+              <a:schemeClr val="lt1"/>
+            </a:fontRef>
+          </p:style>
+          <p:txBody>
+            <a:bodyPr wrap="none" rtlCol="0" anchor="ctr"/>
+            <a:lstStyle/>
+            <a:p>
+              <a:pPr algn="ctr"/>
+              <a:r>
+                <a:rPr lang="en-US" sz="1200">
+                  <a:solidFill>
+                    <a:schemeClr val="tx1"/>
+                  </a:solidFill>
+                  <a:latin typeface="Times New Roman" panose="02020603050405020304" pitchFamily="18" charset="0"/>
+                </a:rPr>
+                <a:t>Concat</a:t>
+              </a:r>
+            </a:p>
+          </p:txBody>
+        </p:sp>
+        <p:cxnSp>
+          <p:nvCxnSpPr>
+            <p:cNvPr id="36" name="Straight Arrow Connector 35">
+              <a:extLst>
+                <a:ext uri="{FF2B5EF4-FFF2-40B4-BE49-F238E27FC236}">
+                  <a16:creationId xmlns:a16="http://schemas.microsoft.com/office/drawing/2014/main" id="{CC972475-A349-4D96-8F2A-993AEFAAF3A8}"/>
+                </a:ext>
+              </a:extLst>
+            </p:cNvPr>
+            <p:cNvCxnSpPr>
+              <a:cxnSpLocks/>
+              <a:stCxn id="33" idx="6"/>
+              <a:endCxn id="35" idx="1"/>
+            </p:cNvCxnSpPr>
+            <p:nvPr/>
+          </p:nvCxnSpPr>
+          <p:spPr>
+            <a:xfrm>
+              <a:off x="2646482" y="2170429"/>
+              <a:ext cx="317699" cy="169382"/>
+            </a:xfrm>
+            <a:prstGeom prst="straightConnector1">
+              <a:avLst/>
+            </a:prstGeom>
+            <a:ln w="38100">
+              <a:solidFill>
+                <a:schemeClr val="tx1"/>
+              </a:solidFill>
+              <a:tailEnd type="triangle" w="med" len="med"/>
+            </a:ln>
+          </p:spPr>
+          <p:style>
+            <a:lnRef idx="1">
+              <a:schemeClr val="accent1"/>
+            </a:lnRef>
+            <a:fillRef idx="0">
+              <a:schemeClr val="accent1"/>
+            </a:fillRef>
+            <a:effectRef idx="0">
+              <a:schemeClr val="accent1"/>
+            </a:effectRef>
+            <a:fontRef idx="minor">
+              <a:schemeClr val="tx1"/>
+            </a:fontRef>
+          </p:style>
+        </p:cxnSp>
+        <p:cxnSp>
+          <p:nvCxnSpPr>
+            <p:cNvPr id="37" name="Straight Arrow Connector 36">
+              <a:extLst>
+                <a:ext uri="{FF2B5EF4-FFF2-40B4-BE49-F238E27FC236}">
+                  <a16:creationId xmlns:a16="http://schemas.microsoft.com/office/drawing/2014/main" id="{2E1956C8-04AD-4509-A923-ABD8A44039CD}"/>
+                </a:ext>
+              </a:extLst>
+            </p:cNvPr>
+            <p:cNvCxnSpPr>
+              <a:cxnSpLocks/>
+              <a:stCxn id="35" idx="6"/>
+              <a:endCxn id="17" idx="2"/>
+            </p:cNvCxnSpPr>
+            <p:nvPr/>
+          </p:nvCxnSpPr>
+          <p:spPr>
+            <a:xfrm>
+              <a:off x="3578816" y="2498116"/>
+              <a:ext cx="212244" cy="0"/>
+            </a:xfrm>
+            <a:prstGeom prst="straightConnector1">
+              <a:avLst/>
+            </a:prstGeom>
+            <a:ln w="38100">
+              <a:solidFill>
+                <a:schemeClr val="tx1"/>
+              </a:solidFill>
+              <a:tailEnd type="triangle" w="med" len="med"/>
+            </a:ln>
+          </p:spPr>
+          <p:style>
+            <a:lnRef idx="1">
+              <a:schemeClr val="accent1"/>
+            </a:lnRef>
+            <a:fillRef idx="0">
+              <a:schemeClr val="accent1"/>
+            </a:fillRef>
+            <a:effectRef idx="0">
+              <a:schemeClr val="accent1"/>
+            </a:effectRef>
+            <a:fontRef idx="minor">
+              <a:schemeClr val="tx1"/>
+            </a:fontRef>
+          </p:style>
+        </p:cxnSp>
+        <p:cxnSp>
+          <p:nvCxnSpPr>
+            <p:cNvPr id="38" name="Straight Arrow Connector 37">
+              <a:extLst>
+                <a:ext uri="{FF2B5EF4-FFF2-40B4-BE49-F238E27FC236}">
+                  <a16:creationId xmlns:a16="http://schemas.microsoft.com/office/drawing/2014/main" id="{2F0BC6DB-E61C-48A5-85E2-119FB5BFE11C}"/>
+                </a:ext>
+              </a:extLst>
+            </p:cNvPr>
+            <p:cNvCxnSpPr>
+              <a:cxnSpLocks/>
+              <a:stCxn id="16" idx="6"/>
+              <a:endCxn id="33" idx="2"/>
+            </p:cNvCxnSpPr>
+            <p:nvPr/>
+          </p:nvCxnSpPr>
+          <p:spPr>
+            <a:xfrm>
+              <a:off x="1714148" y="2170429"/>
+              <a:ext cx="212244" cy="0"/>
+            </a:xfrm>
+            <a:prstGeom prst="straightConnector1">
+              <a:avLst/>
+            </a:prstGeom>
+            <a:ln w="38100">
+              <a:solidFill>
+                <a:schemeClr val="tx1"/>
+              </a:solidFill>
+              <a:tailEnd type="triangle" w="med" len="med"/>
+            </a:ln>
+          </p:spPr>
+          <p:style>
+            <a:lnRef idx="1">
+              <a:schemeClr val="accent1"/>
+            </a:lnRef>
+            <a:fillRef idx="0">
+              <a:schemeClr val="accent1"/>
+            </a:fillRef>
+            <a:effectRef idx="0">
+              <a:schemeClr val="accent1"/>
+            </a:effectRef>
+            <a:fontRef idx="minor">
+              <a:schemeClr val="tx1"/>
+            </a:fontRef>
+          </p:style>
+        </p:cxnSp>
+        <p:cxnSp>
+          <p:nvCxnSpPr>
+            <p:cNvPr id="39" name="Straight Arrow Connector 38">
+              <a:extLst>
+                <a:ext uri="{FF2B5EF4-FFF2-40B4-BE49-F238E27FC236}">
+                  <a16:creationId xmlns:a16="http://schemas.microsoft.com/office/drawing/2014/main" id="{9191521A-F421-4E02-A0B3-7AFD18564612}"/>
+                </a:ext>
+              </a:extLst>
+            </p:cNvPr>
+            <p:cNvCxnSpPr>
+              <a:cxnSpLocks/>
+              <a:stCxn id="32" idx="6"/>
+              <a:endCxn id="34" idx="2"/>
+            </p:cNvCxnSpPr>
+            <p:nvPr/>
+          </p:nvCxnSpPr>
+          <p:spPr>
+            <a:xfrm flipV="1">
+              <a:off x="1714148" y="2745296"/>
+              <a:ext cx="212244" cy="1"/>
+            </a:xfrm>
+            <a:prstGeom prst="straightConnector1">
+              <a:avLst/>
+            </a:prstGeom>
+            <a:ln w="38100">
+              <a:solidFill>
+                <a:schemeClr val="tx1"/>
+              </a:solidFill>
+              <a:tailEnd type="triangle" w="med" len="med"/>
+            </a:ln>
+          </p:spPr>
+          <p:style>
+            <a:lnRef idx="1">
+              <a:schemeClr val="accent1"/>
+            </a:lnRef>
+            <a:fillRef idx="0">
+              <a:schemeClr val="accent1"/>
+            </a:fillRef>
+            <a:effectRef idx="0">
+              <a:schemeClr val="accent1"/>
+            </a:effectRef>
+            <a:fontRef idx="minor">
+              <a:schemeClr val="tx1"/>
+            </a:fontRef>
+          </p:style>
+        </p:cxnSp>
+      </p:grpSp>
+      <p:sp>
+        <p:nvSpPr>
+          <p:cNvPr id="40" name="Rectangle: Rounded Corners 39">
+            <a:extLst>
+              <a:ext uri="{FF2B5EF4-FFF2-40B4-BE49-F238E27FC236}">
+                <a16:creationId xmlns:a16="http://schemas.microsoft.com/office/drawing/2014/main" id="{959C6B8E-162E-4214-B899-F1304C482C48}"/>
+              </a:ext>
+            </a:extLst>
+          </p:cNvPr>
+          <p:cNvSpPr/>
+          <p:nvPr/>
+        </p:nvSpPr>
+        <p:spPr>
+          <a:xfrm>
+            <a:off x="2737151" y="1738277"/>
+            <a:ext cx="4530715" cy="1325563"/>
+          </a:xfrm>
+          <a:prstGeom prst="roundRect">
+            <a:avLst/>
+          </a:prstGeom>
+          <a:noFill/>
+          <a:ln w="25400">
+            <a:solidFill>
+              <a:schemeClr val="tx1"/>
+            </a:solidFill>
+          </a:ln>
+        </p:spPr>
+        <p:style>
+          <a:lnRef idx="2">
+            <a:schemeClr val="accent1">
+              <a:shade val="50000"/>
+            </a:schemeClr>
+          </a:lnRef>
+          <a:fillRef idx="1">
+            <a:schemeClr val="accent1"/>
+          </a:fillRef>
+          <a:effectRef idx="0">
+            <a:schemeClr val="accent1"/>
+          </a:effectRef>
+          <a:fontRef idx="minor">
+            <a:schemeClr val="lt1"/>
+          </a:fontRef>
+        </p:style>
+        <p:txBody>
+          <a:bodyPr rtlCol="0" anchor="t" anchorCtr="0"/>
+          <a:lstStyle/>
+          <a:p>
+            <a:pPr algn="ctr"/>
+            <a:r>
+              <a:rPr lang="en-US">
+                <a:solidFill>
+                  <a:schemeClr val="tx1"/>
+                </a:solidFill>
+                <a:latin typeface="Arial" panose="020B0604020202020204" pitchFamily="34" charset="0"/>
+              </a:rPr>
+              <a:t>Planned Pipeline</a:t>
+            </a:r>
+          </a:p>
+        </p:txBody>
+      </p:sp>
+      <p:sp>
+        <p:nvSpPr>
+          <p:cNvPr id="29" name="Rectangle: Rounded Corners 28">
+            <a:extLst>
+              <a:ext uri="{FF2B5EF4-FFF2-40B4-BE49-F238E27FC236}">
+                <a16:creationId xmlns:a16="http://schemas.microsoft.com/office/drawing/2014/main" id="{204F7F3A-9109-43A3-8873-966A98696CB5}"/>
+              </a:ext>
+            </a:extLst>
+          </p:cNvPr>
+          <p:cNvSpPr/>
+          <p:nvPr/>
+        </p:nvSpPr>
+        <p:spPr>
+          <a:xfrm>
+            <a:off x="8486062" y="1738277"/>
+            <a:ext cx="2867738" cy="1325562"/>
+          </a:xfrm>
+          <a:prstGeom prst="roundRect">
+            <a:avLst/>
+          </a:prstGeom>
+          <a:noFill/>
+          <a:ln w="25400">
+            <a:solidFill>
+              <a:schemeClr val="tx1"/>
+            </a:solidFill>
+          </a:ln>
+        </p:spPr>
+        <p:style>
+          <a:lnRef idx="2">
+            <a:schemeClr val="accent1">
+              <a:shade val="50000"/>
+            </a:schemeClr>
+          </a:lnRef>
+          <a:fillRef idx="1">
+            <a:schemeClr val="accent1"/>
+          </a:fillRef>
+          <a:effectRef idx="0">
+            <a:schemeClr val="accent1"/>
+          </a:effectRef>
+          <a:fontRef idx="minor">
+            <a:schemeClr val="lt1"/>
+          </a:fontRef>
+        </p:style>
+        <p:txBody>
+          <a:bodyPr rtlCol="0" anchor="t" anchorCtr="0"/>
+          <a:lstStyle/>
+          <a:p>
+            <a:pPr algn="ctr"/>
+            <a:r>
+              <a:rPr lang="en-US">
+                <a:solidFill>
+                  <a:schemeClr val="tx1"/>
+                </a:solidFill>
+                <a:latin typeface="Arial" panose="020B0604020202020204" pitchFamily="34" charset="0"/>
+              </a:rPr>
+              <a:t>Search Space</a:t>
+            </a:r>
+          </a:p>
+          <a:p>
+            <a:pPr algn="ctr"/>
+            <a:r>
+              <a:rPr lang="en-US" sz="1400" cap="small">
+                <a:solidFill>
+                  <a:schemeClr val="tx1"/>
+                </a:solidFill>
+                <a:latin typeface="Arial" panose="020B0604020202020204" pitchFamily="34" charset="0"/>
+              </a:rPr>
+              <a:t>Lale</a:t>
+            </a:r>
+            <a:r>
+              <a:rPr lang="en-US" sz="1400">
+                <a:solidFill>
+                  <a:schemeClr val="tx1"/>
+                </a:solidFill>
+                <a:latin typeface="Arial" panose="020B0604020202020204" pitchFamily="34" charset="0"/>
+              </a:rPr>
+              <a:t> can generate search spaces for various Auto-ML tools including </a:t>
+            </a:r>
+            <a:r>
+              <a:rPr lang="en-US" sz="1400">
+                <a:solidFill>
+                  <a:schemeClr val="tx1"/>
+                </a:solidFill>
+                <a:highlight>
+                  <a:srgbClr val="FFFF00"/>
+                </a:highlight>
+                <a:latin typeface="Arial" panose="020B0604020202020204" pitchFamily="34" charset="0"/>
+              </a:rPr>
+              <a:t>hyperopt</a:t>
+            </a:r>
+            <a:r>
+              <a:rPr lang="en-US" sz="1400">
+                <a:solidFill>
+                  <a:schemeClr val="tx1"/>
+                </a:solidFill>
+                <a:latin typeface="Arial" panose="020B0604020202020204" pitchFamily="34" charset="0"/>
+              </a:rPr>
+              <a:t>, </a:t>
+            </a:r>
+            <a:r>
+              <a:rPr lang="en-US" sz="1400">
+                <a:solidFill>
+                  <a:schemeClr val="tx1"/>
+                </a:solidFill>
+                <a:highlight>
+                  <a:srgbClr val="FFFF00"/>
+                </a:highlight>
+                <a:latin typeface="Arial" panose="020B0604020202020204" pitchFamily="34" charset="0"/>
+              </a:rPr>
+              <a:t>GridSearchCV</a:t>
+            </a:r>
+            <a:r>
+              <a:rPr lang="en-US" sz="1400">
+                <a:solidFill>
+                  <a:schemeClr val="tx1"/>
+                </a:solidFill>
+                <a:latin typeface="Arial" panose="020B0604020202020204" pitchFamily="34" charset="0"/>
+              </a:rPr>
+              <a:t>, and </a:t>
+            </a:r>
+            <a:r>
+              <a:rPr lang="en-US" sz="1400">
+                <a:solidFill>
+                  <a:schemeClr val="tx1"/>
+                </a:solidFill>
+                <a:highlight>
+                  <a:srgbClr val="FFFF00"/>
+                </a:highlight>
+                <a:latin typeface="Arial" panose="020B0604020202020204" pitchFamily="34" charset="0"/>
+              </a:rPr>
+              <a:t>SMAC</a:t>
+            </a:r>
+          </a:p>
+        </p:txBody>
+      </p:sp>
+      <p:cxnSp>
+        <p:nvCxnSpPr>
+          <p:cNvPr id="30" name="Straight Arrow Connector 29">
+            <a:extLst>
+              <a:ext uri="{FF2B5EF4-FFF2-40B4-BE49-F238E27FC236}">
+                <a16:creationId xmlns:a16="http://schemas.microsoft.com/office/drawing/2014/main" id="{6C54691D-2252-4EA5-8A28-B52052BCE772}"/>
+              </a:ext>
+            </a:extLst>
+          </p:cNvPr>
+          <p:cNvCxnSpPr>
+            <a:cxnSpLocks/>
+            <a:stCxn id="40" idx="3"/>
+            <a:endCxn id="29" idx="1"/>
+          </p:cNvCxnSpPr>
+          <p:nvPr/>
+        </p:nvCxnSpPr>
+        <p:spPr>
+          <a:xfrm flipV="1">
+            <a:off x="7267866" y="2401058"/>
+            <a:ext cx="1218196" cy="1"/>
+          </a:xfrm>
+          <a:prstGeom prst="straightConnector1">
+            <a:avLst/>
+          </a:prstGeom>
+          <a:ln w="25400">
+            <a:solidFill>
+              <a:schemeClr val="tx1"/>
+            </a:solidFill>
+            <a:tailEnd type="stealth" w="med" len="lg"/>
+          </a:ln>
+        </p:spPr>
+        <p:style>
+          <a:lnRef idx="1">
+            <a:schemeClr val="accent1"/>
+          </a:lnRef>
+          <a:fillRef idx="0">
+            <a:schemeClr val="accent1"/>
+          </a:fillRef>
+          <a:effectRef idx="0">
+            <a:schemeClr val="accent1"/>
+          </a:effectRef>
+          <a:fontRef idx="minor">
+            <a:schemeClr val="tx1"/>
+          </a:fontRef>
+        </p:style>
+      </p:cxnSp>
+      <p:sp>
+        <p:nvSpPr>
+          <p:cNvPr id="52" name="Rectangle: Rounded Corners 51">
+            <a:extLst>
+              <a:ext uri="{FF2B5EF4-FFF2-40B4-BE49-F238E27FC236}">
+                <a16:creationId xmlns:a16="http://schemas.microsoft.com/office/drawing/2014/main" id="{16543F7D-BE27-407B-8E16-53EBC0088673}"/>
+              </a:ext>
+            </a:extLst>
+          </p:cNvPr>
+          <p:cNvSpPr/>
+          <p:nvPr/>
+        </p:nvSpPr>
+        <p:spPr>
+          <a:xfrm>
+            <a:off x="8486062" y="4618073"/>
+            <a:ext cx="2867738" cy="1325562"/>
+          </a:xfrm>
+          <a:prstGeom prst="roundRect">
+            <a:avLst/>
+          </a:prstGeom>
+          <a:noFill/>
+          <a:ln w="25400">
+            <a:solidFill>
+              <a:schemeClr val="tx1"/>
+            </a:solidFill>
+          </a:ln>
+        </p:spPr>
+        <p:style>
+          <a:lnRef idx="2">
+            <a:schemeClr val="accent1">
+              <a:shade val="50000"/>
+            </a:schemeClr>
+          </a:lnRef>
+          <a:fillRef idx="1">
+            <a:schemeClr val="accent1"/>
+          </a:fillRef>
+          <a:effectRef idx="0">
+            <a:schemeClr val="accent1"/>
+          </a:effectRef>
+          <a:fontRef idx="minor">
+            <a:schemeClr val="lt1"/>
+          </a:fontRef>
+        </p:style>
+        <p:txBody>
+          <a:bodyPr rtlCol="0" anchor="t" anchorCtr="0"/>
+          <a:lstStyle/>
+          <a:p>
+            <a:pPr algn="ctr"/>
+            <a:r>
+              <a:rPr lang="en-US">
+                <a:solidFill>
+                  <a:schemeClr val="tx1"/>
+                </a:solidFill>
+                <a:latin typeface="Arial" panose="020B0604020202020204" pitchFamily="34" charset="0"/>
+              </a:rPr>
+              <a:t>Search Point</a:t>
+            </a:r>
+          </a:p>
+          <a:p>
+            <a:pPr algn="ctr"/>
+            <a:r>
+              <a:rPr lang="en-US" sz="1400">
+                <a:solidFill>
+                  <a:schemeClr val="tx1"/>
+                </a:solidFill>
+                <a:latin typeface="Arial" panose="020B0604020202020204" pitchFamily="34" charset="0"/>
+              </a:rPr>
+              <a:t>Sample from search space, encoded by given Auto-ML tool</a:t>
+            </a:r>
+          </a:p>
+        </p:txBody>
+      </p:sp>
+      <p:grpSp>
+        <p:nvGrpSpPr>
+          <p:cNvPr id="56" name="Group 55">
+            <a:extLst>
+              <a:ext uri="{FF2B5EF4-FFF2-40B4-BE49-F238E27FC236}">
+                <a16:creationId xmlns:a16="http://schemas.microsoft.com/office/drawing/2014/main" id="{9EE93382-3C38-4418-AD2D-FC1A519A25D7}"/>
+              </a:ext>
+            </a:extLst>
+          </p:cNvPr>
+          <p:cNvGrpSpPr>
+            <a:grpSpLocks noChangeAspect="1"/>
+          </p:cNvGrpSpPr>
+          <p:nvPr/>
+        </p:nvGrpSpPr>
+        <p:grpSpPr>
+          <a:xfrm>
+            <a:off x="3384391" y="5054205"/>
+            <a:ext cx="3256081" cy="818097"/>
+            <a:chOff x="994058" y="1946552"/>
+            <a:chExt cx="4070102" cy="1022621"/>
+          </a:xfrm>
+        </p:grpSpPr>
+        <p:sp>
+          <p:nvSpPr>
+            <p:cNvPr id="57" name="Oval 56">
+              <a:extLst>
+                <a:ext uri="{FF2B5EF4-FFF2-40B4-BE49-F238E27FC236}">
+                  <a16:creationId xmlns:a16="http://schemas.microsoft.com/office/drawing/2014/main" id="{12B90382-0AE5-4C8B-A478-C53E4562E0BC}"/>
+                </a:ext>
+              </a:extLst>
+            </p:cNvPr>
+            <p:cNvSpPr/>
+            <p:nvPr/>
+          </p:nvSpPr>
+          <p:spPr>
+            <a:xfrm>
+              <a:off x="994058" y="1946552"/>
+              <a:ext cx="720090" cy="447753"/>
+            </a:xfrm>
+            <a:prstGeom prst="ellipse">
+              <a:avLst/>
+            </a:prstGeom>
+            <a:solidFill>
+              <a:schemeClr val="bg1">
+                <a:lumMod val="85000"/>
+              </a:schemeClr>
+            </a:solidFill>
+            <a:ln w="25400">
+              <a:solidFill>
+                <a:schemeClr val="tx1"/>
+              </a:solidFill>
+            </a:ln>
+          </p:spPr>
+          <p:style>
+            <a:lnRef idx="2">
+              <a:schemeClr val="accent1">
+                <a:shade val="50000"/>
+              </a:schemeClr>
+            </a:lnRef>
+            <a:fillRef idx="1">
+              <a:schemeClr val="accent1"/>
+            </a:fillRef>
+            <a:effectRef idx="0">
+              <a:schemeClr val="accent1"/>
+            </a:effectRef>
+            <a:fontRef idx="minor">
+              <a:schemeClr val="lt1"/>
+            </a:fontRef>
+          </p:style>
+          <p:txBody>
+            <a:bodyPr wrap="none" rtlCol="0" anchor="ctr"/>
+            <a:lstStyle/>
+            <a:p>
+              <a:pPr algn="ctr"/>
+              <a:r>
+                <a:rPr lang="en-US" sz="1200">
+                  <a:solidFill>
+                    <a:schemeClr val="tx1"/>
+                  </a:solidFill>
+                  <a:latin typeface="Times New Roman" panose="02020603050405020304" pitchFamily="18" charset="0"/>
+                </a:rPr>
+                <a:t>Project</a:t>
+              </a:r>
+            </a:p>
+          </p:txBody>
+        </p:sp>
+        <p:sp>
+          <p:nvSpPr>
+            <p:cNvPr id="58" name="Oval 57">
+              <a:extLst>
+                <a:ext uri="{FF2B5EF4-FFF2-40B4-BE49-F238E27FC236}">
+                  <a16:creationId xmlns:a16="http://schemas.microsoft.com/office/drawing/2014/main" id="{0C06C622-2CA3-4A9C-978B-C14680C5301C}"/>
+                </a:ext>
+              </a:extLst>
+            </p:cNvPr>
+            <p:cNvSpPr/>
+            <p:nvPr/>
+          </p:nvSpPr>
+          <p:spPr>
+            <a:xfrm>
+              <a:off x="3791059" y="2274239"/>
+              <a:ext cx="1273101" cy="447752"/>
+            </a:xfrm>
+            <a:prstGeom prst="ellipse">
+              <a:avLst/>
+            </a:prstGeom>
+            <a:solidFill>
+              <a:schemeClr val="bg1">
+                <a:lumMod val="85000"/>
+              </a:schemeClr>
+            </a:solidFill>
+            <a:ln w="25400">
+              <a:solidFill>
+                <a:schemeClr val="tx1"/>
+              </a:solidFill>
+            </a:ln>
+          </p:spPr>
+          <p:style>
+            <a:lnRef idx="2">
+              <a:schemeClr val="accent1">
+                <a:shade val="50000"/>
+              </a:schemeClr>
+            </a:lnRef>
+            <a:fillRef idx="1">
+              <a:schemeClr val="accent1"/>
+            </a:fillRef>
+            <a:effectRef idx="0">
+              <a:schemeClr val="accent1"/>
+            </a:effectRef>
+            <a:fontRef idx="minor">
+              <a:schemeClr val="lt1"/>
+            </a:fontRef>
+          </p:style>
+          <p:txBody>
+            <a:bodyPr wrap="none" rtlCol="0" anchor="ctr"/>
+            <a:lstStyle/>
+            <a:p>
+              <a:pPr algn="ctr"/>
+              <a:r>
+                <a:rPr lang="en-US" sz="1200">
+                  <a:solidFill>
+                    <a:schemeClr val="tx1"/>
+                  </a:solidFill>
+                  <a:latin typeface="Times New Roman" panose="02020603050405020304" pitchFamily="18" charset="0"/>
+                </a:rPr>
+                <a:t>XGBoost</a:t>
+              </a:r>
+            </a:p>
+          </p:txBody>
+        </p:sp>
+        <p:cxnSp>
+          <p:nvCxnSpPr>
+            <p:cNvPr id="59" name="Straight Arrow Connector 58">
+              <a:extLst>
+                <a:ext uri="{FF2B5EF4-FFF2-40B4-BE49-F238E27FC236}">
+                  <a16:creationId xmlns:a16="http://schemas.microsoft.com/office/drawing/2014/main" id="{8E0CAB1A-3B09-4C2D-9040-850709CA5E4B}"/>
+                </a:ext>
+              </a:extLst>
+            </p:cNvPr>
+            <p:cNvCxnSpPr>
+              <a:cxnSpLocks/>
+              <a:stCxn id="62" idx="6"/>
+              <a:endCxn id="63" idx="3"/>
+            </p:cNvCxnSpPr>
+            <p:nvPr/>
+          </p:nvCxnSpPr>
+          <p:spPr>
+            <a:xfrm flipV="1">
+              <a:off x="2646482" y="2656420"/>
+              <a:ext cx="317699" cy="88876"/>
+            </a:xfrm>
+            <a:prstGeom prst="straightConnector1">
+              <a:avLst/>
+            </a:prstGeom>
+            <a:ln w="38100">
+              <a:solidFill>
+                <a:schemeClr val="tx1"/>
+              </a:solidFill>
+              <a:tailEnd type="triangle" w="med" len="med"/>
+            </a:ln>
+          </p:spPr>
+          <p:style>
+            <a:lnRef idx="1">
+              <a:schemeClr val="accent1"/>
+            </a:lnRef>
+            <a:fillRef idx="0">
+              <a:schemeClr val="accent1"/>
+            </a:fillRef>
+            <a:effectRef idx="0">
+              <a:schemeClr val="accent1"/>
+            </a:effectRef>
+            <a:fontRef idx="minor">
+              <a:schemeClr val="tx1"/>
+            </a:fontRef>
+          </p:style>
+        </p:cxnSp>
+        <p:sp>
+          <p:nvSpPr>
+            <p:cNvPr id="60" name="Oval 59">
+              <a:extLst>
+                <a:ext uri="{FF2B5EF4-FFF2-40B4-BE49-F238E27FC236}">
+                  <a16:creationId xmlns:a16="http://schemas.microsoft.com/office/drawing/2014/main" id="{FE85CB87-F275-4A03-B0DA-FAD1F91B7572}"/>
+                </a:ext>
+              </a:extLst>
+            </p:cNvPr>
+            <p:cNvSpPr/>
+            <p:nvPr/>
+          </p:nvSpPr>
+          <p:spPr>
+            <a:xfrm>
+              <a:off x="994058" y="2521420"/>
+              <a:ext cx="720090" cy="447753"/>
+            </a:xfrm>
+            <a:prstGeom prst="ellipse">
+              <a:avLst/>
+            </a:prstGeom>
+            <a:solidFill>
+              <a:schemeClr val="bg1">
+                <a:lumMod val="85000"/>
+              </a:schemeClr>
+            </a:solidFill>
+            <a:ln w="25400">
+              <a:solidFill>
+                <a:schemeClr val="tx1"/>
+              </a:solidFill>
+            </a:ln>
+          </p:spPr>
+          <p:style>
+            <a:lnRef idx="2">
+              <a:schemeClr val="accent1">
+                <a:shade val="50000"/>
+              </a:schemeClr>
+            </a:lnRef>
+            <a:fillRef idx="1">
+              <a:schemeClr val="accent1"/>
+            </a:fillRef>
+            <a:effectRef idx="0">
+              <a:schemeClr val="accent1"/>
+            </a:effectRef>
+            <a:fontRef idx="minor">
+              <a:schemeClr val="lt1"/>
+            </a:fontRef>
+          </p:style>
+          <p:txBody>
+            <a:bodyPr wrap="none" rtlCol="0" anchor="ctr"/>
+            <a:lstStyle/>
+            <a:p>
+              <a:pPr algn="ctr"/>
+              <a:r>
+                <a:rPr lang="en-US" sz="1200">
+                  <a:solidFill>
+                    <a:schemeClr val="tx1"/>
+                  </a:solidFill>
+                  <a:latin typeface="Times New Roman" panose="02020603050405020304" pitchFamily="18" charset="0"/>
+                </a:rPr>
+                <a:t>Project</a:t>
+              </a:r>
+            </a:p>
+          </p:txBody>
+        </p:sp>
+        <p:sp>
+          <p:nvSpPr>
+            <p:cNvPr id="61" name="Oval 60">
+              <a:extLst>
+                <a:ext uri="{FF2B5EF4-FFF2-40B4-BE49-F238E27FC236}">
+                  <a16:creationId xmlns:a16="http://schemas.microsoft.com/office/drawing/2014/main" id="{A33ABD46-28A6-4A7A-A049-31F289787A5E}"/>
+                </a:ext>
+              </a:extLst>
+            </p:cNvPr>
+            <p:cNvSpPr/>
+            <p:nvPr/>
+          </p:nvSpPr>
+          <p:spPr>
+            <a:xfrm>
+              <a:off x="1926392" y="1946552"/>
+              <a:ext cx="720090" cy="447753"/>
+            </a:xfrm>
+            <a:prstGeom prst="ellipse">
+              <a:avLst/>
+            </a:prstGeom>
+            <a:solidFill>
+              <a:schemeClr val="bg1">
+                <a:lumMod val="85000"/>
+              </a:schemeClr>
+            </a:solidFill>
+            <a:ln w="25400">
+              <a:solidFill>
+                <a:schemeClr val="tx1"/>
+              </a:solidFill>
+            </a:ln>
+          </p:spPr>
+          <p:style>
+            <a:lnRef idx="2">
+              <a:schemeClr val="accent1">
+                <a:shade val="50000"/>
+              </a:schemeClr>
+            </a:lnRef>
+            <a:fillRef idx="1">
+              <a:schemeClr val="accent1"/>
+            </a:fillRef>
+            <a:effectRef idx="0">
+              <a:schemeClr val="accent1"/>
+            </a:effectRef>
+            <a:fontRef idx="minor">
+              <a:schemeClr val="lt1"/>
+            </a:fontRef>
+          </p:style>
+          <p:txBody>
+            <a:bodyPr wrap="none" rtlCol="0" anchor="ctr"/>
+            <a:lstStyle/>
+            <a:p>
+              <a:pPr algn="ctr"/>
+              <a:r>
+                <a:rPr lang="en-US" sz="1200">
+                  <a:solidFill>
+                    <a:schemeClr val="tx1"/>
+                  </a:solidFill>
+                  <a:latin typeface="Times New Roman" panose="02020603050405020304" pitchFamily="18" charset="0"/>
+                </a:rPr>
+                <a:t>Norm</a:t>
+              </a:r>
+            </a:p>
+          </p:txBody>
+        </p:sp>
+        <p:sp>
+          <p:nvSpPr>
+            <p:cNvPr id="62" name="Oval 61">
+              <a:extLst>
+                <a:ext uri="{FF2B5EF4-FFF2-40B4-BE49-F238E27FC236}">
+                  <a16:creationId xmlns:a16="http://schemas.microsoft.com/office/drawing/2014/main" id="{1709F9EF-3838-410A-B369-C4E8239F57E2}"/>
+                </a:ext>
+              </a:extLst>
+            </p:cNvPr>
+            <p:cNvSpPr/>
+            <p:nvPr/>
+          </p:nvSpPr>
+          <p:spPr>
+            <a:xfrm>
+              <a:off x="1926392" y="2521419"/>
+              <a:ext cx="720090" cy="447753"/>
+            </a:xfrm>
+            <a:prstGeom prst="ellipse">
+              <a:avLst/>
+            </a:prstGeom>
+            <a:solidFill>
+              <a:schemeClr val="bg1">
+                <a:lumMod val="85000"/>
+              </a:schemeClr>
+            </a:solidFill>
+            <a:ln w="25400">
+              <a:solidFill>
+                <a:schemeClr val="tx1"/>
+              </a:solidFill>
+            </a:ln>
+          </p:spPr>
+          <p:style>
+            <a:lnRef idx="2">
+              <a:schemeClr val="accent1">
+                <a:shade val="50000"/>
+              </a:schemeClr>
+            </a:lnRef>
+            <a:fillRef idx="1">
+              <a:schemeClr val="accent1"/>
+            </a:fillRef>
+            <a:effectRef idx="0">
+              <a:schemeClr val="accent1"/>
+            </a:effectRef>
+            <a:fontRef idx="minor">
+              <a:schemeClr val="lt1"/>
+            </a:fontRef>
+          </p:style>
+          <p:txBody>
+            <a:bodyPr wrap="none" rtlCol="0" anchor="ctr"/>
+            <a:lstStyle/>
+            <a:p>
+              <a:pPr algn="ctr"/>
+              <a:r>
+                <a:rPr lang="en-US" sz="1200">
+                  <a:solidFill>
+                    <a:schemeClr val="tx1"/>
+                  </a:solidFill>
+                  <a:latin typeface="Times New Roman" panose="02020603050405020304" pitchFamily="18" charset="0"/>
+                </a:rPr>
+                <a:t>OneHot</a:t>
+              </a:r>
+            </a:p>
+          </p:txBody>
+        </p:sp>
+        <p:sp>
+          <p:nvSpPr>
+            <p:cNvPr id="63" name="Oval 62">
+              <a:extLst>
+                <a:ext uri="{FF2B5EF4-FFF2-40B4-BE49-F238E27FC236}">
+                  <a16:creationId xmlns:a16="http://schemas.microsoft.com/office/drawing/2014/main" id="{558DBB24-F2AC-4951-A7A9-9C84326B5E97}"/>
+                </a:ext>
+              </a:extLst>
+            </p:cNvPr>
+            <p:cNvSpPr/>
+            <p:nvPr/>
+          </p:nvSpPr>
+          <p:spPr>
+            <a:xfrm>
+              <a:off x="2858726" y="2274239"/>
+              <a:ext cx="720090" cy="447753"/>
+            </a:xfrm>
+            <a:prstGeom prst="ellipse">
+              <a:avLst/>
+            </a:prstGeom>
+            <a:solidFill>
+              <a:schemeClr val="bg1"/>
+            </a:solidFill>
+            <a:ln w="25400">
+              <a:solidFill>
+                <a:schemeClr val="tx1"/>
+              </a:solidFill>
+            </a:ln>
+          </p:spPr>
+          <p:style>
+            <a:lnRef idx="2">
+              <a:schemeClr val="accent1">
+                <a:shade val="50000"/>
+              </a:schemeClr>
+            </a:lnRef>
+            <a:fillRef idx="1">
+              <a:schemeClr val="accent1"/>
+            </a:fillRef>
+            <a:effectRef idx="0">
+              <a:schemeClr val="accent1"/>
+            </a:effectRef>
+            <a:fontRef idx="minor">
+              <a:schemeClr val="lt1"/>
+            </a:fontRef>
+          </p:style>
+          <p:txBody>
+            <a:bodyPr wrap="none" rtlCol="0" anchor="ctr"/>
+            <a:lstStyle/>
+            <a:p>
+              <a:pPr algn="ctr"/>
+              <a:r>
+                <a:rPr lang="en-US" sz="1200">
+                  <a:solidFill>
+                    <a:schemeClr val="tx1"/>
+                  </a:solidFill>
+                  <a:latin typeface="Times New Roman" panose="02020603050405020304" pitchFamily="18" charset="0"/>
+                </a:rPr>
+                <a:t>Concat</a:t>
+              </a:r>
+            </a:p>
+          </p:txBody>
+        </p:sp>
+        <p:cxnSp>
+          <p:nvCxnSpPr>
+            <p:cNvPr id="64" name="Straight Arrow Connector 63">
+              <a:extLst>
+                <a:ext uri="{FF2B5EF4-FFF2-40B4-BE49-F238E27FC236}">
+                  <a16:creationId xmlns:a16="http://schemas.microsoft.com/office/drawing/2014/main" id="{1C3D2EDC-EAEF-415E-8457-2C0AD696C1D4}"/>
+                </a:ext>
+              </a:extLst>
+            </p:cNvPr>
+            <p:cNvCxnSpPr>
+              <a:cxnSpLocks/>
+              <a:stCxn id="61" idx="6"/>
+              <a:endCxn id="63" idx="1"/>
+            </p:cNvCxnSpPr>
+            <p:nvPr/>
+          </p:nvCxnSpPr>
+          <p:spPr>
+            <a:xfrm>
+              <a:off x="2646482" y="2170429"/>
+              <a:ext cx="317699" cy="169382"/>
+            </a:xfrm>
+            <a:prstGeom prst="straightConnector1">
+              <a:avLst/>
+            </a:prstGeom>
+            <a:ln w="38100">
+              <a:solidFill>
+                <a:schemeClr val="tx1"/>
+              </a:solidFill>
+              <a:tailEnd type="triangle" w="med" len="med"/>
+            </a:ln>
+          </p:spPr>
+          <p:style>
+            <a:lnRef idx="1">
+              <a:schemeClr val="accent1"/>
+            </a:lnRef>
+            <a:fillRef idx="0">
+              <a:schemeClr val="accent1"/>
+            </a:fillRef>
+            <a:effectRef idx="0">
+              <a:schemeClr val="accent1"/>
+            </a:effectRef>
+            <a:fontRef idx="minor">
+              <a:schemeClr val="tx1"/>
+            </a:fontRef>
+          </p:style>
+        </p:cxnSp>
+        <p:cxnSp>
+          <p:nvCxnSpPr>
+            <p:cNvPr id="65" name="Straight Arrow Connector 64">
+              <a:extLst>
+                <a:ext uri="{FF2B5EF4-FFF2-40B4-BE49-F238E27FC236}">
+                  <a16:creationId xmlns:a16="http://schemas.microsoft.com/office/drawing/2014/main" id="{DEA7B8ED-B9F3-44EA-BB7C-7D5BD7D31DD0}"/>
+                </a:ext>
+              </a:extLst>
+            </p:cNvPr>
+            <p:cNvCxnSpPr>
+              <a:cxnSpLocks/>
+              <a:stCxn id="63" idx="6"/>
+              <a:endCxn id="58" idx="2"/>
+            </p:cNvCxnSpPr>
+            <p:nvPr/>
+          </p:nvCxnSpPr>
+          <p:spPr>
+            <a:xfrm>
+              <a:off x="3578816" y="2498116"/>
+              <a:ext cx="212243" cy="0"/>
+            </a:xfrm>
+            <a:prstGeom prst="straightConnector1">
+              <a:avLst/>
+            </a:prstGeom>
+            <a:ln w="38100">
+              <a:solidFill>
+                <a:schemeClr val="tx1"/>
+              </a:solidFill>
+              <a:tailEnd type="triangle" w="med" len="med"/>
+            </a:ln>
+          </p:spPr>
+          <p:style>
+            <a:lnRef idx="1">
+              <a:schemeClr val="accent1"/>
+            </a:lnRef>
+            <a:fillRef idx="0">
+              <a:schemeClr val="accent1"/>
+            </a:fillRef>
+            <a:effectRef idx="0">
+              <a:schemeClr val="accent1"/>
+            </a:effectRef>
+            <a:fontRef idx="minor">
+              <a:schemeClr val="tx1"/>
+            </a:fontRef>
+          </p:style>
+        </p:cxnSp>
+        <p:cxnSp>
+          <p:nvCxnSpPr>
+            <p:cNvPr id="66" name="Straight Arrow Connector 65">
+              <a:extLst>
+                <a:ext uri="{FF2B5EF4-FFF2-40B4-BE49-F238E27FC236}">
+                  <a16:creationId xmlns:a16="http://schemas.microsoft.com/office/drawing/2014/main" id="{F789BEAE-293D-4F73-BC3E-6B7C274121B2}"/>
+                </a:ext>
+              </a:extLst>
+            </p:cNvPr>
+            <p:cNvCxnSpPr>
+              <a:cxnSpLocks/>
+              <a:stCxn id="57" idx="6"/>
+              <a:endCxn id="61" idx="2"/>
+            </p:cNvCxnSpPr>
+            <p:nvPr/>
+          </p:nvCxnSpPr>
+          <p:spPr>
+            <a:xfrm>
+              <a:off x="1714148" y="2170429"/>
+              <a:ext cx="212244" cy="0"/>
+            </a:xfrm>
+            <a:prstGeom prst="straightConnector1">
+              <a:avLst/>
+            </a:prstGeom>
+            <a:ln w="38100">
+              <a:solidFill>
+                <a:schemeClr val="tx1"/>
+              </a:solidFill>
+              <a:tailEnd type="triangle" w="med" len="med"/>
+            </a:ln>
+          </p:spPr>
+          <p:style>
+            <a:lnRef idx="1">
+              <a:schemeClr val="accent1"/>
+            </a:lnRef>
+            <a:fillRef idx="0">
+              <a:schemeClr val="accent1"/>
+            </a:fillRef>
+            <a:effectRef idx="0">
+              <a:schemeClr val="accent1"/>
+            </a:effectRef>
+            <a:fontRef idx="minor">
+              <a:schemeClr val="tx1"/>
+            </a:fontRef>
+          </p:style>
+        </p:cxnSp>
+        <p:cxnSp>
+          <p:nvCxnSpPr>
+            <p:cNvPr id="67" name="Straight Arrow Connector 66">
+              <a:extLst>
+                <a:ext uri="{FF2B5EF4-FFF2-40B4-BE49-F238E27FC236}">
+                  <a16:creationId xmlns:a16="http://schemas.microsoft.com/office/drawing/2014/main" id="{A5BBC3F9-DDE3-4814-85D9-B6C83A382DFD}"/>
+                </a:ext>
+              </a:extLst>
+            </p:cNvPr>
+            <p:cNvCxnSpPr>
+              <a:cxnSpLocks/>
+              <a:stCxn id="60" idx="6"/>
+              <a:endCxn id="62" idx="2"/>
+            </p:cNvCxnSpPr>
+            <p:nvPr/>
+          </p:nvCxnSpPr>
+          <p:spPr>
+            <a:xfrm flipV="1">
+              <a:off x="1714148" y="2745296"/>
+              <a:ext cx="212244" cy="1"/>
+            </a:xfrm>
+            <a:prstGeom prst="straightConnector1">
+              <a:avLst/>
+            </a:prstGeom>
+            <a:ln w="38100">
+              <a:solidFill>
+                <a:schemeClr val="tx1"/>
+              </a:solidFill>
+              <a:tailEnd type="triangle" w="med" len="med"/>
+            </a:ln>
+          </p:spPr>
+          <p:style>
+            <a:lnRef idx="1">
+              <a:schemeClr val="accent1"/>
+            </a:lnRef>
+            <a:fillRef idx="0">
+              <a:schemeClr val="accent1"/>
+            </a:fillRef>
+            <a:effectRef idx="0">
+              <a:schemeClr val="accent1"/>
+            </a:effectRef>
+            <a:fontRef idx="minor">
+              <a:schemeClr val="tx1"/>
+            </a:fontRef>
+          </p:style>
+        </p:cxnSp>
+      </p:grpSp>
+      <p:sp>
+        <p:nvSpPr>
+          <p:cNvPr id="68" name="Rectangle: Rounded Corners 67">
+            <a:extLst>
+              <a:ext uri="{FF2B5EF4-FFF2-40B4-BE49-F238E27FC236}">
+                <a16:creationId xmlns:a16="http://schemas.microsoft.com/office/drawing/2014/main" id="{A18BDE7B-78F5-4656-85CA-794C725B75AD}"/>
+              </a:ext>
+            </a:extLst>
+          </p:cNvPr>
+          <p:cNvSpPr/>
+          <p:nvPr/>
+        </p:nvSpPr>
+        <p:spPr>
+          <a:xfrm>
+            <a:off x="2737151" y="4618073"/>
+            <a:ext cx="4530715" cy="1325563"/>
+          </a:xfrm>
+          <a:prstGeom prst="roundRect">
+            <a:avLst/>
+          </a:prstGeom>
+          <a:noFill/>
+          <a:ln w="25400">
+            <a:solidFill>
+              <a:schemeClr val="tx1"/>
+            </a:solidFill>
+          </a:ln>
+        </p:spPr>
+        <p:style>
+          <a:lnRef idx="2">
+            <a:schemeClr val="accent1">
+              <a:shade val="50000"/>
+            </a:schemeClr>
+          </a:lnRef>
+          <a:fillRef idx="1">
+            <a:schemeClr val="accent1"/>
+          </a:fillRef>
+          <a:effectRef idx="0">
+            <a:schemeClr val="accent1"/>
+          </a:effectRef>
+          <a:fontRef idx="minor">
+            <a:schemeClr val="lt1"/>
+          </a:fontRef>
+        </p:style>
+        <p:txBody>
+          <a:bodyPr rtlCol="0" anchor="t" anchorCtr="0"/>
+          <a:lstStyle/>
+          <a:p>
+            <a:pPr algn="ctr"/>
+            <a:r>
+              <a:rPr lang="en-US">
+                <a:solidFill>
+                  <a:schemeClr val="tx1"/>
+                </a:solidFill>
+                <a:latin typeface="Arial" panose="020B0604020202020204" pitchFamily="34" charset="0"/>
+              </a:rPr>
+              <a:t>Trainable Pipeline</a:t>
+            </a:r>
+          </a:p>
+        </p:txBody>
+      </p:sp>
+      <p:cxnSp>
+        <p:nvCxnSpPr>
+          <p:cNvPr id="69" name="Straight Arrow Connector 68">
+            <a:extLst>
+              <a:ext uri="{FF2B5EF4-FFF2-40B4-BE49-F238E27FC236}">
+                <a16:creationId xmlns:a16="http://schemas.microsoft.com/office/drawing/2014/main" id="{47BE533D-835C-4409-8E98-11D08048B218}"/>
+              </a:ext>
+            </a:extLst>
+          </p:cNvPr>
+          <p:cNvCxnSpPr>
+            <a:cxnSpLocks/>
+            <a:stCxn id="52" idx="1"/>
+            <a:endCxn id="68" idx="3"/>
+          </p:cNvCxnSpPr>
+          <p:nvPr/>
+        </p:nvCxnSpPr>
+        <p:spPr>
+          <a:xfrm flipH="1">
+            <a:off x="7267866" y="5280854"/>
+            <a:ext cx="1218196" cy="1"/>
+          </a:xfrm>
+          <a:prstGeom prst="straightConnector1">
+            <a:avLst/>
+          </a:prstGeom>
+          <a:ln w="25400">
+            <a:solidFill>
+              <a:schemeClr val="tx1"/>
+            </a:solidFill>
+            <a:tailEnd type="stealth" w="med" len="lg"/>
+          </a:ln>
+        </p:spPr>
+        <p:style>
+          <a:lnRef idx="1">
+            <a:schemeClr val="accent1"/>
+          </a:lnRef>
+          <a:fillRef idx="0">
+            <a:schemeClr val="accent1"/>
+          </a:fillRef>
+          <a:effectRef idx="0">
+            <a:schemeClr val="accent1"/>
+          </a:effectRef>
+          <a:fontRef idx="minor">
+            <a:schemeClr val="tx1"/>
+          </a:fontRef>
+        </p:style>
+      </p:cxnSp>
+      <p:cxnSp>
+        <p:nvCxnSpPr>
+          <p:cNvPr id="70" name="Straight Arrow Connector 69">
+            <a:extLst>
+              <a:ext uri="{FF2B5EF4-FFF2-40B4-BE49-F238E27FC236}">
+                <a16:creationId xmlns:a16="http://schemas.microsoft.com/office/drawing/2014/main" id="{72116E7B-2BF9-4839-84C7-FF957CBFACA6}"/>
+              </a:ext>
+            </a:extLst>
+          </p:cNvPr>
+          <p:cNvCxnSpPr>
+            <a:cxnSpLocks/>
+            <a:stCxn id="29" idx="2"/>
+            <a:endCxn id="52" idx="0"/>
+          </p:cNvCxnSpPr>
+          <p:nvPr/>
+        </p:nvCxnSpPr>
+        <p:spPr>
+          <a:xfrm>
+            <a:off x="9919931" y="3063839"/>
+            <a:ext cx="0" cy="1554234"/>
+          </a:xfrm>
+          <a:prstGeom prst="straightConnector1">
+            <a:avLst/>
+          </a:prstGeom>
+          <a:ln w="25400">
+            <a:solidFill>
+              <a:schemeClr val="tx1"/>
+            </a:solidFill>
+            <a:tailEnd type="stealth" w="med" len="lg"/>
+          </a:ln>
+        </p:spPr>
+        <p:style>
+          <a:lnRef idx="1">
+            <a:schemeClr val="accent1"/>
+          </a:lnRef>
+          <a:fillRef idx="0">
+            <a:schemeClr val="accent1"/>
+          </a:fillRef>
+          <a:effectRef idx="0">
+            <a:schemeClr val="accent1"/>
+          </a:effectRef>
+          <a:fontRef idx="minor">
+            <a:schemeClr val="tx1"/>
+          </a:fontRef>
+        </p:style>
+      </p:cxnSp>
+      <p:sp>
+        <p:nvSpPr>
+          <p:cNvPr id="19" name="TextBox 18">
+            <a:extLst>
+              <a:ext uri="{FF2B5EF4-FFF2-40B4-BE49-F238E27FC236}">
+                <a16:creationId xmlns:a16="http://schemas.microsoft.com/office/drawing/2014/main" id="{7B83B535-9DE0-4161-8B9C-909D850BDA27}"/>
+              </a:ext>
+            </a:extLst>
+          </p:cNvPr>
+          <p:cNvSpPr txBox="1"/>
+          <p:nvPr/>
+        </p:nvSpPr>
+        <p:spPr>
+          <a:xfrm>
+            <a:off x="7327765" y="2020604"/>
+            <a:ext cx="1095172" cy="369332"/>
+          </a:xfrm>
+          <a:prstGeom prst="rect">
+            <a:avLst/>
+          </a:prstGeom>
+          <a:noFill/>
+        </p:spPr>
+        <p:txBody>
+          <a:bodyPr wrap="none" rtlCol="0">
+            <a:spAutoFit/>
+          </a:bodyPr>
+          <a:lstStyle/>
+          <a:p>
+            <a:r>
+              <a:rPr lang="en-US">
+                <a:highlight>
+                  <a:srgbClr val="FFFF00"/>
+                </a:highlight>
+                <a:latin typeface="Arial" panose="020B0604020202020204" pitchFamily="34" charset="0"/>
+              </a:rPr>
+              <a:t>generate</a:t>
+            </a:r>
+          </a:p>
+        </p:txBody>
+      </p:sp>
+      <p:sp>
+        <p:nvSpPr>
+          <p:cNvPr id="73" name="TextBox 72">
+            <a:extLst>
+              <a:ext uri="{FF2B5EF4-FFF2-40B4-BE49-F238E27FC236}">
+                <a16:creationId xmlns:a16="http://schemas.microsoft.com/office/drawing/2014/main" id="{8975C368-6160-44D7-A19B-053CFE47BC70}"/>
+              </a:ext>
+            </a:extLst>
+          </p:cNvPr>
+          <p:cNvSpPr txBox="1"/>
+          <p:nvPr/>
+        </p:nvSpPr>
+        <p:spPr>
+          <a:xfrm>
+            <a:off x="9919931" y="3635344"/>
+            <a:ext cx="941283" cy="369332"/>
+          </a:xfrm>
+          <a:prstGeom prst="rect">
+            <a:avLst/>
+          </a:prstGeom>
+          <a:noFill/>
+        </p:spPr>
+        <p:txBody>
+          <a:bodyPr wrap="none" rtlCol="0">
+            <a:spAutoFit/>
+          </a:bodyPr>
+          <a:lstStyle/>
+          <a:p>
+            <a:r>
+              <a:rPr lang="en-US">
+                <a:latin typeface="Arial" panose="020B0604020202020204" pitchFamily="34" charset="0"/>
+              </a:rPr>
+              <a:t>acquire</a:t>
+            </a:r>
+          </a:p>
+        </p:txBody>
+      </p:sp>
+      <p:sp>
+        <p:nvSpPr>
+          <p:cNvPr id="74" name="TextBox 73">
+            <a:extLst>
+              <a:ext uri="{FF2B5EF4-FFF2-40B4-BE49-F238E27FC236}">
+                <a16:creationId xmlns:a16="http://schemas.microsoft.com/office/drawing/2014/main" id="{4FD48131-8613-4A6B-BC02-26157BFA505A}"/>
+              </a:ext>
+            </a:extLst>
+          </p:cNvPr>
+          <p:cNvSpPr txBox="1"/>
+          <p:nvPr/>
+        </p:nvSpPr>
+        <p:spPr>
+          <a:xfrm>
+            <a:off x="7404709" y="4911522"/>
+            <a:ext cx="941283" cy="369332"/>
+          </a:xfrm>
+          <a:prstGeom prst="rect">
+            <a:avLst/>
+          </a:prstGeom>
+          <a:noFill/>
+        </p:spPr>
+        <p:txBody>
+          <a:bodyPr wrap="none" rtlCol="0">
+            <a:spAutoFit/>
+          </a:bodyPr>
+          <a:lstStyle/>
+          <a:p>
+            <a:r>
+              <a:rPr lang="en-US">
+                <a:latin typeface="Arial" panose="020B0604020202020204" pitchFamily="34" charset="0"/>
+              </a:rPr>
+              <a:t>decode</a:t>
+            </a:r>
+          </a:p>
+        </p:txBody>
+      </p:sp>
       <p:cxnSp>
         <p:nvCxnSpPr>
           <p:cNvPr id="75" name="Straight Arrow Connector 74">
@@ -18553,6 +21324,9 @@
           <a:p>
             <a:r>
               <a:rPr lang="en-US">
+                <a:highlight>
+                  <a:srgbClr val="FFFF00"/>
+                </a:highlight>
                 <a:latin typeface="Arial" panose="020B0604020202020204" pitchFamily="34" charset="0"/>
               </a:rPr>
               <a:t>validate</a:t>
@@ -19228,6 +22002,9 @@
           <a:p>
             <a:r>
               <a:rPr lang="en-US">
+                <a:highlight>
+                  <a:srgbClr val="FFFF00"/>
+                </a:highlight>
                 <a:latin typeface="Arial" panose="020B0604020202020204" pitchFamily="34" charset="0"/>
               </a:rPr>
               <a:t>edit/display</a:t>
@@ -19352,7 +22129,9 @@
           <a:prstGeom prst="roundRect">
             <a:avLst/>
           </a:prstGeom>
-          <a:noFill/>
+          <a:solidFill>
+            <a:srgbClr val="FFFF00"/>
+          </a:solidFill>
           <a:ln w="25400">
             <a:solidFill>
               <a:schemeClr val="tx1"/>
@@ -19432,7 +22211,7 @@
     </p:spTree>
     <p:extLst>
       <p:ext uri="{BB962C8B-B14F-4D97-AF65-F5344CB8AC3E}">
-        <p14:creationId xmlns:p14="http://schemas.microsoft.com/office/powerpoint/2010/main" val="469984524"/>
+        <p14:creationId xmlns:p14="http://schemas.microsoft.com/office/powerpoint/2010/main" val="921029573"/>
       </p:ext>
     </p:extLst>
   </p:cSld>
@@ -19442,7 +22221,7 @@
 </p:sld>
 </file>
 
-<file path=ppt/slides/slide16.xml><?xml version="1.0" encoding="utf-8"?>
+<file path=ppt/slides/slide17.xml><?xml version="1.0" encoding="utf-8"?>
 <p:sld xmlns:a="http://schemas.openxmlformats.org/drawingml/2006/main" xmlns:r="http://schemas.openxmlformats.org/officeDocument/2006/relationships" xmlns:p="http://schemas.openxmlformats.org/presentationml/2006/main">
   <p:cSld>
     <p:spTree>
@@ -19482,7 +22261,7 @@
           <a:p>
             <a:fld id="{8661E4C1-2DDD-4868-BF45-6F174326DF77}" type="slidenum">
               <a:rPr lang="en-US" smtClean="0"/>
-              <a:t>16</a:t>
+              <a:t>17</a:t>
             </a:fld>
             <a:endParaRPr lang="en-US"/>
           </a:p>
@@ -19518,7 +22297,7 @@
               <a:rPr lang="en-US" b="1">
                 <a:latin typeface="Arial" panose="020B0604020202020204" pitchFamily="34" charset="0"/>
               </a:rPr>
-              <a:t>Customizing Schemas</a:t>
+              <a:t>Customizing Types</a:t>
             </a:r>
             <a:endParaRPr lang="en-US" b="1" cap="small">
               <a:latin typeface="Arial" panose="020B0604020202020204" pitchFamily="34" charset="0"/>
@@ -19674,7 +22453,7 @@
 </p:sld>
 </file>
 
-<file path=ppt/slides/slide17.xml><?xml version="1.0" encoding="utf-8"?>
+<file path=ppt/slides/slide18.xml><?xml version="1.0" encoding="utf-8"?>
 <p:sld xmlns:a="http://schemas.openxmlformats.org/drawingml/2006/main" xmlns:r="http://schemas.openxmlformats.org/officeDocument/2006/relationships" xmlns:p="http://schemas.openxmlformats.org/presentationml/2006/main">
   <p:cSld>
     <p:spTree>
@@ -19749,7 +22528,7 @@
           <a:p>
             <a:fld id="{8661E4C1-2DDD-4868-BF45-6F174326DF77}" type="slidenum">
               <a:rPr lang="en-US" smtClean="0"/>
-              <a:t>17</a:t>
+              <a:t>18</a:t>
             </a:fld>
             <a:endParaRPr lang="en-US"/>
           </a:p>
@@ -22045,7 +24824,7 @@
 </p:sld>
 </file>
 
-<file path=ppt/slides/slide18.xml><?xml version="1.0" encoding="utf-8"?>
+<file path=ppt/slides/slide19.xml><?xml version="1.0" encoding="utf-8"?>
 <p:sld xmlns:a="http://schemas.openxmlformats.org/drawingml/2006/main" xmlns:r="http://schemas.openxmlformats.org/officeDocument/2006/relationships" xmlns:p="http://schemas.openxmlformats.org/presentationml/2006/main">
   <p:cSld>
     <p:spTree>
@@ -22085,7 +24864,7 @@
           <a:p>
             <a:fld id="{8661E4C1-2DDD-4868-BF45-6F174326DF77}" type="slidenum">
               <a:rPr lang="en-US" smtClean="0"/>
-              <a:t>18</a:t>
+              <a:t>19</a:t>
             </a:fld>
             <a:endParaRPr lang="en-US"/>
           </a:p>
@@ -22357,7 +25136,7 @@
 </p:sld>
 </file>
 
-<file path=ppt/slides/slide19.xml><?xml version="1.0" encoding="utf-8"?>
+<file path=ppt/slides/slide2.xml><?xml version="1.0" encoding="utf-8"?>
 <p:sld xmlns:a="http://schemas.openxmlformats.org/drawingml/2006/main" xmlns:r="http://schemas.openxmlformats.org/officeDocument/2006/relationships" xmlns:p="http://schemas.openxmlformats.org/presentationml/2006/main">
   <p:cSld>
     <p:spTree>
@@ -22404,7 +25183,7 @@
               <a:rPr lang="en-US" b="1">
                 <a:latin typeface="Arial" panose="020B0604020202020204" pitchFamily="34" charset="0"/>
               </a:rPr>
-              <a:t>https://github.com/ibm/lale</a:t>
+              <a:t>Value Proposition</a:t>
             </a:r>
           </a:p>
         </p:txBody>
@@ -22432,7 +25211,169 @@
           <a:p>
             <a:fld id="{8661E4C1-2DDD-4868-BF45-6F174326DF77}" type="slidenum">
               <a:rPr lang="en-US" smtClean="0"/>
-              <a:t>19</a:t>
+              <a:t>2</a:t>
+            </a:fld>
+            <a:endParaRPr lang="en-US"/>
+          </a:p>
+        </p:txBody>
+      </p:sp>
+      <p:graphicFrame>
+        <p:nvGraphicFramePr>
+          <p:cNvPr id="10" name="Content Placeholder 4">
+            <a:extLst>
+              <a:ext uri="{FF2B5EF4-FFF2-40B4-BE49-F238E27FC236}">
+                <a16:creationId xmlns:a16="http://schemas.microsoft.com/office/drawing/2014/main" id="{84B8CBFC-5C76-4A36-881B-E5374B4B15A8}"/>
+              </a:ext>
+            </a:extLst>
+          </p:cNvPr>
+          <p:cNvGraphicFramePr>
+            <a:graphicFrameLocks noGrp="1" noChangeAspect="1"/>
+          </p:cNvGraphicFramePr>
+          <p:nvPr>
+            <p:ph idx="1"/>
+            <p:extLst>
+              <p:ext uri="{D42A27DB-BD31-4B8C-83A1-F6EECF244321}">
+                <p14:modId xmlns:p14="http://schemas.microsoft.com/office/powerpoint/2010/main" val="100310993"/>
+              </p:ext>
+            </p:extLst>
+          </p:nvPr>
+        </p:nvGraphicFramePr>
+        <p:xfrm>
+          <a:off x="2203374" y="959802"/>
+          <a:ext cx="7778826" cy="4969974"/>
+        </p:xfrm>
+        <a:graphic>
+          <a:graphicData uri="http://schemas.openxmlformats.org/drawingml/2006/diagram">
+            <dgm:relIds xmlns:dgm="http://schemas.openxmlformats.org/drawingml/2006/diagram" xmlns:r="http://schemas.openxmlformats.org/officeDocument/2006/relationships" r:dm="rId2" r:lo="rId3" r:qs="rId4" r:cs="rId5"/>
+          </a:graphicData>
+        </a:graphic>
+      </p:graphicFrame>
+      <p:sp>
+        <p:nvSpPr>
+          <p:cNvPr id="7" name="TextBox 6">
+            <a:extLst>
+              <a:ext uri="{FF2B5EF4-FFF2-40B4-BE49-F238E27FC236}">
+                <a16:creationId xmlns:a16="http://schemas.microsoft.com/office/drawing/2014/main" id="{87F6623F-2710-48DD-B2CD-DF598EFF2B7F}"/>
+              </a:ext>
+            </a:extLst>
+          </p:cNvPr>
+          <p:cNvSpPr txBox="1"/>
+          <p:nvPr/>
+        </p:nvSpPr>
+        <p:spPr>
+          <a:xfrm>
+            <a:off x="838200" y="1077184"/>
+            <a:ext cx="2556353" cy="1200329"/>
+          </a:xfrm>
+          <a:prstGeom prst="rect">
+            <a:avLst/>
+          </a:prstGeom>
+          <a:noFill/>
+        </p:spPr>
+        <p:txBody>
+          <a:bodyPr wrap="square" rtlCol="0">
+            <a:spAutoFit/>
+          </a:bodyPr>
+          <a:lstStyle/>
+          <a:p>
+            <a:r>
+              <a:rPr lang="en-US" sz="2400">
+                <a:latin typeface="Arial" panose="020B0604020202020204" pitchFamily="34" charset="0"/>
+              </a:rPr>
+              <a:t>Augment, but don’t replace, the data scientist.</a:t>
+            </a:r>
+          </a:p>
+        </p:txBody>
+      </p:sp>
+    </p:spTree>
+    <p:extLst>
+      <p:ext uri="{BB962C8B-B14F-4D97-AF65-F5344CB8AC3E}">
+        <p14:creationId xmlns:p14="http://schemas.microsoft.com/office/powerpoint/2010/main" val="288932908"/>
+      </p:ext>
+    </p:extLst>
+  </p:cSld>
+  <p:clrMapOvr>
+    <a:masterClrMapping/>
+  </p:clrMapOvr>
+</p:sld>
+</file>
+
+<file path=ppt/slides/slide20.xml><?xml version="1.0" encoding="utf-8"?>
+<p:sld xmlns:a="http://schemas.openxmlformats.org/drawingml/2006/main" xmlns:r="http://schemas.openxmlformats.org/officeDocument/2006/relationships" xmlns:p="http://schemas.openxmlformats.org/presentationml/2006/main">
+  <p:cSld>
+    <p:spTree>
+      <p:nvGrpSpPr>
+        <p:cNvPr id="1" name=""/>
+        <p:cNvGrpSpPr/>
+        <p:nvPr/>
+      </p:nvGrpSpPr>
+      <p:grpSpPr>
+        <a:xfrm>
+          <a:off x="0" y="0"/>
+          <a:ext cx="0" cy="0"/>
+          <a:chOff x="0" y="0"/>
+          <a:chExt cx="0" cy="0"/>
+        </a:xfrm>
+      </p:grpSpPr>
+      <p:sp>
+        <p:nvSpPr>
+          <p:cNvPr id="2" name="Title 1">
+            <a:extLst>
+              <a:ext uri="{FF2B5EF4-FFF2-40B4-BE49-F238E27FC236}">
+                <a16:creationId xmlns:a16="http://schemas.microsoft.com/office/drawing/2014/main" id="{0FD1C7FD-E7A2-4EB2-BBB2-1B3DED47A65F}"/>
+              </a:ext>
+            </a:extLst>
+          </p:cNvPr>
+          <p:cNvSpPr>
+            <a:spLocks noGrp="1"/>
+          </p:cNvSpPr>
+          <p:nvPr>
+            <p:ph type="title"/>
+          </p:nvPr>
+        </p:nvSpPr>
+        <p:spPr>
+          <a:xfrm>
+            <a:off x="838200" y="0"/>
+            <a:ext cx="10515600" cy="1325563"/>
+          </a:xfrm>
+        </p:spPr>
+        <p:txBody>
+          <a:bodyPr/>
+          <a:lstStyle/>
+          <a:p>
+            <a:r>
+              <a:rPr lang="en-US" b="1">
+                <a:latin typeface="Arial" panose="020B0604020202020204" pitchFamily="34" charset="0"/>
+              </a:rPr>
+              <a:t>Conclusion</a:t>
+            </a:r>
+          </a:p>
+        </p:txBody>
+      </p:sp>
+      <p:sp>
+        <p:nvSpPr>
+          <p:cNvPr id="6" name="Slide Number Placeholder 5">
+            <a:extLst>
+              <a:ext uri="{FF2B5EF4-FFF2-40B4-BE49-F238E27FC236}">
+                <a16:creationId xmlns:a16="http://schemas.microsoft.com/office/drawing/2014/main" id="{720EF69A-03B0-4EA4-96EC-030203335F73}"/>
+              </a:ext>
+            </a:extLst>
+          </p:cNvPr>
+          <p:cNvSpPr>
+            <a:spLocks noGrp="1"/>
+          </p:cNvSpPr>
+          <p:nvPr>
+            <p:ph type="sldNum" sz="quarter" idx="12"/>
+          </p:nvPr>
+        </p:nvSpPr>
+        <p:spPr/>
+        <p:txBody>
+          <a:bodyPr/>
+          <a:lstStyle/>
+          <a:p>
+            <a:fld id="{8661E4C1-2DDD-4868-BF45-6F174326DF77}" type="slidenum">
+              <a:rPr lang="en-US" smtClean="0"/>
+              <a:t>20</a:t>
             </a:fld>
             <a:endParaRPr lang="en-US"/>
           </a:p>
@@ -22687,137 +25628,42 @@
           </a:p>
         </p:txBody>
       </p:sp>
-    </p:spTree>
-    <p:extLst>
-      <p:ext uri="{BB962C8B-B14F-4D97-AF65-F5344CB8AC3E}">
-        <p14:creationId xmlns:p14="http://schemas.microsoft.com/office/powerpoint/2010/main" val="1650519249"/>
-      </p:ext>
-    </p:extLst>
-  </p:cSld>
-  <p:clrMapOvr>
-    <a:masterClrMapping/>
-  </p:clrMapOvr>
-</p:sld>
-</file>
-
-<file path=ppt/slides/slide2.xml><?xml version="1.0" encoding="utf-8"?>
-<p:sld xmlns:a="http://schemas.openxmlformats.org/drawingml/2006/main" xmlns:r="http://schemas.openxmlformats.org/officeDocument/2006/relationships" xmlns:p="http://schemas.openxmlformats.org/presentationml/2006/main">
-  <p:cSld>
-    <p:spTree>
-      <p:nvGrpSpPr>
-        <p:cNvPr id="1" name=""/>
-        <p:cNvGrpSpPr/>
-        <p:nvPr/>
-      </p:nvGrpSpPr>
-      <p:grpSpPr>
-        <a:xfrm>
-          <a:off x="0" y="0"/>
-          <a:ext cx="0" cy="0"/>
-          <a:chOff x="0" y="0"/>
-          <a:chExt cx="0" cy="0"/>
-        </a:xfrm>
-      </p:grpSpPr>
-      <p:sp>
-        <p:nvSpPr>
-          <p:cNvPr id="2" name="Title 1">
+      <p:pic>
+        <p:nvPicPr>
+          <p:cNvPr id="3" name="Picture 2">
             <a:extLst>
               <a:ext uri="{FF2B5EF4-FFF2-40B4-BE49-F238E27FC236}">
-                <a16:creationId xmlns:a16="http://schemas.microsoft.com/office/drawing/2014/main" id="{0FD1C7FD-E7A2-4EB2-BBB2-1B3DED47A65F}"/>
+                <a16:creationId xmlns:a16="http://schemas.microsoft.com/office/drawing/2014/main" id="{D98D8D91-ED30-49C6-B41B-33BEC876837C}"/>
               </a:ext>
             </a:extLst>
           </p:cNvPr>
-          <p:cNvSpPr>
-            <a:spLocks noGrp="1"/>
-          </p:cNvSpPr>
-          <p:nvPr>
-            <p:ph type="title"/>
-          </p:nvPr>
-        </p:nvSpPr>
+          <p:cNvPicPr>
+            <a:picLocks noChangeAspect="1"/>
+          </p:cNvPicPr>
+          <p:nvPr/>
+        </p:nvPicPr>
+        <p:blipFill>
+          <a:blip r:embed="rId7"/>
+          <a:stretch>
+            <a:fillRect/>
+          </a:stretch>
+        </p:blipFill>
         <p:spPr>
           <a:xfrm>
-            <a:off x="838200" y="0"/>
-            <a:ext cx="10515600" cy="1325563"/>
+            <a:off x="8962097" y="-1"/>
+            <a:ext cx="3229903" cy="3229903"/>
           </a:xfrm>
+          <a:prstGeom prst="rect">
+            <a:avLst/>
+          </a:prstGeom>
         </p:spPr>
-        <p:txBody>
-          <a:bodyPr/>
-          <a:lstStyle/>
-          <a:p>
-            <a:r>
-              <a:rPr lang="en-US" b="1">
-                <a:latin typeface="Arial" panose="020B0604020202020204" pitchFamily="34" charset="0"/>
-              </a:rPr>
-              <a:t>Value Proposition</a:t>
-            </a:r>
-          </a:p>
-        </p:txBody>
-      </p:sp>
+      </p:pic>
       <p:sp>
         <p:nvSpPr>
-          <p:cNvPr id="6" name="Slide Number Placeholder 5">
+          <p:cNvPr id="4" name="TextBox 3">
             <a:extLst>
               <a:ext uri="{FF2B5EF4-FFF2-40B4-BE49-F238E27FC236}">
-                <a16:creationId xmlns:a16="http://schemas.microsoft.com/office/drawing/2014/main" id="{720EF69A-03B0-4EA4-96EC-030203335F73}"/>
-              </a:ext>
-            </a:extLst>
-          </p:cNvPr>
-          <p:cNvSpPr>
-            <a:spLocks noGrp="1"/>
-          </p:cNvSpPr>
-          <p:nvPr>
-            <p:ph type="sldNum" sz="quarter" idx="12"/>
-          </p:nvPr>
-        </p:nvSpPr>
-        <p:spPr/>
-        <p:txBody>
-          <a:bodyPr/>
-          <a:lstStyle/>
-          <a:p>
-            <a:fld id="{8661E4C1-2DDD-4868-BF45-6F174326DF77}" type="slidenum">
-              <a:rPr lang="en-US" smtClean="0"/>
-              <a:t>2</a:t>
-            </a:fld>
-            <a:endParaRPr lang="en-US"/>
-          </a:p>
-        </p:txBody>
-      </p:sp>
-      <p:graphicFrame>
-        <p:nvGraphicFramePr>
-          <p:cNvPr id="10" name="Content Placeholder 4">
-            <a:extLst>
-              <a:ext uri="{FF2B5EF4-FFF2-40B4-BE49-F238E27FC236}">
-                <a16:creationId xmlns:a16="http://schemas.microsoft.com/office/drawing/2014/main" id="{84B8CBFC-5C76-4A36-881B-E5374B4B15A8}"/>
-              </a:ext>
-            </a:extLst>
-          </p:cNvPr>
-          <p:cNvGraphicFramePr>
-            <a:graphicFrameLocks noGrp="1" noChangeAspect="1"/>
-          </p:cNvGraphicFramePr>
-          <p:nvPr>
-            <p:ph idx="1"/>
-            <p:extLst>
-              <p:ext uri="{D42A27DB-BD31-4B8C-83A1-F6EECF244321}">
-                <p14:modId xmlns:p14="http://schemas.microsoft.com/office/powerpoint/2010/main" val="100310993"/>
-              </p:ext>
-            </p:extLst>
-          </p:nvPr>
-        </p:nvGraphicFramePr>
-        <p:xfrm>
-          <a:off x="2203374" y="959802"/>
-          <a:ext cx="7778826" cy="4969974"/>
-        </p:xfrm>
-        <a:graphic>
-          <a:graphicData uri="http://schemas.openxmlformats.org/drawingml/2006/diagram">
-            <dgm:relIds xmlns:dgm="http://schemas.openxmlformats.org/drawingml/2006/diagram" xmlns:r="http://schemas.openxmlformats.org/officeDocument/2006/relationships" r:dm="rId2" r:lo="rId3" r:qs="rId4" r:cs="rId5"/>
-          </a:graphicData>
-        </a:graphic>
-      </p:graphicFrame>
-      <p:sp>
-        <p:nvSpPr>
-          <p:cNvPr id="7" name="TextBox 6">
-            <a:extLst>
-              <a:ext uri="{FF2B5EF4-FFF2-40B4-BE49-F238E27FC236}">
-                <a16:creationId xmlns:a16="http://schemas.microsoft.com/office/drawing/2014/main" id="{87F6623F-2710-48DD-B2CD-DF598EFF2B7F}"/>
+                <a16:creationId xmlns:a16="http://schemas.microsoft.com/office/drawing/2014/main" id="{96820C43-776D-4883-BBF4-212E894A5681}"/>
               </a:ext>
             </a:extLst>
           </p:cNvPr>
@@ -22826,8 +25672,8 @@
         </p:nvSpPr>
         <p:spPr>
           <a:xfrm>
-            <a:off x="838200" y="1077184"/>
-            <a:ext cx="2556353" cy="1200329"/>
+            <a:off x="9181410" y="2941728"/>
+            <a:ext cx="2839239" cy="461665"/>
           </a:xfrm>
           <a:prstGeom prst="rect">
             <a:avLst/>
@@ -22835,7 +25681,7 @@
           <a:noFill/>
         </p:spPr>
         <p:txBody>
-          <a:bodyPr wrap="square" rtlCol="0">
+          <a:bodyPr wrap="none" rtlCol="0">
             <a:spAutoFit/>
           </a:bodyPr>
           <a:lstStyle/>
@@ -22844,7 +25690,7 @@
               <a:rPr lang="en-US" sz="2400">
                 <a:latin typeface="Arial" panose="020B0604020202020204" pitchFamily="34" charset="0"/>
               </a:rPr>
-              <a:t>Augment, but don’t replace, the data scientist.</a:t>
+              <a:t>github.com/ibm/lale</a:t>
             </a:r>
           </a:p>
         </p:txBody>
@@ -22852,7 +25698,7 @@
     </p:spTree>
     <p:extLst>
       <p:ext uri="{BB962C8B-B14F-4D97-AF65-F5344CB8AC3E}">
-        <p14:creationId xmlns:p14="http://schemas.microsoft.com/office/powerpoint/2010/main" val="288932908"/>
+        <p14:creationId xmlns:p14="http://schemas.microsoft.com/office/powerpoint/2010/main" val="1650519249"/>
       </p:ext>
     </p:extLst>
   </p:cSld>
@@ -23018,7 +25864,7 @@
         <p:spPr>
           <a:xfrm>
             <a:off x="895457" y="6358978"/>
-            <a:ext cx="7913257" cy="369332"/>
+            <a:ext cx="9529212" cy="369332"/>
           </a:xfrm>
           <a:prstGeom prst="rect">
             <a:avLst/>
@@ -23035,7 +25881,7 @@
               <a:rPr lang="en-US">
                 <a:latin typeface="Arial" panose="020B0604020202020204" pitchFamily="34" charset="0"/>
               </a:rPr>
-              <a:t>https://github.com/IBM/lale/blob/master/examples/talk_2019-1105-lale.ipynb</a:t>
+              <a:t>https://nbviewer.jupyter.org/github/IBM/lale/blob/master/examples/talk_2019-1105-lale.ipynb</a:t>
             </a:r>
           </a:p>
         </p:txBody>
@@ -26107,10 +28953,10 @@
       </p:sp>
       <p:pic>
         <p:nvPicPr>
-          <p:cNvPr id="8" name="Picture 7">
+          <p:cNvPr id="4" name="Picture 3">
             <a:extLst>
               <a:ext uri="{FF2B5EF4-FFF2-40B4-BE49-F238E27FC236}">
-                <a16:creationId xmlns:a16="http://schemas.microsoft.com/office/drawing/2014/main" id="{11DACB1B-D695-4E2F-944E-1A4E97151011}"/>
+                <a16:creationId xmlns:a16="http://schemas.microsoft.com/office/drawing/2014/main" id="{8B4B9A46-52DD-4E19-A187-F8F68EC31CD1}"/>
               </a:ext>
             </a:extLst>
           </p:cNvPr>
@@ -26127,8 +28973,38 @@
         </p:blipFill>
         <p:spPr>
           <a:xfrm>
-            <a:off x="807620" y="3496140"/>
-            <a:ext cx="10125075" cy="2019300"/>
+            <a:off x="1955582" y="4313304"/>
+            <a:ext cx="9077325" cy="1123950"/>
+          </a:xfrm>
+          <a:prstGeom prst="rect">
+            <a:avLst/>
+          </a:prstGeom>
+        </p:spPr>
+      </p:pic>
+      <p:pic>
+        <p:nvPicPr>
+          <p:cNvPr id="9" name="Picture 8">
+            <a:extLst>
+              <a:ext uri="{FF2B5EF4-FFF2-40B4-BE49-F238E27FC236}">
+                <a16:creationId xmlns:a16="http://schemas.microsoft.com/office/drawing/2014/main" id="{B189C85C-738F-4B16-90DB-6BB4F6B98961}"/>
+              </a:ext>
+            </a:extLst>
+          </p:cNvPr>
+          <p:cNvPicPr>
+            <a:picLocks noChangeAspect="1"/>
+          </p:cNvPicPr>
+          <p:nvPr/>
+        </p:nvPicPr>
+        <p:blipFill>
+          <a:blip r:embed="rId4"/>
+          <a:stretch>
+            <a:fillRect/>
+          </a:stretch>
+        </p:blipFill>
+        <p:spPr>
+          <a:xfrm>
+            <a:off x="792795" y="3588988"/>
+            <a:ext cx="10153650" cy="638175"/>
           </a:xfrm>
           <a:prstGeom prst="rect">
             <a:avLst/>
@@ -26138,7 +29014,7 @@
     </p:spTree>
     <p:extLst>
       <p:ext uri="{BB962C8B-B14F-4D97-AF65-F5344CB8AC3E}">
-        <p14:creationId xmlns:p14="http://schemas.microsoft.com/office/powerpoint/2010/main" val="2802981227"/>
+        <p14:creationId xmlns:p14="http://schemas.microsoft.com/office/powerpoint/2010/main" val="2547996268"/>
       </p:ext>
     </p:extLst>
   </p:cSld>
@@ -26179,7 +29055,34 @@
                                           </p:stCondLst>
                                         </p:cTn>
                                         <p:tgtEl>
-                                          <p:spTgt spid="8"/>
+                                          <p:spTgt spid="9"/>
+                                        </p:tgtEl>
+                                        <p:attrNameLst>
+                                          <p:attrName>style.visibility</p:attrName>
+                                        </p:attrNameLst>
+                                      </p:cBhvr>
+                                      <p:to>
+                                        <p:strVal val="visible"/>
+                                      </p:to>
+                                    </p:set>
+                                  </p:childTnLst>
+                                </p:cTn>
+                              </p:par>
+                              <p:par>
+                                <p:cTn id="7" presetID="1" presetClass="entr" presetSubtype="0" fill="hold" nodeType="withEffect">
+                                  <p:stCondLst>
+                                    <p:cond delay="0"/>
+                                  </p:stCondLst>
+                                  <p:childTnLst>
+                                    <p:set>
+                                      <p:cBhvr>
+                                        <p:cTn id="8" dur="1" fill="hold">
+                                          <p:stCondLst>
+                                            <p:cond delay="0"/>
+                                          </p:stCondLst>
+                                        </p:cTn>
+                                        <p:tgtEl>
+                                          <p:spTgt spid="4"/>
                                         </p:tgtEl>
                                         <p:attrNameLst>
                                           <p:attrName>style.visibility</p:attrName>
@@ -26935,11 +29838,7 @@
             <a:graphicFrameLocks noGrp="1"/>
           </p:cNvGraphicFramePr>
           <p:nvPr>
-            <p:extLst>
-              <p:ext uri="{D42A27DB-BD31-4B8C-83A1-F6EECF244321}">
-                <p14:modId xmlns:p14="http://schemas.microsoft.com/office/powerpoint/2010/main" val="1329856865"/>
-              </p:ext>
-            </p:extLst>
+            <p:extLst/>
           </p:nvPr>
         </p:nvGraphicFramePr>
         <p:xfrm>
@@ -27182,7 +30081,7 @@
           <p:nvPr>
             <p:extLst>
               <p:ext uri="{D42A27DB-BD31-4B8C-83A1-F6EECF244321}">
-                <p14:modId xmlns:p14="http://schemas.microsoft.com/office/powerpoint/2010/main" val="1955941197"/>
+                <p14:modId xmlns:p14="http://schemas.microsoft.com/office/powerpoint/2010/main" val="1156367900"/>
               </p:ext>
             </p:extLst>
           </p:nvPr>
@@ -29166,11 +32065,7 @@
             <a:graphicFrameLocks noGrp="1"/>
           </p:cNvGraphicFramePr>
           <p:nvPr>
-            <p:extLst>
-              <p:ext uri="{D42A27DB-BD31-4B8C-83A1-F6EECF244321}">
-                <p14:modId xmlns:p14="http://schemas.microsoft.com/office/powerpoint/2010/main" val="2703685319"/>
-              </p:ext>
-            </p:extLst>
+            <p:extLst/>
           </p:nvPr>
         </p:nvGraphicFramePr>
         <p:xfrm>
@@ -29645,7 +32540,7 @@
     </p:spTree>
     <p:extLst>
       <p:ext uri="{BB962C8B-B14F-4D97-AF65-F5344CB8AC3E}">
-        <p14:creationId xmlns:p14="http://schemas.microsoft.com/office/powerpoint/2010/main" val="1123847999"/>
+        <p14:creationId xmlns:p14="http://schemas.microsoft.com/office/powerpoint/2010/main" val="1446247866"/>
       </p:ext>
     </p:extLst>
   </p:cSld>
@@ -31076,6 +33971,277 @@
   <p:clrMapOvr>
     <a:masterClrMapping/>
   </p:clrMapOvr>
+  <p:timing>
+    <p:tnLst>
+      <p:par>
+        <p:cTn id="1" dur="indefinite" restart="never" nodeType="tmRoot">
+          <p:childTnLst>
+            <p:seq concurrent="1" nextAc="seek">
+              <p:cTn id="2" dur="indefinite" nodeType="mainSeq">
+                <p:childTnLst>
+                  <p:par>
+                    <p:cTn id="3" fill="hold">
+                      <p:stCondLst>
+                        <p:cond delay="indefinite"/>
+                      </p:stCondLst>
+                      <p:childTnLst>
+                        <p:par>
+                          <p:cTn id="4" fill="hold">
+                            <p:stCondLst>
+                              <p:cond delay="0"/>
+                            </p:stCondLst>
+                            <p:childTnLst>
+                              <p:par>
+                                <p:cTn id="5" presetID="1" presetClass="entr" presetSubtype="0" fill="hold" grpId="0" nodeType="clickEffect">
+                                  <p:stCondLst>
+                                    <p:cond delay="0"/>
+                                  </p:stCondLst>
+                                  <p:childTnLst>
+                                    <p:set>
+                                      <p:cBhvr>
+                                        <p:cTn id="6" dur="1" fill="hold">
+                                          <p:stCondLst>
+                                            <p:cond delay="0"/>
+                                          </p:stCondLst>
+                                        </p:cTn>
+                                        <p:tgtEl>
+                                          <p:spTgt spid="13"/>
+                                        </p:tgtEl>
+                                        <p:attrNameLst>
+                                          <p:attrName>style.visibility</p:attrName>
+                                        </p:attrNameLst>
+                                      </p:cBhvr>
+                                      <p:to>
+                                        <p:strVal val="visible"/>
+                                      </p:to>
+                                    </p:set>
+                                  </p:childTnLst>
+                                </p:cTn>
+                              </p:par>
+                              <p:par>
+                                <p:cTn id="7" presetID="1" presetClass="entr" presetSubtype="0" fill="hold" nodeType="withEffect">
+                                  <p:stCondLst>
+                                    <p:cond delay="0"/>
+                                  </p:stCondLst>
+                                  <p:childTnLst>
+                                    <p:set>
+                                      <p:cBhvr>
+                                        <p:cTn id="8" dur="1" fill="hold">
+                                          <p:stCondLst>
+                                            <p:cond delay="0"/>
+                                          </p:stCondLst>
+                                        </p:cTn>
+                                        <p:tgtEl>
+                                          <p:spTgt spid="14"/>
+                                        </p:tgtEl>
+                                        <p:attrNameLst>
+                                          <p:attrName>style.visibility</p:attrName>
+                                        </p:attrNameLst>
+                                      </p:cBhvr>
+                                      <p:to>
+                                        <p:strVal val="visible"/>
+                                      </p:to>
+                                    </p:set>
+                                  </p:childTnLst>
+                                </p:cTn>
+                              </p:par>
+                              <p:par>
+                                <p:cTn id="9" presetID="1" presetClass="entr" presetSubtype="0" fill="hold" nodeType="withEffect">
+                                  <p:stCondLst>
+                                    <p:cond delay="0"/>
+                                  </p:stCondLst>
+                                  <p:childTnLst>
+                                    <p:set>
+                                      <p:cBhvr>
+                                        <p:cTn id="10" dur="1" fill="hold">
+                                          <p:stCondLst>
+                                            <p:cond delay="0"/>
+                                          </p:stCondLst>
+                                        </p:cTn>
+                                        <p:tgtEl>
+                                          <p:spTgt spid="15"/>
+                                        </p:tgtEl>
+                                        <p:attrNameLst>
+                                          <p:attrName>style.visibility</p:attrName>
+                                        </p:attrNameLst>
+                                      </p:cBhvr>
+                                      <p:to>
+                                        <p:strVal val="visible"/>
+                                      </p:to>
+                                    </p:set>
+                                  </p:childTnLst>
+                                </p:cTn>
+                              </p:par>
+                              <p:par>
+                                <p:cTn id="11" presetID="1" presetClass="entr" presetSubtype="0" fill="hold" grpId="0" nodeType="withEffect">
+                                  <p:stCondLst>
+                                    <p:cond delay="0"/>
+                                  </p:stCondLst>
+                                  <p:childTnLst>
+                                    <p:set>
+                                      <p:cBhvr>
+                                        <p:cTn id="12" dur="1" fill="hold">
+                                          <p:stCondLst>
+                                            <p:cond delay="0"/>
+                                          </p:stCondLst>
+                                        </p:cTn>
+                                        <p:tgtEl>
+                                          <p:spTgt spid="16"/>
+                                        </p:tgtEl>
+                                        <p:attrNameLst>
+                                          <p:attrName>style.visibility</p:attrName>
+                                        </p:attrNameLst>
+                                      </p:cBhvr>
+                                      <p:to>
+                                        <p:strVal val="visible"/>
+                                      </p:to>
+                                    </p:set>
+                                  </p:childTnLst>
+                                </p:cTn>
+                              </p:par>
+                              <p:par>
+                                <p:cTn id="13" presetID="1" presetClass="entr" presetSubtype="0" fill="hold" grpId="0" nodeType="withEffect">
+                                  <p:stCondLst>
+                                    <p:cond delay="0"/>
+                                  </p:stCondLst>
+                                  <p:childTnLst>
+                                    <p:set>
+                                      <p:cBhvr>
+                                        <p:cTn id="14" dur="1" fill="hold">
+                                          <p:stCondLst>
+                                            <p:cond delay="0"/>
+                                          </p:stCondLst>
+                                        </p:cTn>
+                                        <p:tgtEl>
+                                          <p:spTgt spid="17"/>
+                                        </p:tgtEl>
+                                        <p:attrNameLst>
+                                          <p:attrName>style.visibility</p:attrName>
+                                        </p:attrNameLst>
+                                      </p:cBhvr>
+                                      <p:to>
+                                        <p:strVal val="visible"/>
+                                      </p:to>
+                                    </p:set>
+                                  </p:childTnLst>
+                                </p:cTn>
+                              </p:par>
+                              <p:par>
+                                <p:cTn id="15" presetID="1" presetClass="entr" presetSubtype="0" fill="hold" grpId="0" nodeType="withEffect">
+                                  <p:stCondLst>
+                                    <p:cond delay="0"/>
+                                  </p:stCondLst>
+                                  <p:childTnLst>
+                                    <p:set>
+                                      <p:cBhvr>
+                                        <p:cTn id="16" dur="1" fill="hold">
+                                          <p:stCondLst>
+                                            <p:cond delay="0"/>
+                                          </p:stCondLst>
+                                        </p:cTn>
+                                        <p:tgtEl>
+                                          <p:spTgt spid="18"/>
+                                        </p:tgtEl>
+                                        <p:attrNameLst>
+                                          <p:attrName>style.visibility</p:attrName>
+                                        </p:attrNameLst>
+                                      </p:cBhvr>
+                                      <p:to>
+                                        <p:strVal val="visible"/>
+                                      </p:to>
+                                    </p:set>
+                                  </p:childTnLst>
+                                </p:cTn>
+                              </p:par>
+                              <p:par>
+                                <p:cTn id="17" presetID="1" presetClass="entr" presetSubtype="0" fill="hold" grpId="0" nodeType="withEffect">
+                                  <p:stCondLst>
+                                    <p:cond delay="0"/>
+                                  </p:stCondLst>
+                                  <p:childTnLst>
+                                    <p:set>
+                                      <p:cBhvr>
+                                        <p:cTn id="18" dur="1" fill="hold">
+                                          <p:stCondLst>
+                                            <p:cond delay="0"/>
+                                          </p:stCondLst>
+                                        </p:cTn>
+                                        <p:tgtEl>
+                                          <p:spTgt spid="2"/>
+                                        </p:tgtEl>
+                                        <p:attrNameLst>
+                                          <p:attrName>style.visibility</p:attrName>
+                                        </p:attrNameLst>
+                                      </p:cBhvr>
+                                      <p:to>
+                                        <p:strVal val="visible"/>
+                                      </p:to>
+                                    </p:set>
+                                  </p:childTnLst>
+                                </p:cTn>
+                              </p:par>
+                              <p:par>
+                                <p:cTn id="19" presetID="1" presetClass="entr" presetSubtype="0" fill="hold" nodeType="withEffect">
+                                  <p:stCondLst>
+                                    <p:cond delay="0"/>
+                                  </p:stCondLst>
+                                  <p:childTnLst>
+                                    <p:set>
+                                      <p:cBhvr>
+                                        <p:cTn id="20" dur="1" fill="hold">
+                                          <p:stCondLst>
+                                            <p:cond delay="0"/>
+                                          </p:stCondLst>
+                                        </p:cTn>
+                                        <p:tgtEl>
+                                          <p:spTgt spid="8"/>
+                                        </p:tgtEl>
+                                        <p:attrNameLst>
+                                          <p:attrName>style.visibility</p:attrName>
+                                        </p:attrNameLst>
+                                      </p:cBhvr>
+                                      <p:to>
+                                        <p:strVal val="visible"/>
+                                      </p:to>
+                                    </p:set>
+                                  </p:childTnLst>
+                                </p:cTn>
+                              </p:par>
+                            </p:childTnLst>
+                          </p:cTn>
+                        </p:par>
+                      </p:childTnLst>
+                    </p:cTn>
+                  </p:par>
+                </p:childTnLst>
+              </p:cTn>
+              <p:prevCondLst>
+                <p:cond evt="onPrev" delay="0">
+                  <p:tgtEl>
+                    <p:sldTgt/>
+                  </p:tgtEl>
+                </p:cond>
+              </p:prevCondLst>
+              <p:nextCondLst>
+                <p:cond evt="onNext" delay="0">
+                  <p:tgtEl>
+                    <p:sldTgt/>
+                  </p:tgtEl>
+                </p:cond>
+              </p:nextCondLst>
+            </p:seq>
+          </p:childTnLst>
+        </p:cTn>
+      </p:par>
+    </p:tnLst>
+    <p:bldLst>
+      <p:bldP spid="13" grpId="0"/>
+      <p:bldP spid="16" grpId="0"/>
+      <p:bldP spid="17" grpId="0" animBg="1"/>
+      <p:bldP spid="18" grpId="0"/>
+      <p:bldP spid="2" grpId="0" animBg="1"/>
+    </p:bldLst>
+  </p:timing>
 </p:sld>
 </file>
 
